--- a/Диплом/Диплом.pptx
+++ b/Диплом/Диплом.pptx
@@ -4,6 +4,9 @@
   <p:sldMasterIdLst>
     <p:sldMasterId id="2147483648" r:id="rId1"/>
   </p:sldMasterIdLst>
+  <p:notesMasterIdLst>
+    <p:notesMasterId r:id="rId17"/>
+  </p:notesMasterIdLst>
   <p:sldIdLst>
     <p:sldId id="256" r:id="rId2"/>
     <p:sldId id="263" r:id="rId3"/>
@@ -15,9 +18,11 @@
     <p:sldId id="266" r:id="rId9"/>
     <p:sldId id="271" r:id="rId10"/>
     <p:sldId id="267" r:id="rId11"/>
-    <p:sldId id="268" r:id="rId12"/>
-    <p:sldId id="269" r:id="rId13"/>
-    <p:sldId id="270" r:id="rId14"/>
+    <p:sldId id="272" r:id="rId12"/>
+    <p:sldId id="273" r:id="rId13"/>
+    <p:sldId id="268" r:id="rId14"/>
+    <p:sldId id="269" r:id="rId15"/>
+    <p:sldId id="270" r:id="rId16"/>
   </p:sldIdLst>
   <p:sldSz cx="12192000" cy="6858000"/>
   <p:notesSz cx="6858000" cy="9144000"/>
@@ -942,6 +947,753 @@
 </dgm:colorsDef>
 </file>
 
+<file path=ppt/diagrams/colors2.xml><?xml version="1.0" encoding="utf-8"?>
+<dgm:colorsDef xmlns:dgm="http://schemas.openxmlformats.org/drawingml/2006/diagram" xmlns:a="http://schemas.openxmlformats.org/drawingml/2006/main" uniqueId="urn:microsoft.com/office/officeart/2005/8/colors/accent1_2">
+  <dgm:title val=""/>
+  <dgm:desc val=""/>
+  <dgm:catLst>
+    <dgm:cat type="accent1" pri="11200"/>
+  </dgm:catLst>
+  <dgm:styleLbl name="node0">
+    <dgm:fillClrLst meth="repeat">
+      <a:schemeClr val="accent1"/>
+    </dgm:fillClrLst>
+    <dgm:linClrLst meth="repeat">
+      <a:schemeClr val="lt1"/>
+    </dgm:linClrLst>
+    <dgm:effectClrLst/>
+    <dgm:txLinClrLst/>
+    <dgm:txFillClrLst/>
+    <dgm:txEffectClrLst/>
+  </dgm:styleLbl>
+  <dgm:styleLbl name="alignNode1">
+    <dgm:fillClrLst meth="repeat">
+      <a:schemeClr val="accent1"/>
+    </dgm:fillClrLst>
+    <dgm:linClrLst meth="repeat">
+      <a:schemeClr val="accent1"/>
+    </dgm:linClrLst>
+    <dgm:effectClrLst/>
+    <dgm:txLinClrLst/>
+    <dgm:txFillClrLst/>
+    <dgm:txEffectClrLst/>
+  </dgm:styleLbl>
+  <dgm:styleLbl name="node1">
+    <dgm:fillClrLst meth="repeat">
+      <a:schemeClr val="accent1"/>
+    </dgm:fillClrLst>
+    <dgm:linClrLst meth="repeat">
+      <a:schemeClr val="lt1"/>
+    </dgm:linClrLst>
+    <dgm:effectClrLst/>
+    <dgm:txLinClrLst/>
+    <dgm:txFillClrLst/>
+    <dgm:txEffectClrLst/>
+  </dgm:styleLbl>
+  <dgm:styleLbl name="lnNode1">
+    <dgm:fillClrLst meth="repeat">
+      <a:schemeClr val="accent1"/>
+    </dgm:fillClrLst>
+    <dgm:linClrLst meth="repeat">
+      <a:schemeClr val="lt1"/>
+    </dgm:linClrLst>
+    <dgm:effectClrLst/>
+    <dgm:txLinClrLst/>
+    <dgm:txFillClrLst/>
+    <dgm:txEffectClrLst/>
+  </dgm:styleLbl>
+  <dgm:styleLbl name="vennNode1">
+    <dgm:fillClrLst meth="repeat">
+      <a:schemeClr val="accent1">
+        <a:alpha val="50000"/>
+      </a:schemeClr>
+    </dgm:fillClrLst>
+    <dgm:linClrLst meth="repeat">
+      <a:schemeClr val="lt1"/>
+    </dgm:linClrLst>
+    <dgm:effectClrLst/>
+    <dgm:txLinClrLst/>
+    <dgm:txFillClrLst/>
+    <dgm:txEffectClrLst/>
+  </dgm:styleLbl>
+  <dgm:styleLbl name="node2">
+    <dgm:fillClrLst meth="repeat">
+      <a:schemeClr val="accent1"/>
+    </dgm:fillClrLst>
+    <dgm:linClrLst meth="repeat">
+      <a:schemeClr val="lt1"/>
+    </dgm:linClrLst>
+    <dgm:effectClrLst/>
+    <dgm:txLinClrLst/>
+    <dgm:txFillClrLst/>
+    <dgm:txEffectClrLst/>
+  </dgm:styleLbl>
+  <dgm:styleLbl name="node3">
+    <dgm:fillClrLst meth="repeat">
+      <a:schemeClr val="accent1"/>
+    </dgm:fillClrLst>
+    <dgm:linClrLst meth="repeat">
+      <a:schemeClr val="lt1"/>
+    </dgm:linClrLst>
+    <dgm:effectClrLst/>
+    <dgm:txLinClrLst/>
+    <dgm:txFillClrLst/>
+    <dgm:txEffectClrLst/>
+  </dgm:styleLbl>
+  <dgm:styleLbl name="node4">
+    <dgm:fillClrLst meth="repeat">
+      <a:schemeClr val="accent1"/>
+    </dgm:fillClrLst>
+    <dgm:linClrLst meth="repeat">
+      <a:schemeClr val="lt1"/>
+    </dgm:linClrLst>
+    <dgm:effectClrLst/>
+    <dgm:txLinClrLst/>
+    <dgm:txFillClrLst/>
+    <dgm:txEffectClrLst/>
+  </dgm:styleLbl>
+  <dgm:styleLbl name="fgImgPlace1">
+    <dgm:fillClrLst meth="repeat">
+      <a:schemeClr val="accent1">
+        <a:tint val="50000"/>
+      </a:schemeClr>
+    </dgm:fillClrLst>
+    <dgm:linClrLst meth="repeat">
+      <a:schemeClr val="lt1"/>
+    </dgm:linClrLst>
+    <dgm:effectClrLst/>
+    <dgm:txLinClrLst/>
+    <dgm:txFillClrLst meth="repeat">
+      <a:schemeClr val="lt1"/>
+    </dgm:txFillClrLst>
+    <dgm:txEffectClrLst/>
+  </dgm:styleLbl>
+  <dgm:styleLbl name="alignImgPlace1">
+    <dgm:fillClrLst meth="repeat">
+      <a:schemeClr val="accent1">
+        <a:tint val="50000"/>
+      </a:schemeClr>
+    </dgm:fillClrLst>
+    <dgm:linClrLst meth="repeat">
+      <a:schemeClr val="lt1"/>
+    </dgm:linClrLst>
+    <dgm:effectClrLst/>
+    <dgm:txLinClrLst/>
+    <dgm:txFillClrLst meth="repeat">
+      <a:schemeClr val="lt1"/>
+    </dgm:txFillClrLst>
+    <dgm:txEffectClrLst/>
+  </dgm:styleLbl>
+  <dgm:styleLbl name="bgImgPlace1">
+    <dgm:fillClrLst meth="repeat">
+      <a:schemeClr val="accent1">
+        <a:tint val="50000"/>
+      </a:schemeClr>
+    </dgm:fillClrLst>
+    <dgm:linClrLst meth="repeat">
+      <a:schemeClr val="lt1"/>
+    </dgm:linClrLst>
+    <dgm:effectClrLst/>
+    <dgm:txLinClrLst/>
+    <dgm:txFillClrLst meth="repeat">
+      <a:schemeClr val="lt1"/>
+    </dgm:txFillClrLst>
+    <dgm:txEffectClrLst/>
+  </dgm:styleLbl>
+  <dgm:styleLbl name="sibTrans2D1">
+    <dgm:fillClrLst meth="repeat">
+      <a:schemeClr val="accent1">
+        <a:tint val="60000"/>
+      </a:schemeClr>
+    </dgm:fillClrLst>
+    <dgm:linClrLst meth="repeat">
+      <a:schemeClr val="accent1">
+        <a:tint val="60000"/>
+      </a:schemeClr>
+    </dgm:linClrLst>
+    <dgm:effectClrLst/>
+    <dgm:txLinClrLst/>
+    <dgm:txFillClrLst/>
+    <dgm:txEffectClrLst/>
+  </dgm:styleLbl>
+  <dgm:styleLbl name="fgSibTrans2D1">
+    <dgm:fillClrLst meth="repeat">
+      <a:schemeClr val="accent1">
+        <a:tint val="60000"/>
+      </a:schemeClr>
+    </dgm:fillClrLst>
+    <dgm:linClrLst meth="repeat">
+      <a:schemeClr val="accent1">
+        <a:tint val="60000"/>
+      </a:schemeClr>
+    </dgm:linClrLst>
+    <dgm:effectClrLst/>
+    <dgm:txLinClrLst/>
+    <dgm:txFillClrLst/>
+    <dgm:txEffectClrLst/>
+  </dgm:styleLbl>
+  <dgm:styleLbl name="bgSibTrans2D1">
+    <dgm:fillClrLst meth="repeat">
+      <a:schemeClr val="accent1">
+        <a:tint val="60000"/>
+      </a:schemeClr>
+    </dgm:fillClrLst>
+    <dgm:linClrLst meth="repeat">
+      <a:schemeClr val="accent1">
+        <a:tint val="60000"/>
+      </a:schemeClr>
+    </dgm:linClrLst>
+    <dgm:effectClrLst/>
+    <dgm:txLinClrLst/>
+    <dgm:txFillClrLst/>
+    <dgm:txEffectClrLst/>
+  </dgm:styleLbl>
+  <dgm:styleLbl name="sibTrans1D1">
+    <dgm:fillClrLst meth="repeat">
+      <a:schemeClr val="accent1"/>
+    </dgm:fillClrLst>
+    <dgm:linClrLst meth="repeat">
+      <a:schemeClr val="accent1"/>
+    </dgm:linClrLst>
+    <dgm:effectClrLst/>
+    <dgm:txLinClrLst/>
+    <dgm:txFillClrLst meth="repeat">
+      <a:schemeClr val="tx1"/>
+    </dgm:txFillClrLst>
+    <dgm:txEffectClrLst/>
+  </dgm:styleLbl>
+  <dgm:styleLbl name="callout">
+    <dgm:fillClrLst meth="repeat">
+      <a:schemeClr val="accent1"/>
+    </dgm:fillClrLst>
+    <dgm:linClrLst meth="repeat">
+      <a:schemeClr val="accent1">
+        <a:tint val="50000"/>
+      </a:schemeClr>
+    </dgm:linClrLst>
+    <dgm:effectClrLst/>
+    <dgm:txLinClrLst/>
+    <dgm:txFillClrLst meth="repeat">
+      <a:schemeClr val="tx1"/>
+    </dgm:txFillClrLst>
+    <dgm:txEffectClrLst/>
+  </dgm:styleLbl>
+  <dgm:styleLbl name="asst0">
+    <dgm:fillClrLst meth="repeat">
+      <a:schemeClr val="accent1"/>
+    </dgm:fillClrLst>
+    <dgm:linClrLst meth="repeat">
+      <a:schemeClr val="lt1"/>
+    </dgm:linClrLst>
+    <dgm:effectClrLst/>
+    <dgm:txLinClrLst/>
+    <dgm:txFillClrLst/>
+    <dgm:txEffectClrLst/>
+  </dgm:styleLbl>
+  <dgm:styleLbl name="asst1">
+    <dgm:fillClrLst meth="repeat">
+      <a:schemeClr val="accent1"/>
+    </dgm:fillClrLst>
+    <dgm:linClrLst meth="repeat">
+      <a:schemeClr val="lt1"/>
+    </dgm:linClrLst>
+    <dgm:effectClrLst/>
+    <dgm:txLinClrLst/>
+    <dgm:txFillClrLst/>
+    <dgm:txEffectClrLst/>
+  </dgm:styleLbl>
+  <dgm:styleLbl name="asst2">
+    <dgm:fillClrLst meth="repeat">
+      <a:schemeClr val="accent1"/>
+    </dgm:fillClrLst>
+    <dgm:linClrLst meth="repeat">
+      <a:schemeClr val="lt1"/>
+    </dgm:linClrLst>
+    <dgm:effectClrLst/>
+    <dgm:txLinClrLst/>
+    <dgm:txFillClrLst/>
+    <dgm:txEffectClrLst/>
+  </dgm:styleLbl>
+  <dgm:styleLbl name="asst3">
+    <dgm:fillClrLst meth="repeat">
+      <a:schemeClr val="accent1"/>
+    </dgm:fillClrLst>
+    <dgm:linClrLst meth="repeat">
+      <a:schemeClr val="lt1"/>
+    </dgm:linClrLst>
+    <dgm:effectClrLst/>
+    <dgm:txLinClrLst/>
+    <dgm:txFillClrLst/>
+    <dgm:txEffectClrLst/>
+  </dgm:styleLbl>
+  <dgm:styleLbl name="asst4">
+    <dgm:fillClrLst meth="repeat">
+      <a:schemeClr val="accent1"/>
+    </dgm:fillClrLst>
+    <dgm:linClrLst meth="repeat">
+      <a:schemeClr val="lt1"/>
+    </dgm:linClrLst>
+    <dgm:effectClrLst/>
+    <dgm:txLinClrLst/>
+    <dgm:txFillClrLst/>
+    <dgm:txEffectClrLst/>
+  </dgm:styleLbl>
+  <dgm:styleLbl name="parChTrans2D1">
+    <dgm:fillClrLst meth="repeat">
+      <a:schemeClr val="accent1">
+        <a:tint val="60000"/>
+      </a:schemeClr>
+    </dgm:fillClrLst>
+    <dgm:linClrLst meth="repeat">
+      <a:schemeClr val="accent1">
+        <a:tint val="60000"/>
+      </a:schemeClr>
+    </dgm:linClrLst>
+    <dgm:effectClrLst/>
+    <dgm:txLinClrLst/>
+    <dgm:txFillClrLst meth="repeat">
+      <a:schemeClr val="lt1"/>
+    </dgm:txFillClrLst>
+    <dgm:txEffectClrLst/>
+  </dgm:styleLbl>
+  <dgm:styleLbl name="parChTrans2D2">
+    <dgm:fillClrLst meth="repeat">
+      <a:schemeClr val="accent1"/>
+    </dgm:fillClrLst>
+    <dgm:linClrLst meth="repeat">
+      <a:schemeClr val="accent1"/>
+    </dgm:linClrLst>
+    <dgm:effectClrLst/>
+    <dgm:txLinClrLst/>
+    <dgm:txFillClrLst meth="repeat">
+      <a:schemeClr val="lt1"/>
+    </dgm:txFillClrLst>
+    <dgm:txEffectClrLst/>
+  </dgm:styleLbl>
+  <dgm:styleLbl name="parChTrans2D3">
+    <dgm:fillClrLst meth="repeat">
+      <a:schemeClr val="accent1"/>
+    </dgm:fillClrLst>
+    <dgm:linClrLst meth="repeat">
+      <a:schemeClr val="accent1"/>
+    </dgm:linClrLst>
+    <dgm:effectClrLst/>
+    <dgm:txLinClrLst/>
+    <dgm:txFillClrLst meth="repeat">
+      <a:schemeClr val="lt1"/>
+    </dgm:txFillClrLst>
+    <dgm:txEffectClrLst/>
+  </dgm:styleLbl>
+  <dgm:styleLbl name="parChTrans2D4">
+    <dgm:fillClrLst meth="repeat">
+      <a:schemeClr val="accent1"/>
+    </dgm:fillClrLst>
+    <dgm:linClrLst meth="repeat">
+      <a:schemeClr val="accent1"/>
+    </dgm:linClrLst>
+    <dgm:effectClrLst/>
+    <dgm:txLinClrLst/>
+    <dgm:txFillClrLst meth="repeat">
+      <a:schemeClr val="lt1"/>
+    </dgm:txFillClrLst>
+    <dgm:txEffectClrLst/>
+  </dgm:styleLbl>
+  <dgm:styleLbl name="parChTrans1D1">
+    <dgm:fillClrLst meth="repeat">
+      <a:schemeClr val="accent1"/>
+    </dgm:fillClrLst>
+    <dgm:linClrLst meth="repeat">
+      <a:schemeClr val="accent1">
+        <a:shade val="60000"/>
+      </a:schemeClr>
+    </dgm:linClrLst>
+    <dgm:effectClrLst/>
+    <dgm:txLinClrLst/>
+    <dgm:txFillClrLst meth="repeat">
+      <a:schemeClr val="tx1"/>
+    </dgm:txFillClrLst>
+    <dgm:txEffectClrLst/>
+  </dgm:styleLbl>
+  <dgm:styleLbl name="parChTrans1D2">
+    <dgm:fillClrLst meth="repeat">
+      <a:schemeClr val="accent1"/>
+    </dgm:fillClrLst>
+    <dgm:linClrLst meth="repeat">
+      <a:schemeClr val="accent1">
+        <a:shade val="60000"/>
+      </a:schemeClr>
+    </dgm:linClrLst>
+    <dgm:effectClrLst/>
+    <dgm:txLinClrLst/>
+    <dgm:txFillClrLst meth="repeat">
+      <a:schemeClr val="tx1"/>
+    </dgm:txFillClrLst>
+    <dgm:txEffectClrLst/>
+  </dgm:styleLbl>
+  <dgm:styleLbl name="parChTrans1D3">
+    <dgm:fillClrLst meth="repeat">
+      <a:schemeClr val="accent1"/>
+    </dgm:fillClrLst>
+    <dgm:linClrLst meth="repeat">
+      <a:schemeClr val="accent1">
+        <a:shade val="80000"/>
+      </a:schemeClr>
+    </dgm:linClrLst>
+    <dgm:effectClrLst/>
+    <dgm:txLinClrLst/>
+    <dgm:txFillClrLst meth="repeat">
+      <a:schemeClr val="tx1"/>
+    </dgm:txFillClrLst>
+    <dgm:txEffectClrLst/>
+  </dgm:styleLbl>
+  <dgm:styleLbl name="parChTrans1D4">
+    <dgm:fillClrLst meth="repeat">
+      <a:schemeClr val="accent1"/>
+    </dgm:fillClrLst>
+    <dgm:linClrLst meth="repeat">
+      <a:schemeClr val="accent1">
+        <a:shade val="80000"/>
+      </a:schemeClr>
+    </dgm:linClrLst>
+    <dgm:effectClrLst/>
+    <dgm:txLinClrLst/>
+    <dgm:txFillClrLst meth="repeat">
+      <a:schemeClr val="tx1"/>
+    </dgm:txFillClrLst>
+    <dgm:txEffectClrLst/>
+  </dgm:styleLbl>
+  <dgm:styleLbl name="fgAcc1">
+    <dgm:fillClrLst meth="repeat">
+      <a:schemeClr val="lt1">
+        <a:alpha val="90000"/>
+      </a:schemeClr>
+    </dgm:fillClrLst>
+    <dgm:linClrLst meth="repeat">
+      <a:schemeClr val="accent1"/>
+    </dgm:linClrLst>
+    <dgm:effectClrLst/>
+    <dgm:txLinClrLst/>
+    <dgm:txFillClrLst meth="repeat">
+      <a:schemeClr val="dk1"/>
+    </dgm:txFillClrLst>
+    <dgm:txEffectClrLst/>
+  </dgm:styleLbl>
+  <dgm:styleLbl name="conFgAcc1">
+    <dgm:fillClrLst meth="repeat">
+      <a:schemeClr val="lt1">
+        <a:alpha val="90000"/>
+      </a:schemeClr>
+    </dgm:fillClrLst>
+    <dgm:linClrLst meth="repeat">
+      <a:schemeClr val="accent1"/>
+    </dgm:linClrLst>
+    <dgm:effectClrLst/>
+    <dgm:txLinClrLst/>
+    <dgm:txFillClrLst meth="repeat">
+      <a:schemeClr val="dk1"/>
+    </dgm:txFillClrLst>
+    <dgm:txEffectClrLst/>
+  </dgm:styleLbl>
+  <dgm:styleLbl name="alignAcc1">
+    <dgm:fillClrLst meth="repeat">
+      <a:schemeClr val="lt1">
+        <a:alpha val="90000"/>
+      </a:schemeClr>
+    </dgm:fillClrLst>
+    <dgm:linClrLst meth="repeat">
+      <a:schemeClr val="accent1"/>
+    </dgm:linClrLst>
+    <dgm:effectClrLst/>
+    <dgm:txLinClrLst/>
+    <dgm:txFillClrLst meth="repeat">
+      <a:schemeClr val="dk1"/>
+    </dgm:txFillClrLst>
+    <dgm:txEffectClrLst/>
+  </dgm:styleLbl>
+  <dgm:styleLbl name="trAlignAcc1">
+    <dgm:fillClrLst meth="repeat">
+      <a:schemeClr val="lt1">
+        <a:alpha val="40000"/>
+      </a:schemeClr>
+    </dgm:fillClrLst>
+    <dgm:linClrLst meth="repeat">
+      <a:schemeClr val="accent1"/>
+    </dgm:linClrLst>
+    <dgm:effectClrLst/>
+    <dgm:txLinClrLst/>
+    <dgm:txFillClrLst meth="repeat">
+      <a:schemeClr val="dk1"/>
+    </dgm:txFillClrLst>
+    <dgm:txEffectClrLst/>
+  </dgm:styleLbl>
+  <dgm:styleLbl name="bgAcc1">
+    <dgm:fillClrLst meth="repeat">
+      <a:schemeClr val="lt1">
+        <a:alpha val="90000"/>
+      </a:schemeClr>
+    </dgm:fillClrLst>
+    <dgm:linClrLst meth="repeat">
+      <a:schemeClr val="accent1"/>
+    </dgm:linClrLst>
+    <dgm:effectClrLst/>
+    <dgm:txLinClrLst/>
+    <dgm:txFillClrLst meth="repeat">
+      <a:schemeClr val="dk1"/>
+    </dgm:txFillClrLst>
+    <dgm:txEffectClrLst/>
+  </dgm:styleLbl>
+  <dgm:styleLbl name="solidFgAcc1">
+    <dgm:fillClrLst meth="repeat">
+      <a:schemeClr val="lt1"/>
+    </dgm:fillClrLst>
+    <dgm:linClrLst meth="repeat">
+      <a:schemeClr val="accent1"/>
+    </dgm:linClrLst>
+    <dgm:effectClrLst/>
+    <dgm:txLinClrLst/>
+    <dgm:txFillClrLst meth="repeat">
+      <a:schemeClr val="dk1"/>
+    </dgm:txFillClrLst>
+    <dgm:txEffectClrLst/>
+  </dgm:styleLbl>
+  <dgm:styleLbl name="solidAlignAcc1">
+    <dgm:fillClrLst meth="repeat">
+      <a:schemeClr val="lt1"/>
+    </dgm:fillClrLst>
+    <dgm:linClrLst meth="repeat">
+      <a:schemeClr val="accent1"/>
+    </dgm:linClrLst>
+    <dgm:effectClrLst/>
+    <dgm:txLinClrLst/>
+    <dgm:txFillClrLst meth="repeat">
+      <a:schemeClr val="dk1"/>
+    </dgm:txFillClrLst>
+    <dgm:txEffectClrLst/>
+  </dgm:styleLbl>
+  <dgm:styleLbl name="solidBgAcc1">
+    <dgm:fillClrLst meth="repeat">
+      <a:schemeClr val="lt1"/>
+    </dgm:fillClrLst>
+    <dgm:linClrLst meth="repeat">
+      <a:schemeClr val="accent1"/>
+    </dgm:linClrLst>
+    <dgm:effectClrLst/>
+    <dgm:txLinClrLst/>
+    <dgm:txFillClrLst meth="repeat">
+      <a:schemeClr val="dk1"/>
+    </dgm:txFillClrLst>
+    <dgm:txEffectClrLst/>
+  </dgm:styleLbl>
+  <dgm:styleLbl name="fgAccFollowNode1">
+    <dgm:fillClrLst meth="repeat">
+      <a:schemeClr val="accent1">
+        <a:alpha val="90000"/>
+        <a:tint val="40000"/>
+      </a:schemeClr>
+    </dgm:fillClrLst>
+    <dgm:linClrLst meth="repeat">
+      <a:schemeClr val="accent1">
+        <a:alpha val="90000"/>
+        <a:tint val="40000"/>
+      </a:schemeClr>
+    </dgm:linClrLst>
+    <dgm:effectClrLst/>
+    <dgm:txLinClrLst/>
+    <dgm:txFillClrLst meth="repeat">
+      <a:schemeClr val="dk1"/>
+    </dgm:txFillClrLst>
+    <dgm:txEffectClrLst/>
+  </dgm:styleLbl>
+  <dgm:styleLbl name="alignAccFollowNode1">
+    <dgm:fillClrLst meth="repeat">
+      <a:schemeClr val="accent1">
+        <a:alpha val="90000"/>
+        <a:tint val="40000"/>
+      </a:schemeClr>
+    </dgm:fillClrLst>
+    <dgm:linClrLst meth="repeat">
+      <a:schemeClr val="accent1">
+        <a:alpha val="90000"/>
+        <a:tint val="40000"/>
+      </a:schemeClr>
+    </dgm:linClrLst>
+    <dgm:effectClrLst/>
+    <dgm:txLinClrLst/>
+    <dgm:txFillClrLst meth="repeat">
+      <a:schemeClr val="dk1"/>
+    </dgm:txFillClrLst>
+    <dgm:txEffectClrLst/>
+  </dgm:styleLbl>
+  <dgm:styleLbl name="bgAccFollowNode1">
+    <dgm:fillClrLst meth="repeat">
+      <a:schemeClr val="accent1">
+        <a:alpha val="90000"/>
+        <a:tint val="40000"/>
+      </a:schemeClr>
+    </dgm:fillClrLst>
+    <dgm:linClrLst meth="repeat">
+      <a:schemeClr val="accent1">
+        <a:alpha val="90000"/>
+        <a:tint val="40000"/>
+      </a:schemeClr>
+    </dgm:linClrLst>
+    <dgm:effectClrLst/>
+    <dgm:txLinClrLst/>
+    <dgm:txFillClrLst meth="repeat">
+      <a:schemeClr val="dk1"/>
+    </dgm:txFillClrLst>
+    <dgm:txEffectClrLst/>
+  </dgm:styleLbl>
+  <dgm:styleLbl name="fgAcc0">
+    <dgm:fillClrLst meth="repeat">
+      <a:schemeClr val="lt1">
+        <a:alpha val="90000"/>
+      </a:schemeClr>
+    </dgm:fillClrLst>
+    <dgm:linClrLst meth="repeat">
+      <a:schemeClr val="accent1"/>
+    </dgm:linClrLst>
+    <dgm:effectClrLst/>
+    <dgm:txLinClrLst/>
+    <dgm:txFillClrLst meth="repeat">
+      <a:schemeClr val="dk1"/>
+    </dgm:txFillClrLst>
+    <dgm:txEffectClrLst/>
+  </dgm:styleLbl>
+  <dgm:styleLbl name="fgAcc2">
+    <dgm:fillClrLst meth="repeat">
+      <a:schemeClr val="lt1">
+        <a:alpha val="90000"/>
+      </a:schemeClr>
+    </dgm:fillClrLst>
+    <dgm:linClrLst meth="repeat">
+      <a:schemeClr val="accent1"/>
+    </dgm:linClrLst>
+    <dgm:effectClrLst/>
+    <dgm:txLinClrLst/>
+    <dgm:txFillClrLst meth="repeat">
+      <a:schemeClr val="dk1"/>
+    </dgm:txFillClrLst>
+    <dgm:txEffectClrLst/>
+  </dgm:styleLbl>
+  <dgm:styleLbl name="fgAcc3">
+    <dgm:fillClrLst meth="repeat">
+      <a:schemeClr val="lt1">
+        <a:alpha val="90000"/>
+      </a:schemeClr>
+    </dgm:fillClrLst>
+    <dgm:linClrLst meth="repeat">
+      <a:schemeClr val="accent1"/>
+    </dgm:linClrLst>
+    <dgm:effectClrLst/>
+    <dgm:txLinClrLst/>
+    <dgm:txFillClrLst meth="repeat">
+      <a:schemeClr val="dk1"/>
+    </dgm:txFillClrLst>
+    <dgm:txEffectClrLst/>
+  </dgm:styleLbl>
+  <dgm:styleLbl name="fgAcc4">
+    <dgm:fillClrLst meth="repeat">
+      <a:schemeClr val="lt1">
+        <a:alpha val="90000"/>
+      </a:schemeClr>
+    </dgm:fillClrLst>
+    <dgm:linClrLst meth="repeat">
+      <a:schemeClr val="accent1"/>
+    </dgm:linClrLst>
+    <dgm:effectClrLst/>
+    <dgm:txLinClrLst/>
+    <dgm:txFillClrLst meth="repeat">
+      <a:schemeClr val="dk1"/>
+    </dgm:txFillClrLst>
+    <dgm:txEffectClrLst/>
+  </dgm:styleLbl>
+  <dgm:styleLbl name="bgShp">
+    <dgm:fillClrLst meth="repeat">
+      <a:schemeClr val="accent1">
+        <a:tint val="40000"/>
+      </a:schemeClr>
+    </dgm:fillClrLst>
+    <dgm:linClrLst meth="repeat">
+      <a:schemeClr val="accent1"/>
+    </dgm:linClrLst>
+    <dgm:effectClrLst/>
+    <dgm:txLinClrLst/>
+    <dgm:txFillClrLst meth="repeat">
+      <a:schemeClr val="dk1"/>
+    </dgm:txFillClrLst>
+    <dgm:txEffectClrLst/>
+  </dgm:styleLbl>
+  <dgm:styleLbl name="dkBgShp">
+    <dgm:fillClrLst meth="repeat">
+      <a:schemeClr val="accent1">
+        <a:shade val="80000"/>
+      </a:schemeClr>
+    </dgm:fillClrLst>
+    <dgm:linClrLst meth="repeat">
+      <a:schemeClr val="accent1"/>
+    </dgm:linClrLst>
+    <dgm:effectClrLst/>
+    <dgm:txLinClrLst/>
+    <dgm:txFillClrLst meth="repeat">
+      <a:schemeClr val="lt1"/>
+    </dgm:txFillClrLst>
+    <dgm:txEffectClrLst/>
+  </dgm:styleLbl>
+  <dgm:styleLbl name="trBgShp">
+    <dgm:fillClrLst meth="repeat">
+      <a:schemeClr val="accent1">
+        <a:tint val="50000"/>
+        <a:alpha val="40000"/>
+      </a:schemeClr>
+    </dgm:fillClrLst>
+    <dgm:linClrLst meth="repeat">
+      <a:schemeClr val="accent1"/>
+    </dgm:linClrLst>
+    <dgm:effectClrLst/>
+    <dgm:txLinClrLst/>
+    <dgm:txFillClrLst meth="repeat">
+      <a:schemeClr val="lt1"/>
+    </dgm:txFillClrLst>
+    <dgm:txEffectClrLst/>
+  </dgm:styleLbl>
+  <dgm:styleLbl name="fgShp">
+    <dgm:fillClrLst meth="repeat">
+      <a:schemeClr val="accent1">
+        <a:tint val="60000"/>
+      </a:schemeClr>
+    </dgm:fillClrLst>
+    <dgm:linClrLst meth="repeat">
+      <a:schemeClr val="lt1"/>
+    </dgm:linClrLst>
+    <dgm:effectClrLst/>
+    <dgm:txLinClrLst/>
+    <dgm:txFillClrLst meth="repeat">
+      <a:schemeClr val="dk1"/>
+    </dgm:txFillClrLst>
+    <dgm:txEffectClrLst/>
+  </dgm:styleLbl>
+  <dgm:styleLbl name="revTx">
+    <dgm:fillClrLst meth="repeat">
+      <a:schemeClr val="lt1">
+        <a:alpha val="0"/>
+      </a:schemeClr>
+    </dgm:fillClrLst>
+    <dgm:linClrLst meth="repeat">
+      <a:schemeClr val="dk1">
+        <a:alpha val="0"/>
+      </a:schemeClr>
+    </dgm:linClrLst>
+    <dgm:effectClrLst/>
+    <dgm:txLinClrLst/>
+    <dgm:txFillClrLst meth="repeat">
+      <a:schemeClr val="tx1"/>
+    </dgm:txFillClrLst>
+    <dgm:txEffectClrLst/>
+  </dgm:styleLbl>
+</dgm:colorsDef>
+</file>
+
 <file path=ppt/diagrams/data1.xml><?xml version="1.0" encoding="utf-8"?>
 <dgm:dataModel xmlns:dgm="http://schemas.openxmlformats.org/drawingml/2006/diagram" xmlns:a="http://schemas.openxmlformats.org/drawingml/2006/main">
   <dgm:ptLst>
@@ -1129,6 +1881,314 @@
     <dgm:cxn modelId="{4AABA1A8-C7E5-784B-ADBF-C8EB770471E7}" type="presParOf" srcId="{A632B0E9-7AD2-274B-8EDA-79B7A7514D9F}" destId="{8BC64779-72A3-A044-9E45-406B37F5300D}" srcOrd="2" destOrd="0" presId="urn:microsoft.com/office/officeart/2005/8/layout/chevron1"/>
     <dgm:cxn modelId="{55B17D16-DFB7-B74B-BAA8-D7DDCB5BE9DE}" type="presParOf" srcId="{A632B0E9-7AD2-274B-8EDA-79B7A7514D9F}" destId="{1874FE95-D12E-8D4F-ACB7-DEBC7FF8467A}" srcOrd="3" destOrd="0" presId="urn:microsoft.com/office/officeart/2005/8/layout/chevron1"/>
     <dgm:cxn modelId="{D1B393B7-9675-7843-8D89-73BD15B72A39}" type="presParOf" srcId="{A632B0E9-7AD2-274B-8EDA-79B7A7514D9F}" destId="{6B675743-92E3-3B48-94A1-08F42C6AFA60}" srcOrd="4" destOrd="0" presId="urn:microsoft.com/office/officeart/2005/8/layout/chevron1"/>
+  </dgm:cxnLst>
+  <dgm:bg/>
+  <dgm:whole/>
+  <dgm:extLst>
+    <a:ext uri="http://schemas.microsoft.com/office/drawing/2008/diagram">
+      <dsp:dataModelExt xmlns:dsp="http://schemas.microsoft.com/office/drawing/2008/diagram" relId="rId6" minVer="http://schemas.openxmlformats.org/drawingml/2006/diagram"/>
+    </a:ext>
+  </dgm:extLst>
+</dgm:dataModel>
+</file>
+
+<file path=ppt/diagrams/data2.xml><?xml version="1.0" encoding="utf-8"?>
+<dgm:dataModel xmlns:dgm="http://schemas.openxmlformats.org/drawingml/2006/diagram" xmlns:a="http://schemas.openxmlformats.org/drawingml/2006/main">
+  <dgm:ptLst>
+    <dgm:pt modelId="{B662014C-0D79-4DB7-9971-85BCBED6DFAB}" type="doc">
+      <dgm:prSet loTypeId="urn:microsoft.com/office/officeart/2018/2/layout/IconVerticalSolidList" loCatId="icon" qsTypeId="urn:microsoft.com/office/officeart/2005/8/quickstyle/simple4" qsCatId="simple" csTypeId="urn:microsoft.com/office/officeart/2005/8/colors/accent1_2" csCatId="accent1" phldr="1"/>
+      <dgm:spPr/>
+      <dgm:t>
+        <a:bodyPr/>
+        <a:lstStyle/>
+        <a:p>
+          <a:endParaRPr lang="en-US"/>
+        </a:p>
+      </dgm:t>
+    </dgm:pt>
+    <dgm:pt modelId="{1D8DE8C8-2872-4DC7-AD22-3FE3299A8DB8}">
+      <dgm:prSet/>
+      <dgm:spPr/>
+      <dgm:t>
+        <a:bodyPr/>
+        <a:lstStyle/>
+        <a:p>
+          <a:pPr>
+            <a:lnSpc>
+              <a:spcPct val="100000"/>
+            </a:lnSpc>
+          </a:pPr>
+          <a:r>
+            <a:rPr lang="ru-RU" dirty="0"/>
+            <a:t>Разработан алгоритм индексации распределенного облака точек с помощью </a:t>
+          </a:r>
+          <a:r>
+            <a:rPr lang="en-US" dirty="0"/>
+            <a:t>kd-</a:t>
+          </a:r>
+          <a:r>
+            <a:rPr lang="ru-RU" dirty="0"/>
+            <a:t>дерева. </a:t>
+          </a:r>
+          <a:endParaRPr lang="en-US" dirty="0"/>
+        </a:p>
+      </dgm:t>
+    </dgm:pt>
+    <dgm:pt modelId="{7A3EFF05-30CB-4EF6-A578-2C84D93A9940}" type="parTrans" cxnId="{FCD0DCD0-55D9-4A9E-B0F0-D6D0B171A11A}">
+      <dgm:prSet/>
+      <dgm:spPr/>
+      <dgm:t>
+        <a:bodyPr/>
+        <a:lstStyle/>
+        <a:p>
+          <a:endParaRPr lang="en-US"/>
+        </a:p>
+      </dgm:t>
+    </dgm:pt>
+    <dgm:pt modelId="{94CB6317-EF46-4294-9E12-98CE228B568E}" type="sibTrans" cxnId="{FCD0DCD0-55D9-4A9E-B0F0-D6D0B171A11A}">
+      <dgm:prSet/>
+      <dgm:spPr/>
+      <dgm:t>
+        <a:bodyPr/>
+        <a:lstStyle/>
+        <a:p>
+          <a:endParaRPr lang="en-US"/>
+        </a:p>
+      </dgm:t>
+    </dgm:pt>
+    <dgm:pt modelId="{278244F4-5D14-4BEF-B575-EAFA518735D8}">
+      <dgm:prSet/>
+      <dgm:spPr/>
+      <dgm:t>
+        <a:bodyPr/>
+        <a:lstStyle/>
+        <a:p>
+          <a:pPr>
+            <a:lnSpc>
+              <a:spcPct val="100000"/>
+            </a:lnSpc>
+          </a:pPr>
+          <a:r>
+            <a:rPr lang="ru-RU" dirty="0"/>
+            <a:t>Алгоритм протестирован на модельной задаче поиска точек облака в заданной области пространства.</a:t>
+          </a:r>
+          <a:endParaRPr lang="en-US" dirty="0"/>
+        </a:p>
+      </dgm:t>
+    </dgm:pt>
+    <dgm:pt modelId="{CFADE80A-6791-45C3-85EB-72A8E88881BD}" type="parTrans" cxnId="{EC1F20DA-F1EF-4933-B340-B27B924BEA5F}">
+      <dgm:prSet/>
+      <dgm:spPr/>
+      <dgm:t>
+        <a:bodyPr/>
+        <a:lstStyle/>
+        <a:p>
+          <a:endParaRPr lang="en-US"/>
+        </a:p>
+      </dgm:t>
+    </dgm:pt>
+    <dgm:pt modelId="{A9247B36-3AAA-4B8E-82CE-84A60A51577B}" type="sibTrans" cxnId="{EC1F20DA-F1EF-4933-B340-B27B924BEA5F}">
+      <dgm:prSet/>
+      <dgm:spPr/>
+      <dgm:t>
+        <a:bodyPr/>
+        <a:lstStyle/>
+        <a:p>
+          <a:endParaRPr lang="en-US"/>
+        </a:p>
+      </dgm:t>
+    </dgm:pt>
+    <dgm:pt modelId="{493CF588-C5E4-4BD0-8CA2-F3126236BE31}">
+      <dgm:prSet/>
+      <dgm:spPr/>
+      <dgm:t>
+        <a:bodyPr/>
+        <a:lstStyle/>
+        <a:p>
+          <a:pPr>
+            <a:lnSpc>
+              <a:spcPct val="100000"/>
+            </a:lnSpc>
+          </a:pPr>
+          <a:r>
+            <a:rPr lang="ru-RU"/>
+            <a:t>Показано ускорение решения модельной задачи при использовании предложенного подхода.</a:t>
+          </a:r>
+          <a:endParaRPr lang="en-US"/>
+        </a:p>
+      </dgm:t>
+    </dgm:pt>
+    <dgm:pt modelId="{0F3DF666-334B-4111-BAC6-F9CD4A63C4C2}" type="parTrans" cxnId="{6A423569-CE61-455B-A906-58385DAAFBF8}">
+      <dgm:prSet/>
+      <dgm:spPr/>
+      <dgm:t>
+        <a:bodyPr/>
+        <a:lstStyle/>
+        <a:p>
+          <a:endParaRPr lang="en-US"/>
+        </a:p>
+      </dgm:t>
+    </dgm:pt>
+    <dgm:pt modelId="{F44C8F69-5EDB-4995-A386-33CD05337BC5}" type="sibTrans" cxnId="{6A423569-CE61-455B-A906-58385DAAFBF8}">
+      <dgm:prSet/>
+      <dgm:spPr/>
+      <dgm:t>
+        <a:bodyPr/>
+        <a:lstStyle/>
+        <a:p>
+          <a:endParaRPr lang="en-US"/>
+        </a:p>
+      </dgm:t>
+    </dgm:pt>
+    <dgm:pt modelId="{D5E99D9B-095C-4010-B695-8433DEC825DC}" type="pres">
+      <dgm:prSet presAssocID="{B662014C-0D79-4DB7-9971-85BCBED6DFAB}" presName="root" presStyleCnt="0">
+        <dgm:presLayoutVars>
+          <dgm:dir/>
+          <dgm:resizeHandles val="exact"/>
+        </dgm:presLayoutVars>
+      </dgm:prSet>
+      <dgm:spPr/>
+    </dgm:pt>
+    <dgm:pt modelId="{4289A1CB-05AF-48A8-9695-EA6909D44AB7}" type="pres">
+      <dgm:prSet presAssocID="{1D8DE8C8-2872-4DC7-AD22-3FE3299A8DB8}" presName="compNode" presStyleCnt="0"/>
+      <dgm:spPr/>
+    </dgm:pt>
+    <dgm:pt modelId="{321BB5CE-EE50-4E8F-8577-AEE2238A9CB4}" type="pres">
+      <dgm:prSet presAssocID="{1D8DE8C8-2872-4DC7-AD22-3FE3299A8DB8}" presName="bgRect" presStyleLbl="bgShp" presStyleIdx="0" presStyleCnt="3"/>
+      <dgm:spPr/>
+    </dgm:pt>
+    <dgm:pt modelId="{894ABFAE-65D2-43A6-8A3C-E43D56998302}" type="pres">
+      <dgm:prSet presAssocID="{1D8DE8C8-2872-4DC7-AD22-3FE3299A8DB8}" presName="iconRect" presStyleLbl="node1" presStyleIdx="0" presStyleCnt="3"/>
+      <dgm:spPr>
+        <a:blipFill>
+          <a:blip xmlns:r="http://schemas.openxmlformats.org/officeDocument/2006/relationships" r:embed="rId1"/>
+          <a:stretch>
+            <a:fillRect/>
+          </a:stretch>
+        </a:blipFill>
+      </dgm:spPr>
+    </dgm:pt>
+    <dgm:pt modelId="{DFB29F61-5C39-4CC6-A3B7-E30C906569F2}" type="pres">
+      <dgm:prSet presAssocID="{1D8DE8C8-2872-4DC7-AD22-3FE3299A8DB8}" presName="spaceRect" presStyleCnt="0"/>
+      <dgm:spPr/>
+    </dgm:pt>
+    <dgm:pt modelId="{E8DD6C5A-C980-4CA1-B9BA-5B9B78F92CD4}" type="pres">
+      <dgm:prSet presAssocID="{1D8DE8C8-2872-4DC7-AD22-3FE3299A8DB8}" presName="parTx" presStyleLbl="revTx" presStyleIdx="0" presStyleCnt="3">
+        <dgm:presLayoutVars>
+          <dgm:chMax val="0"/>
+          <dgm:chPref val="0"/>
+        </dgm:presLayoutVars>
+      </dgm:prSet>
+      <dgm:spPr/>
+    </dgm:pt>
+    <dgm:pt modelId="{4B1D3578-8CE7-49D6-B00B-D5824F157A09}" type="pres">
+      <dgm:prSet presAssocID="{94CB6317-EF46-4294-9E12-98CE228B568E}" presName="sibTrans" presStyleCnt="0"/>
+      <dgm:spPr/>
+    </dgm:pt>
+    <dgm:pt modelId="{B8E139E0-3214-4004-B44D-F2A6A83E27F3}" type="pres">
+      <dgm:prSet presAssocID="{278244F4-5D14-4BEF-B575-EAFA518735D8}" presName="compNode" presStyleCnt="0"/>
+      <dgm:spPr/>
+    </dgm:pt>
+    <dgm:pt modelId="{DB928767-2EC0-48CA-B99B-45F3DD7364D4}" type="pres">
+      <dgm:prSet presAssocID="{278244F4-5D14-4BEF-B575-EAFA518735D8}" presName="bgRect" presStyleLbl="bgShp" presStyleIdx="1" presStyleCnt="3"/>
+      <dgm:spPr/>
+    </dgm:pt>
+    <dgm:pt modelId="{10858DCC-8519-475A-9D08-1F0E9F3AB36F}" type="pres">
+      <dgm:prSet presAssocID="{278244F4-5D14-4BEF-B575-EAFA518735D8}" presName="iconRect" presStyleLbl="node1" presStyleIdx="1" presStyleCnt="3"/>
+      <dgm:spPr>
+        <a:blipFill>
+          <a:blip xmlns:r="http://schemas.openxmlformats.org/officeDocument/2006/relationships" r:embed="rId2"/>
+          <a:stretch>
+            <a:fillRect/>
+          </a:stretch>
+        </a:blipFill>
+      </dgm:spPr>
+      <dgm:extLst>
+        <a:ext uri="{E40237B7-FDA0-4F09-8148-C483321AD2D9}">
+          <dgm14:cNvPr xmlns:dgm14="http://schemas.microsoft.com/office/drawing/2010/diagram" id="0" name="" descr="Облако"/>
+        </a:ext>
+      </dgm:extLst>
+    </dgm:pt>
+    <dgm:pt modelId="{BE6AF719-77B2-4C90-BF49-C81F32F412B5}" type="pres">
+      <dgm:prSet presAssocID="{278244F4-5D14-4BEF-B575-EAFA518735D8}" presName="spaceRect" presStyleCnt="0"/>
+      <dgm:spPr/>
+    </dgm:pt>
+    <dgm:pt modelId="{1DD0ED49-5294-48E1-B54B-F7E3A66CEF2C}" type="pres">
+      <dgm:prSet presAssocID="{278244F4-5D14-4BEF-B575-EAFA518735D8}" presName="parTx" presStyleLbl="revTx" presStyleIdx="1" presStyleCnt="3">
+        <dgm:presLayoutVars>
+          <dgm:chMax val="0"/>
+          <dgm:chPref val="0"/>
+        </dgm:presLayoutVars>
+      </dgm:prSet>
+      <dgm:spPr/>
+    </dgm:pt>
+    <dgm:pt modelId="{D9E74F29-E639-4F02-BBF6-207C994763C0}" type="pres">
+      <dgm:prSet presAssocID="{A9247B36-3AAA-4B8E-82CE-84A60A51577B}" presName="sibTrans" presStyleCnt="0"/>
+      <dgm:spPr/>
+    </dgm:pt>
+    <dgm:pt modelId="{5B032BF6-926F-4CBB-8DD4-83B7D3C7D19E}" type="pres">
+      <dgm:prSet presAssocID="{493CF588-C5E4-4BD0-8CA2-F3126236BE31}" presName="compNode" presStyleCnt="0"/>
+      <dgm:spPr/>
+    </dgm:pt>
+    <dgm:pt modelId="{6EF5983E-AEB9-416C-AF48-A8BD4A155349}" type="pres">
+      <dgm:prSet presAssocID="{493CF588-C5E4-4BD0-8CA2-F3126236BE31}" presName="bgRect" presStyleLbl="bgShp" presStyleIdx="2" presStyleCnt="3"/>
+      <dgm:spPr/>
+    </dgm:pt>
+    <dgm:pt modelId="{C442F21E-8B44-4F04-9FC0-4CBE4B1A5B39}" type="pres">
+      <dgm:prSet presAssocID="{493CF588-C5E4-4BD0-8CA2-F3126236BE31}" presName="iconRect" presStyleLbl="node1" presStyleIdx="2" presStyleCnt="3"/>
+      <dgm:spPr>
+        <a:blipFill>
+          <a:blip xmlns:r="http://schemas.openxmlformats.org/officeDocument/2006/relationships" r:embed="rId3"/>
+          <a:stretch>
+            <a:fillRect/>
+          </a:stretch>
+        </a:blipFill>
+      </dgm:spPr>
+      <dgm:extLst>
+        <a:ext uri="{E40237B7-FDA0-4F09-8148-C483321AD2D9}">
+          <dgm14:cNvPr xmlns:dgm14="http://schemas.microsoft.com/office/drawing/2010/diagram" id="0" name="" descr="Флажок"/>
+        </a:ext>
+      </dgm:extLst>
+    </dgm:pt>
+    <dgm:pt modelId="{62DE596E-EE15-4615-9F12-4C580E8145B8}" type="pres">
+      <dgm:prSet presAssocID="{493CF588-C5E4-4BD0-8CA2-F3126236BE31}" presName="spaceRect" presStyleCnt="0"/>
+      <dgm:spPr/>
+    </dgm:pt>
+    <dgm:pt modelId="{D055389F-68D0-49B5-9AF3-89AAB93169D3}" type="pres">
+      <dgm:prSet presAssocID="{493CF588-C5E4-4BD0-8CA2-F3126236BE31}" presName="parTx" presStyleLbl="revTx" presStyleIdx="2" presStyleCnt="3">
+        <dgm:presLayoutVars>
+          <dgm:chMax val="0"/>
+          <dgm:chPref val="0"/>
+        </dgm:presLayoutVars>
+      </dgm:prSet>
+      <dgm:spPr/>
+    </dgm:pt>
+  </dgm:ptLst>
+  <dgm:cxnLst>
+    <dgm:cxn modelId="{16C1DA22-BAE7-4438-9B85-BBA54FA828C1}" type="presOf" srcId="{278244F4-5D14-4BEF-B575-EAFA518735D8}" destId="{1DD0ED49-5294-48E1-B54B-F7E3A66CEF2C}" srcOrd="0" destOrd="0" presId="urn:microsoft.com/office/officeart/2018/2/layout/IconVerticalSolidList"/>
+    <dgm:cxn modelId="{7666A726-4932-4939-8378-1420A1453499}" type="presOf" srcId="{1D8DE8C8-2872-4DC7-AD22-3FE3299A8DB8}" destId="{E8DD6C5A-C980-4CA1-B9BA-5B9B78F92CD4}" srcOrd="0" destOrd="0" presId="urn:microsoft.com/office/officeart/2018/2/layout/IconVerticalSolidList"/>
+    <dgm:cxn modelId="{6A423569-CE61-455B-A906-58385DAAFBF8}" srcId="{B662014C-0D79-4DB7-9971-85BCBED6DFAB}" destId="{493CF588-C5E4-4BD0-8CA2-F3126236BE31}" srcOrd="2" destOrd="0" parTransId="{0F3DF666-334B-4111-BAC6-F9CD4A63C4C2}" sibTransId="{F44C8F69-5EDB-4995-A386-33CD05337BC5}"/>
+    <dgm:cxn modelId="{05FABECB-99FF-4B61-94DB-E63EEB359164}" type="presOf" srcId="{B662014C-0D79-4DB7-9971-85BCBED6DFAB}" destId="{D5E99D9B-095C-4010-B695-8433DEC825DC}" srcOrd="0" destOrd="0" presId="urn:microsoft.com/office/officeart/2018/2/layout/IconVerticalSolidList"/>
+    <dgm:cxn modelId="{FCD0DCD0-55D9-4A9E-B0F0-D6D0B171A11A}" srcId="{B662014C-0D79-4DB7-9971-85BCBED6DFAB}" destId="{1D8DE8C8-2872-4DC7-AD22-3FE3299A8DB8}" srcOrd="0" destOrd="0" parTransId="{7A3EFF05-30CB-4EF6-A578-2C84D93A9940}" sibTransId="{94CB6317-EF46-4294-9E12-98CE228B568E}"/>
+    <dgm:cxn modelId="{EC1F20DA-F1EF-4933-B340-B27B924BEA5F}" srcId="{B662014C-0D79-4DB7-9971-85BCBED6DFAB}" destId="{278244F4-5D14-4BEF-B575-EAFA518735D8}" srcOrd="1" destOrd="0" parTransId="{CFADE80A-6791-45C3-85EB-72A8E88881BD}" sibTransId="{A9247B36-3AAA-4B8E-82CE-84A60A51577B}"/>
+    <dgm:cxn modelId="{5B768FE9-4AB8-473D-B0FD-CB6CF0CB509B}" type="presOf" srcId="{493CF588-C5E4-4BD0-8CA2-F3126236BE31}" destId="{D055389F-68D0-49B5-9AF3-89AAB93169D3}" srcOrd="0" destOrd="0" presId="urn:microsoft.com/office/officeart/2018/2/layout/IconVerticalSolidList"/>
+    <dgm:cxn modelId="{244BB1E6-01A5-4423-B467-CA9A1BE0B552}" type="presParOf" srcId="{D5E99D9B-095C-4010-B695-8433DEC825DC}" destId="{4289A1CB-05AF-48A8-9695-EA6909D44AB7}" srcOrd="0" destOrd="0" presId="urn:microsoft.com/office/officeart/2018/2/layout/IconVerticalSolidList"/>
+    <dgm:cxn modelId="{BC51081C-3974-4B28-90E2-4922621143E3}" type="presParOf" srcId="{4289A1CB-05AF-48A8-9695-EA6909D44AB7}" destId="{321BB5CE-EE50-4E8F-8577-AEE2238A9CB4}" srcOrd="0" destOrd="0" presId="urn:microsoft.com/office/officeart/2018/2/layout/IconVerticalSolidList"/>
+    <dgm:cxn modelId="{F51E10F4-7B13-4C96-92D7-9EB03B82EC96}" type="presParOf" srcId="{4289A1CB-05AF-48A8-9695-EA6909D44AB7}" destId="{894ABFAE-65D2-43A6-8A3C-E43D56998302}" srcOrd="1" destOrd="0" presId="urn:microsoft.com/office/officeart/2018/2/layout/IconVerticalSolidList"/>
+    <dgm:cxn modelId="{8633553A-FA6F-4175-A66B-4338C7DB0D08}" type="presParOf" srcId="{4289A1CB-05AF-48A8-9695-EA6909D44AB7}" destId="{DFB29F61-5C39-4CC6-A3B7-E30C906569F2}" srcOrd="2" destOrd="0" presId="urn:microsoft.com/office/officeart/2018/2/layout/IconVerticalSolidList"/>
+    <dgm:cxn modelId="{211E8CB2-D306-44FE-B75A-160975567F99}" type="presParOf" srcId="{4289A1CB-05AF-48A8-9695-EA6909D44AB7}" destId="{E8DD6C5A-C980-4CA1-B9BA-5B9B78F92CD4}" srcOrd="3" destOrd="0" presId="urn:microsoft.com/office/officeart/2018/2/layout/IconVerticalSolidList"/>
+    <dgm:cxn modelId="{D25B6314-A384-49EE-BFDC-D690F6AA945A}" type="presParOf" srcId="{D5E99D9B-095C-4010-B695-8433DEC825DC}" destId="{4B1D3578-8CE7-49D6-B00B-D5824F157A09}" srcOrd="1" destOrd="0" presId="urn:microsoft.com/office/officeart/2018/2/layout/IconVerticalSolidList"/>
+    <dgm:cxn modelId="{A7B79BD2-CF63-4590-A7D5-8718A87B8F88}" type="presParOf" srcId="{D5E99D9B-095C-4010-B695-8433DEC825DC}" destId="{B8E139E0-3214-4004-B44D-F2A6A83E27F3}" srcOrd="2" destOrd="0" presId="urn:microsoft.com/office/officeart/2018/2/layout/IconVerticalSolidList"/>
+    <dgm:cxn modelId="{1194F3D8-25DF-4393-B361-6271E69017F7}" type="presParOf" srcId="{B8E139E0-3214-4004-B44D-F2A6A83E27F3}" destId="{DB928767-2EC0-48CA-B99B-45F3DD7364D4}" srcOrd="0" destOrd="0" presId="urn:microsoft.com/office/officeart/2018/2/layout/IconVerticalSolidList"/>
+    <dgm:cxn modelId="{A1902CC7-6512-4D51-9A02-13E9F3950589}" type="presParOf" srcId="{B8E139E0-3214-4004-B44D-F2A6A83E27F3}" destId="{10858DCC-8519-475A-9D08-1F0E9F3AB36F}" srcOrd="1" destOrd="0" presId="urn:microsoft.com/office/officeart/2018/2/layout/IconVerticalSolidList"/>
+    <dgm:cxn modelId="{0A79292C-5276-497F-ADE6-0FEE31DEF9DD}" type="presParOf" srcId="{B8E139E0-3214-4004-B44D-F2A6A83E27F3}" destId="{BE6AF719-77B2-4C90-BF49-C81F32F412B5}" srcOrd="2" destOrd="0" presId="urn:microsoft.com/office/officeart/2018/2/layout/IconVerticalSolidList"/>
+    <dgm:cxn modelId="{5915E03C-7CFE-4845-96C6-EF9B4976B5E1}" type="presParOf" srcId="{B8E139E0-3214-4004-B44D-F2A6A83E27F3}" destId="{1DD0ED49-5294-48E1-B54B-F7E3A66CEF2C}" srcOrd="3" destOrd="0" presId="urn:microsoft.com/office/officeart/2018/2/layout/IconVerticalSolidList"/>
+    <dgm:cxn modelId="{94676553-A6B7-4C99-B3A3-4D075DA66BFC}" type="presParOf" srcId="{D5E99D9B-095C-4010-B695-8433DEC825DC}" destId="{D9E74F29-E639-4F02-BBF6-207C994763C0}" srcOrd="3" destOrd="0" presId="urn:microsoft.com/office/officeart/2018/2/layout/IconVerticalSolidList"/>
+    <dgm:cxn modelId="{BF7EF045-6556-4F41-9315-E5EA43B05167}" type="presParOf" srcId="{D5E99D9B-095C-4010-B695-8433DEC825DC}" destId="{5B032BF6-926F-4CBB-8DD4-83B7D3C7D19E}" srcOrd="4" destOrd="0" presId="urn:microsoft.com/office/officeart/2018/2/layout/IconVerticalSolidList"/>
+    <dgm:cxn modelId="{16AF4781-71B1-4828-897B-0604976C371B}" type="presParOf" srcId="{5B032BF6-926F-4CBB-8DD4-83B7D3C7D19E}" destId="{6EF5983E-AEB9-416C-AF48-A8BD4A155349}" srcOrd="0" destOrd="0" presId="urn:microsoft.com/office/officeart/2018/2/layout/IconVerticalSolidList"/>
+    <dgm:cxn modelId="{0FAD0F08-BAE4-408A-A549-2395F364DC8F}" type="presParOf" srcId="{5B032BF6-926F-4CBB-8DD4-83B7D3C7D19E}" destId="{C442F21E-8B44-4F04-9FC0-4CBE4B1A5B39}" srcOrd="1" destOrd="0" presId="urn:microsoft.com/office/officeart/2018/2/layout/IconVerticalSolidList"/>
+    <dgm:cxn modelId="{BD9D95C3-482A-403E-AABD-B3DA90B02990}" type="presParOf" srcId="{5B032BF6-926F-4CBB-8DD4-83B7D3C7D19E}" destId="{62DE596E-EE15-4615-9F12-4C580E8145B8}" srcOrd="2" destOrd="0" presId="urn:microsoft.com/office/officeart/2018/2/layout/IconVerticalSolidList"/>
+    <dgm:cxn modelId="{DF129AD9-69A8-4736-90BB-D6DFBC9710A1}" type="presParOf" srcId="{5B032BF6-926F-4CBB-8DD4-83B7D3C7D19E}" destId="{D055389F-68D0-49B5-9AF3-89AAB93169D3}" srcOrd="3" destOrd="0" presId="urn:microsoft.com/office/officeart/2018/2/layout/IconVerticalSolidList"/>
   </dgm:cxnLst>
   <dgm:bg/>
   <dgm:whole/>
@@ -1386,6 +2446,452 @@
       <dsp:txXfrm>
         <a:off x="7804220" y="786678"/>
         <a:ext cx="2340306" cy="1560203"/>
+      </dsp:txXfrm>
+    </dsp:sp>
+  </dsp:spTree>
+</dsp:drawing>
+</file>
+
+<file path=ppt/diagrams/drawing2.xml><?xml version="1.0" encoding="utf-8"?>
+<dsp:drawing xmlns:dgm="http://schemas.openxmlformats.org/drawingml/2006/diagram" xmlns:dsp="http://schemas.microsoft.com/office/drawing/2008/diagram" xmlns:a="http://schemas.openxmlformats.org/drawingml/2006/main">
+  <dsp:spTree>
+    <dsp:nvGrpSpPr>
+      <dsp:cNvPr id="0" name=""/>
+      <dsp:cNvGrpSpPr/>
+    </dsp:nvGrpSpPr>
+    <dsp:grpSpPr/>
+    <dsp:sp modelId="{321BB5CE-EE50-4E8F-8577-AEE2238A9CB4}">
+      <dsp:nvSpPr>
+        <dsp:cNvPr id="0" name=""/>
+        <dsp:cNvSpPr/>
+      </dsp:nvSpPr>
+      <dsp:spPr>
+        <a:xfrm>
+          <a:off x="0" y="449"/>
+          <a:ext cx="9724031" cy="1052131"/>
+        </a:xfrm>
+        <a:prstGeom prst="roundRect">
+          <a:avLst>
+            <a:gd name="adj" fmla="val 10000"/>
+          </a:avLst>
+        </a:prstGeom>
+        <a:solidFill>
+          <a:schemeClr val="accent1">
+            <a:tint val="40000"/>
+            <a:hueOff val="0"/>
+            <a:satOff val="0"/>
+            <a:lumOff val="0"/>
+            <a:alphaOff val="0"/>
+          </a:schemeClr>
+        </a:solidFill>
+        <a:ln>
+          <a:noFill/>
+        </a:ln>
+        <a:effectLst/>
+      </dsp:spPr>
+      <dsp:style>
+        <a:lnRef idx="0">
+          <a:scrgbClr r="0" g="0" b="0"/>
+        </a:lnRef>
+        <a:fillRef idx="1">
+          <a:scrgbClr r="0" g="0" b="0"/>
+        </a:fillRef>
+        <a:effectRef idx="2">
+          <a:scrgbClr r="0" g="0" b="0"/>
+        </a:effectRef>
+        <a:fontRef idx="minor"/>
+      </dsp:style>
+    </dsp:sp>
+    <dsp:sp modelId="{894ABFAE-65D2-43A6-8A3C-E43D56998302}">
+      <dsp:nvSpPr>
+        <dsp:cNvPr id="0" name=""/>
+        <dsp:cNvSpPr/>
+      </dsp:nvSpPr>
+      <dsp:spPr>
+        <a:xfrm>
+          <a:off x="318269" y="237179"/>
+          <a:ext cx="578672" cy="578672"/>
+        </a:xfrm>
+        <a:prstGeom prst="rect">
+          <a:avLst/>
+        </a:prstGeom>
+        <a:blipFill>
+          <a:blip xmlns:r="http://schemas.openxmlformats.org/officeDocument/2006/relationships" r:embed="rId1"/>
+          <a:stretch>
+            <a:fillRect/>
+          </a:stretch>
+        </a:blipFill>
+        <a:ln>
+          <a:noFill/>
+        </a:ln>
+        <a:effectLst/>
+      </dsp:spPr>
+      <dsp:style>
+        <a:lnRef idx="0">
+          <a:scrgbClr r="0" g="0" b="0"/>
+        </a:lnRef>
+        <a:fillRef idx="3">
+          <a:scrgbClr r="0" g="0" b="0"/>
+        </a:fillRef>
+        <a:effectRef idx="2">
+          <a:scrgbClr r="0" g="0" b="0"/>
+        </a:effectRef>
+        <a:fontRef idx="minor">
+          <a:schemeClr val="lt1"/>
+        </a:fontRef>
+      </dsp:style>
+    </dsp:sp>
+    <dsp:sp modelId="{E8DD6C5A-C980-4CA1-B9BA-5B9B78F92CD4}">
+      <dsp:nvSpPr>
+        <dsp:cNvPr id="0" name=""/>
+        <dsp:cNvSpPr/>
+      </dsp:nvSpPr>
+      <dsp:spPr>
+        <a:xfrm>
+          <a:off x="1215211" y="449"/>
+          <a:ext cx="8508819" cy="1052131"/>
+        </a:xfrm>
+        <a:prstGeom prst="rect">
+          <a:avLst/>
+        </a:prstGeom>
+        <a:noFill/>
+        <a:ln>
+          <a:noFill/>
+        </a:ln>
+        <a:effectLst/>
+      </dsp:spPr>
+      <dsp:style>
+        <a:lnRef idx="0">
+          <a:scrgbClr r="0" g="0" b="0"/>
+        </a:lnRef>
+        <a:fillRef idx="0">
+          <a:scrgbClr r="0" g="0" b="0"/>
+        </a:fillRef>
+        <a:effectRef idx="0">
+          <a:scrgbClr r="0" g="0" b="0"/>
+        </a:effectRef>
+        <a:fontRef idx="minor"/>
+      </dsp:style>
+      <dsp:txBody>
+        <a:bodyPr spcFirstLastPara="0" vert="horz" wrap="square" lIns="111351" tIns="111351" rIns="111351" bIns="111351" numCol="1" spcCol="1270" anchor="ctr" anchorCtr="0">
+          <a:noAutofit/>
+        </a:bodyPr>
+        <a:lstStyle/>
+        <a:p>
+          <a:pPr marL="0" lvl="0" indent="0" algn="l" defTabSz="1111250">
+            <a:lnSpc>
+              <a:spcPct val="100000"/>
+            </a:lnSpc>
+            <a:spcBef>
+              <a:spcPct val="0"/>
+            </a:spcBef>
+            <a:spcAft>
+              <a:spcPct val="35000"/>
+            </a:spcAft>
+            <a:buNone/>
+          </a:pPr>
+          <a:r>
+            <a:rPr lang="ru-RU" sz="2500" kern="1200" dirty="0"/>
+            <a:t>Разработан алгоритм индексации распределенного облака точек с помощью </a:t>
+          </a:r>
+          <a:r>
+            <a:rPr lang="en-US" sz="2500" kern="1200" dirty="0"/>
+            <a:t>kd-</a:t>
+          </a:r>
+          <a:r>
+            <a:rPr lang="ru-RU" sz="2500" kern="1200" dirty="0"/>
+            <a:t>дерева. </a:t>
+          </a:r>
+          <a:endParaRPr lang="en-US" sz="2500" kern="1200" dirty="0"/>
+        </a:p>
+      </dsp:txBody>
+      <dsp:txXfrm>
+        <a:off x="1215211" y="449"/>
+        <a:ext cx="8508819" cy="1052131"/>
+      </dsp:txXfrm>
+    </dsp:sp>
+    <dsp:sp modelId="{DB928767-2EC0-48CA-B99B-45F3DD7364D4}">
+      <dsp:nvSpPr>
+        <dsp:cNvPr id="0" name=""/>
+        <dsp:cNvSpPr/>
+      </dsp:nvSpPr>
+      <dsp:spPr>
+        <a:xfrm>
+          <a:off x="0" y="1315613"/>
+          <a:ext cx="9724031" cy="1052131"/>
+        </a:xfrm>
+        <a:prstGeom prst="roundRect">
+          <a:avLst>
+            <a:gd name="adj" fmla="val 10000"/>
+          </a:avLst>
+        </a:prstGeom>
+        <a:solidFill>
+          <a:schemeClr val="accent1">
+            <a:tint val="40000"/>
+            <a:hueOff val="0"/>
+            <a:satOff val="0"/>
+            <a:lumOff val="0"/>
+            <a:alphaOff val="0"/>
+          </a:schemeClr>
+        </a:solidFill>
+        <a:ln>
+          <a:noFill/>
+        </a:ln>
+        <a:effectLst/>
+      </dsp:spPr>
+      <dsp:style>
+        <a:lnRef idx="0">
+          <a:scrgbClr r="0" g="0" b="0"/>
+        </a:lnRef>
+        <a:fillRef idx="1">
+          <a:scrgbClr r="0" g="0" b="0"/>
+        </a:fillRef>
+        <a:effectRef idx="2">
+          <a:scrgbClr r="0" g="0" b="0"/>
+        </a:effectRef>
+        <a:fontRef idx="minor"/>
+      </dsp:style>
+    </dsp:sp>
+    <dsp:sp modelId="{10858DCC-8519-475A-9D08-1F0E9F3AB36F}">
+      <dsp:nvSpPr>
+        <dsp:cNvPr id="0" name=""/>
+        <dsp:cNvSpPr/>
+      </dsp:nvSpPr>
+      <dsp:spPr>
+        <a:xfrm>
+          <a:off x="318269" y="1552342"/>
+          <a:ext cx="578672" cy="578672"/>
+        </a:xfrm>
+        <a:prstGeom prst="rect">
+          <a:avLst/>
+        </a:prstGeom>
+        <a:blipFill>
+          <a:blip xmlns:r="http://schemas.openxmlformats.org/officeDocument/2006/relationships" r:embed="rId2"/>
+          <a:stretch>
+            <a:fillRect/>
+          </a:stretch>
+        </a:blipFill>
+        <a:ln>
+          <a:noFill/>
+        </a:ln>
+        <a:effectLst/>
+      </dsp:spPr>
+      <dsp:style>
+        <a:lnRef idx="0">
+          <a:scrgbClr r="0" g="0" b="0"/>
+        </a:lnRef>
+        <a:fillRef idx="3">
+          <a:scrgbClr r="0" g="0" b="0"/>
+        </a:fillRef>
+        <a:effectRef idx="2">
+          <a:scrgbClr r="0" g="0" b="0"/>
+        </a:effectRef>
+        <a:fontRef idx="minor">
+          <a:schemeClr val="lt1"/>
+        </a:fontRef>
+      </dsp:style>
+    </dsp:sp>
+    <dsp:sp modelId="{1DD0ED49-5294-48E1-B54B-F7E3A66CEF2C}">
+      <dsp:nvSpPr>
+        <dsp:cNvPr id="0" name=""/>
+        <dsp:cNvSpPr/>
+      </dsp:nvSpPr>
+      <dsp:spPr>
+        <a:xfrm>
+          <a:off x="1215211" y="1315613"/>
+          <a:ext cx="8508819" cy="1052131"/>
+        </a:xfrm>
+        <a:prstGeom prst="rect">
+          <a:avLst/>
+        </a:prstGeom>
+        <a:noFill/>
+        <a:ln>
+          <a:noFill/>
+        </a:ln>
+        <a:effectLst/>
+      </dsp:spPr>
+      <dsp:style>
+        <a:lnRef idx="0">
+          <a:scrgbClr r="0" g="0" b="0"/>
+        </a:lnRef>
+        <a:fillRef idx="0">
+          <a:scrgbClr r="0" g="0" b="0"/>
+        </a:fillRef>
+        <a:effectRef idx="0">
+          <a:scrgbClr r="0" g="0" b="0"/>
+        </a:effectRef>
+        <a:fontRef idx="minor"/>
+      </dsp:style>
+      <dsp:txBody>
+        <a:bodyPr spcFirstLastPara="0" vert="horz" wrap="square" lIns="111351" tIns="111351" rIns="111351" bIns="111351" numCol="1" spcCol="1270" anchor="ctr" anchorCtr="0">
+          <a:noAutofit/>
+        </a:bodyPr>
+        <a:lstStyle/>
+        <a:p>
+          <a:pPr marL="0" lvl="0" indent="0" algn="l" defTabSz="1111250">
+            <a:lnSpc>
+              <a:spcPct val="100000"/>
+            </a:lnSpc>
+            <a:spcBef>
+              <a:spcPct val="0"/>
+            </a:spcBef>
+            <a:spcAft>
+              <a:spcPct val="35000"/>
+            </a:spcAft>
+            <a:buNone/>
+          </a:pPr>
+          <a:r>
+            <a:rPr lang="ru-RU" sz="2500" kern="1200" dirty="0"/>
+            <a:t>Алгоритм протестирован на модельной задаче поиска точек облака в заданной области пространства.</a:t>
+          </a:r>
+          <a:endParaRPr lang="en-US" sz="2500" kern="1200" dirty="0"/>
+        </a:p>
+      </dsp:txBody>
+      <dsp:txXfrm>
+        <a:off x="1215211" y="1315613"/>
+        <a:ext cx="8508819" cy="1052131"/>
+      </dsp:txXfrm>
+    </dsp:sp>
+    <dsp:sp modelId="{6EF5983E-AEB9-416C-AF48-A8BD4A155349}">
+      <dsp:nvSpPr>
+        <dsp:cNvPr id="0" name=""/>
+        <dsp:cNvSpPr/>
+      </dsp:nvSpPr>
+      <dsp:spPr>
+        <a:xfrm>
+          <a:off x="0" y="2630777"/>
+          <a:ext cx="9724031" cy="1052131"/>
+        </a:xfrm>
+        <a:prstGeom prst="roundRect">
+          <a:avLst>
+            <a:gd name="adj" fmla="val 10000"/>
+          </a:avLst>
+        </a:prstGeom>
+        <a:solidFill>
+          <a:schemeClr val="accent1">
+            <a:tint val="40000"/>
+            <a:hueOff val="0"/>
+            <a:satOff val="0"/>
+            <a:lumOff val="0"/>
+            <a:alphaOff val="0"/>
+          </a:schemeClr>
+        </a:solidFill>
+        <a:ln>
+          <a:noFill/>
+        </a:ln>
+        <a:effectLst/>
+      </dsp:spPr>
+      <dsp:style>
+        <a:lnRef idx="0">
+          <a:scrgbClr r="0" g="0" b="0"/>
+        </a:lnRef>
+        <a:fillRef idx="1">
+          <a:scrgbClr r="0" g="0" b="0"/>
+        </a:fillRef>
+        <a:effectRef idx="2">
+          <a:scrgbClr r="0" g="0" b="0"/>
+        </a:effectRef>
+        <a:fontRef idx="minor"/>
+      </dsp:style>
+    </dsp:sp>
+    <dsp:sp modelId="{C442F21E-8B44-4F04-9FC0-4CBE4B1A5B39}">
+      <dsp:nvSpPr>
+        <dsp:cNvPr id="0" name=""/>
+        <dsp:cNvSpPr/>
+      </dsp:nvSpPr>
+      <dsp:spPr>
+        <a:xfrm>
+          <a:off x="318269" y="2867506"/>
+          <a:ext cx="578672" cy="578672"/>
+        </a:xfrm>
+        <a:prstGeom prst="rect">
+          <a:avLst/>
+        </a:prstGeom>
+        <a:blipFill>
+          <a:blip xmlns:r="http://schemas.openxmlformats.org/officeDocument/2006/relationships" r:embed="rId3"/>
+          <a:stretch>
+            <a:fillRect/>
+          </a:stretch>
+        </a:blipFill>
+        <a:ln>
+          <a:noFill/>
+        </a:ln>
+        <a:effectLst/>
+      </dsp:spPr>
+      <dsp:style>
+        <a:lnRef idx="0">
+          <a:scrgbClr r="0" g="0" b="0"/>
+        </a:lnRef>
+        <a:fillRef idx="3">
+          <a:scrgbClr r="0" g="0" b="0"/>
+        </a:fillRef>
+        <a:effectRef idx="2">
+          <a:scrgbClr r="0" g="0" b="0"/>
+        </a:effectRef>
+        <a:fontRef idx="minor">
+          <a:schemeClr val="lt1"/>
+        </a:fontRef>
+      </dsp:style>
+    </dsp:sp>
+    <dsp:sp modelId="{D055389F-68D0-49B5-9AF3-89AAB93169D3}">
+      <dsp:nvSpPr>
+        <dsp:cNvPr id="0" name=""/>
+        <dsp:cNvSpPr/>
+      </dsp:nvSpPr>
+      <dsp:spPr>
+        <a:xfrm>
+          <a:off x="1215211" y="2630777"/>
+          <a:ext cx="8508819" cy="1052131"/>
+        </a:xfrm>
+        <a:prstGeom prst="rect">
+          <a:avLst/>
+        </a:prstGeom>
+        <a:noFill/>
+        <a:ln>
+          <a:noFill/>
+        </a:ln>
+        <a:effectLst/>
+      </dsp:spPr>
+      <dsp:style>
+        <a:lnRef idx="0">
+          <a:scrgbClr r="0" g="0" b="0"/>
+        </a:lnRef>
+        <a:fillRef idx="0">
+          <a:scrgbClr r="0" g="0" b="0"/>
+        </a:fillRef>
+        <a:effectRef idx="0">
+          <a:scrgbClr r="0" g="0" b="0"/>
+        </a:effectRef>
+        <a:fontRef idx="minor"/>
+      </dsp:style>
+      <dsp:txBody>
+        <a:bodyPr spcFirstLastPara="0" vert="horz" wrap="square" lIns="111351" tIns="111351" rIns="111351" bIns="111351" numCol="1" spcCol="1270" anchor="ctr" anchorCtr="0">
+          <a:noAutofit/>
+        </a:bodyPr>
+        <a:lstStyle/>
+        <a:p>
+          <a:pPr marL="0" lvl="0" indent="0" algn="l" defTabSz="1111250">
+            <a:lnSpc>
+              <a:spcPct val="100000"/>
+            </a:lnSpc>
+            <a:spcBef>
+              <a:spcPct val="0"/>
+            </a:spcBef>
+            <a:spcAft>
+              <a:spcPct val="35000"/>
+            </a:spcAft>
+            <a:buNone/>
+          </a:pPr>
+          <a:r>
+            <a:rPr lang="ru-RU" sz="2500" kern="1200"/>
+            <a:t>Показано ускорение решения модельной задачи при использовании предложенного подхода.</a:t>
+          </a:r>
+          <a:endParaRPr lang="en-US" sz="2500" kern="1200"/>
+        </a:p>
+      </dsp:txBody>
+      <dsp:txXfrm>
+        <a:off x="1215211" y="2630777"/>
+        <a:ext cx="8508819" cy="1052131"/>
       </dsp:txXfrm>
     </dsp:sp>
   </dsp:spTree>
@@ -1675,6 +3181,300 @@
 </dgm:layoutDef>
 </file>
 
+<file path=ppt/diagrams/layout2.xml><?xml version="1.0" encoding="utf-8"?>
+<dgm:layoutDef xmlns:dgm="http://schemas.openxmlformats.org/drawingml/2006/diagram" xmlns:a="http://schemas.openxmlformats.org/drawingml/2006/main" uniqueId="urn:microsoft.com/office/officeart/2018/2/layout/IconVerticalSolidList">
+  <dgm:title val="Icon Vertical Solid List"/>
+  <dgm:desc val="Use to show a series of visuals from top to bottom with Level 1 or Level 1 and Level 2 text grouped in a shape. Works best with icons or small pictures with lengthier descriptions."/>
+  <dgm:catLst>
+    <dgm:cat type="icon" pri="500"/>
+  </dgm:catLst>
+  <dgm:sampData useDef="1">
+    <dgm:dataModel>
+      <dgm:ptLst/>
+      <dgm:bg/>
+      <dgm:whole/>
+    </dgm:dataModel>
+  </dgm:sampData>
+  <dgm:styleData useDef="1">
+    <dgm:dataModel>
+      <dgm:ptLst/>
+      <dgm:bg/>
+      <dgm:whole/>
+    </dgm:dataModel>
+  </dgm:styleData>
+  <dgm:clrData useDef="1">
+    <dgm:dataModel>
+      <dgm:ptLst/>
+      <dgm:bg/>
+      <dgm:whole/>
+    </dgm:dataModel>
+  </dgm:clrData>
+  <dgm:layoutNode name="root">
+    <dgm:varLst>
+      <dgm:dir/>
+      <dgm:resizeHandles val="exact"/>
+    </dgm:varLst>
+    <dgm:choose name="Name0">
+      <dgm:if name="Name1" axis="self" func="var" arg="dir" op="equ" val="norm">
+        <dgm:alg type="lin">
+          <dgm:param type="linDir" val="fromT"/>
+          <dgm:param type="nodeHorzAlign" val="l"/>
+        </dgm:alg>
+      </dgm:if>
+      <dgm:else name="Name2">
+        <dgm:alg type="lin">
+          <dgm:param type="linDir" val="fromT"/>
+          <dgm:param type="nodeHorzAlign" val="r"/>
+        </dgm:alg>
+      </dgm:else>
+    </dgm:choose>
+    <dgm:shape xmlns:r="http://schemas.openxmlformats.org/officeDocument/2006/relationships" r:blip="">
+      <dgm:adjLst/>
+    </dgm:shape>
+    <dgm:presOf/>
+    <dgm:choose name="Name3">
+      <dgm:if name="Name4" axis="ch" ptType="node" func="cnt" op="lte" val="3">
+        <dgm:constrLst>
+          <dgm:constr type="h" for="ch" forName="compNode" refType="h" fact="0.3"/>
+          <dgm:constr type="w" for="ch" forName="compNode" refType="w"/>
+          <dgm:constr type="h" for="ch" forName="sibTrans" refType="h" refFor="ch" refForName="compNode" fact="0.25"/>
+          <dgm:constr type="primFontSz" for="des" forName="parTx" val="25"/>
+          <dgm:constr type="primFontSz" for="des" forName="desTx" refType="primFontSz" refFor="des" refForName="parTx" op="lte" fact="0.75"/>
+          <dgm:constr type="h" for="des" forName="compNode" op="equ"/>
+          <dgm:constr type="h" for="des" forName="bgRect" op="equ"/>
+          <dgm:constr type="h" for="des" forName="iconRect" op="equ"/>
+          <dgm:constr type="w" for="des" forName="iconRect" op="equ"/>
+          <dgm:constr type="h" for="des" forName="spaceRect" op="equ"/>
+          <dgm:constr type="h" for="des" forName="parTx" op="equ"/>
+          <dgm:constr type="h" for="des" forName="desTx" op="equ"/>
+        </dgm:constrLst>
+      </dgm:if>
+      <dgm:if name="Name5" axis="ch" ptType="node" func="cnt" op="lte" val="4">
+        <dgm:constrLst>
+          <dgm:constr type="h" for="ch" forName="compNode" refType="h" fact="0.3"/>
+          <dgm:constr type="w" for="ch" forName="compNode" refType="w"/>
+          <dgm:constr type="h" for="ch" forName="sibTrans" refType="h" refFor="ch" refForName="compNode" fact="0.25"/>
+          <dgm:constr type="primFontSz" for="des" forName="parTx" val="22"/>
+          <dgm:constr type="primFontSz" for="des" forName="desTx" refType="primFontSz" refFor="des" refForName="parTx" op="lte" fact="0.75"/>
+          <dgm:constr type="h" for="des" forName="compNode" op="equ"/>
+          <dgm:constr type="h" for="des" forName="bgRect" op="equ"/>
+          <dgm:constr type="h" for="des" forName="iconRect" op="equ"/>
+          <dgm:constr type="w" for="des" forName="iconRect" op="equ"/>
+          <dgm:constr type="h" for="des" forName="spaceRect" op="equ"/>
+          <dgm:constr type="h" for="des" forName="parTx" op="equ"/>
+          <dgm:constr type="h" for="des" forName="desTx" op="equ"/>
+        </dgm:constrLst>
+      </dgm:if>
+      <dgm:if name="Name6" axis="ch" ptType="node" func="cnt" op="lte" val="6">
+        <dgm:constrLst>
+          <dgm:constr type="h" for="ch" forName="compNode" refType="h" fact="0.3"/>
+          <dgm:constr type="w" for="ch" forName="compNode" refType="w"/>
+          <dgm:constr type="h" for="ch" forName="sibTrans" refType="h" refFor="ch" refForName="compNode" fact="0.25"/>
+          <dgm:constr type="primFontSz" for="des" forName="parTx" val="19"/>
+          <dgm:constr type="primFontSz" for="des" forName="desTx" refType="primFontSz" refFor="des" refForName="parTx" op="lte" fact="0.75"/>
+          <dgm:constr type="h" for="des" forName="compNode" op="equ"/>
+          <dgm:constr type="h" for="des" forName="bgRect" op="equ"/>
+          <dgm:constr type="h" for="des" forName="iconRect" op="equ"/>
+          <dgm:constr type="w" for="des" forName="iconRect" op="equ"/>
+          <dgm:constr type="h" for="des" forName="spaceRect" op="equ"/>
+          <dgm:constr type="h" for="des" forName="parTx" op="equ"/>
+          <dgm:constr type="h" for="des" forName="desTx" op="equ"/>
+        </dgm:constrLst>
+      </dgm:if>
+      <dgm:else name="Name7">
+        <dgm:constrLst>
+          <dgm:constr type="h" for="ch" forName="compNode" refType="h" fact="0.3"/>
+          <dgm:constr type="w" for="ch" forName="compNode" refType="w"/>
+          <dgm:constr type="h" for="ch" forName="sibTrans" refType="h" refFor="ch" refForName="compNode" fact="0.25"/>
+          <dgm:constr type="primFontSz" for="des" forName="parTx" val="16"/>
+          <dgm:constr type="primFontSz" for="des" forName="desTx" refType="primFontSz" refFor="des" refForName="parTx" op="lte" fact="0.75"/>
+          <dgm:constr type="h" for="des" forName="compNode" op="equ"/>
+          <dgm:constr type="h" for="des" forName="bgRect" op="equ"/>
+          <dgm:constr type="h" for="des" forName="iconRect" op="equ"/>
+          <dgm:constr type="w" for="des" forName="iconRect" op="equ"/>
+          <dgm:constr type="h" for="des" forName="spaceRect" op="equ"/>
+          <dgm:constr type="h" for="des" forName="parTx" op="equ"/>
+          <dgm:constr type="h" for="des" forName="desTx" op="equ"/>
+        </dgm:constrLst>
+      </dgm:else>
+    </dgm:choose>
+    <dgm:ruleLst>
+      <dgm:rule type="h" for="ch" forName="compNode" val="0" fact="NaN" max="NaN"/>
+    </dgm:ruleLst>
+    <dgm:forEach name="Name8" axis="ch" ptType="node">
+      <dgm:layoutNode name="compNode">
+        <dgm:alg type="composite"/>
+        <dgm:shape xmlns:r="http://schemas.openxmlformats.org/officeDocument/2006/relationships" r:blip="">
+          <dgm:adjLst/>
+        </dgm:shape>
+        <dgm:presOf axis="self"/>
+        <dgm:choose name="Name9">
+          <dgm:if name="Name10" axis="ch" ptType="node" func="cnt" op="gte" val="1">
+            <dgm:constrLst>
+              <dgm:constr type="w" for="ch" forName="bgRect" refType="w"/>
+              <dgm:constr type="h" for="ch" forName="bgRect" refType="h"/>
+              <dgm:constr type="l" for="ch" forName="bgRect"/>
+              <dgm:constr type="t" for="ch" forName="bgRect"/>
+              <dgm:constr type="h" for="ch" forName="iconRect" refType="h" fact="0.55"/>
+              <dgm:constr type="w" for="ch" forName="iconRect" refType="h" refFor="ch" refForName="iconRect"/>
+              <dgm:constr type="l" for="ch" forName="iconRect" refType="h" refFor="ch" refForName="iconRect" fact="0.55"/>
+              <dgm:constr type="ctrY" for="ch" forName="iconRect" refType="ctrY" refFor="ch" refForName="bgRect"/>
+              <dgm:constr type="w" for="ch" forName="spaceRect" refType="l" refFor="ch" refForName="iconRect"/>
+              <dgm:constr type="h" for="ch" forName="spaceRect" refType="h"/>
+              <dgm:constr type="l" for="ch" forName="spaceRect" refType="r" refFor="ch" refForName="iconRect"/>
+              <dgm:constr type="t" for="ch" forName="spaceRect"/>
+              <dgm:constr type="w" for="ch" forName="parTx" refType="w" fact="0.45"/>
+              <dgm:constr type="h" for="ch" forName="parTx" refType="h"/>
+              <dgm:constr type="l" for="ch" forName="parTx" refType="r" refFor="ch" refForName="spaceRect"/>
+              <dgm:constr type="t" for="ch" forName="parTx"/>
+              <dgm:constr type="h" for="ch" forName="desTx" refType="h"/>
+              <dgm:constr type="l" for="ch" forName="desTx" refType="r" refFor="ch" refForName="parTx"/>
+              <dgm:constr type="t" for="ch" forName="desTx"/>
+            </dgm:constrLst>
+          </dgm:if>
+          <dgm:else name="Name11">
+            <dgm:constrLst>
+              <dgm:constr type="w" for="ch" forName="bgRect" refType="w"/>
+              <dgm:constr type="h" for="ch" forName="bgRect" refType="h"/>
+              <dgm:constr type="l" for="ch" forName="bgRect"/>
+              <dgm:constr type="t" for="ch" forName="bgRect"/>
+              <dgm:constr type="h" for="ch" forName="iconRect" refType="h" fact="0.55"/>
+              <dgm:constr type="w" for="ch" forName="iconRect" refType="h" refFor="ch" refForName="iconRect"/>
+              <dgm:constr type="l" for="ch" forName="iconRect" refType="h" refFor="ch" refForName="iconRect" fact="0.55"/>
+              <dgm:constr type="ctrY" for="ch" forName="iconRect" refType="ctrY" refFor="ch" refForName="bgRect"/>
+              <dgm:constr type="w" for="ch" forName="spaceRect" refType="l" refFor="ch" refForName="iconRect"/>
+              <dgm:constr type="h" for="ch" forName="spaceRect" refType="h"/>
+              <dgm:constr type="l" for="ch" forName="spaceRect" refType="r" refFor="ch" refForName="iconRect"/>
+              <dgm:constr type="t" for="ch" forName="spaceRect"/>
+              <dgm:constr type="h" for="ch" forName="parTx" refType="h"/>
+              <dgm:constr type="l" for="ch" forName="parTx" refType="r" refFor="ch" refForName="spaceRect"/>
+              <dgm:constr type="t" for="ch" forName="parTx"/>
+            </dgm:constrLst>
+          </dgm:else>
+        </dgm:choose>
+        <dgm:ruleLst>
+          <dgm:rule type="h" val="INF" fact="NaN" max="NaN"/>
+        </dgm:ruleLst>
+        <dgm:layoutNode name="bgRect" styleLbl="bgShp">
+          <dgm:alg type="sp"/>
+          <dgm:shape xmlns:r="http://schemas.openxmlformats.org/officeDocument/2006/relationships" type="roundRect" r:blip="">
+            <dgm:adjLst>
+              <dgm:adj idx="1" val="0.1"/>
+            </dgm:adjLst>
+          </dgm:shape>
+          <dgm:presOf/>
+          <dgm:constrLst/>
+          <dgm:ruleLst/>
+        </dgm:layoutNode>
+        <dgm:layoutNode name="iconRect" styleLbl="node1">
+          <dgm:alg type="sp"/>
+          <dgm:shape xmlns:r="http://schemas.openxmlformats.org/officeDocument/2006/relationships" type="rect" r:blip="" blipPhldr="1">
+            <dgm:adjLst/>
+          </dgm:shape>
+          <dgm:presOf/>
+          <dgm:constrLst/>
+          <dgm:ruleLst/>
+        </dgm:layoutNode>
+        <dgm:layoutNode name="spaceRect">
+          <dgm:alg type="sp"/>
+          <dgm:shape xmlns:r="http://schemas.openxmlformats.org/officeDocument/2006/relationships" r:blip="">
+            <dgm:adjLst/>
+          </dgm:shape>
+          <dgm:presOf/>
+          <dgm:constrLst/>
+          <dgm:ruleLst/>
+        </dgm:layoutNode>
+        <dgm:layoutNode name="parTx" styleLbl="revTx">
+          <dgm:varLst>
+            <dgm:chMax val="0"/>
+            <dgm:chPref val="0"/>
+          </dgm:varLst>
+          <dgm:alg type="tx">
+            <dgm:param type="txAnchorVert" val="mid"/>
+            <dgm:param type="parTxLTRAlign" val="l"/>
+            <dgm:param type="shpTxLTRAlignCh" val="l"/>
+            <dgm:param type="parTxRTLAlign" val="r"/>
+            <dgm:param type="shpTxRTLAlignCh" val="r"/>
+          </dgm:alg>
+          <dgm:shape xmlns:r="http://schemas.openxmlformats.org/officeDocument/2006/relationships" type="rect" r:blip="">
+            <dgm:adjLst/>
+          </dgm:shape>
+          <dgm:presOf axis="self" ptType="node"/>
+          <dgm:constrLst>
+            <dgm:constr type="lMarg" refType="h" fact="0.3"/>
+            <dgm:constr type="rMarg" refType="h" fact="0.3"/>
+            <dgm:constr type="tMarg" refType="h" fact="0.3"/>
+            <dgm:constr type="bMarg" refType="h" fact="0.3"/>
+          </dgm:constrLst>
+          <dgm:ruleLst>
+            <dgm:rule type="primFontSz" val="14" fact="NaN" max="NaN"/>
+            <dgm:rule type="h" val="INF" fact="NaN" max="NaN"/>
+          </dgm:ruleLst>
+        </dgm:layoutNode>
+        <dgm:choose name="Name12">
+          <dgm:if name="Name13" axis="ch" ptType="node" func="cnt" op="gte" val="1">
+            <dgm:layoutNode name="desTx" styleLbl="revTx">
+              <dgm:varLst/>
+              <dgm:alg type="tx">
+                <dgm:param type="txAnchorVertCh" val="mid"/>
+                <dgm:param type="parTxLTRAlign" val="l"/>
+                <dgm:param type="shpTxLTRAlignCh" val="l"/>
+                <dgm:param type="parTxRTLAlign" val="r"/>
+                <dgm:param type="shpTxRTLAlignCh" val="r"/>
+                <dgm:param type="stBulletLvl" val="0"/>
+              </dgm:alg>
+              <dgm:shape xmlns:r="http://schemas.openxmlformats.org/officeDocument/2006/relationships" type="rect" r:blip="">
+                <dgm:adjLst/>
+              </dgm:shape>
+              <dgm:presOf axis="des" ptType="node"/>
+              <dgm:constrLst>
+                <dgm:constr type="primFontSz" val="18"/>
+                <dgm:constr type="secFontSz" refType="primFontSz"/>
+                <dgm:constr type="lMarg" refType="h" fact="0.3"/>
+                <dgm:constr type="rMarg" refType="h" fact="0.3"/>
+                <dgm:constr type="tMarg" refType="h" fact="0.3"/>
+                <dgm:constr type="bMarg" refType="h" fact="0.3"/>
+              </dgm:constrLst>
+              <dgm:ruleLst>
+                <dgm:rule type="primFontSz" val="11" fact="NaN" max="NaN"/>
+              </dgm:ruleLst>
+            </dgm:layoutNode>
+          </dgm:if>
+          <dgm:else name="Name14"/>
+        </dgm:choose>
+      </dgm:layoutNode>
+      <dgm:forEach name="Name15" axis="followSib" ptType="sibTrans" cnt="1">
+        <dgm:layoutNode name="sibTrans">
+          <dgm:alg type="sp"/>
+          <dgm:shape xmlns:r="http://schemas.openxmlformats.org/officeDocument/2006/relationships" r:blip="">
+            <dgm:adjLst/>
+          </dgm:shape>
+          <dgm:presOf axis="self"/>
+          <dgm:constrLst/>
+          <dgm:ruleLst/>
+        </dgm:layoutNode>
+      </dgm:forEach>
+    </dgm:forEach>
+  </dgm:layoutNode>
+  <dgm:extLst>
+    <a:ext uri="{68A01E43-0DF5-4B5B-8FA6-DAF915123BFB}">
+      <dgm1612:lstStyle xmlns:dgm1612="http://schemas.microsoft.com/office/drawing/2016/12/diagram">
+        <a:lvl1pPr>
+          <a:lnSpc>
+            <a:spcPct val="100000"/>
+          </a:lnSpc>
+        </a:lvl1pPr>
+        <a:lvl2pPr>
+          <a:lnSpc>
+            <a:spcPct val="100000"/>
+          </a:lnSpc>
+        </a:lvl2pPr>
+      </dgm1612:lstStyle>
+    </a:ext>
+  </dgm:extLst>
+</dgm:layoutDef>
+</file>
+
 <file path=ppt/diagrams/quickStyle1.xml><?xml version="1.0" encoding="utf-8"?>
 <dgm:styleDef xmlns:dgm="http://schemas.openxmlformats.org/drawingml/2006/diagram" xmlns:a="http://schemas.openxmlformats.org/drawingml/2006/main" uniqueId="urn:microsoft.com/office/officeart/2005/8/quickstyle/simple2">
   <dgm:title val=""/>
@@ -2707,6 +4507,1611 @@
     </dgm:style>
   </dgm:styleLbl>
 </dgm:styleDef>
+</file>
+
+<file path=ppt/diagrams/quickStyle2.xml><?xml version="1.0" encoding="utf-8"?>
+<dgm:styleDef xmlns:dgm="http://schemas.openxmlformats.org/drawingml/2006/diagram" xmlns:a="http://schemas.openxmlformats.org/drawingml/2006/main" uniqueId="urn:microsoft.com/office/officeart/2005/8/quickstyle/simple4">
+  <dgm:title val=""/>
+  <dgm:desc val=""/>
+  <dgm:catLst>
+    <dgm:cat type="simple" pri="10400"/>
+  </dgm:catLst>
+  <dgm:scene3d>
+    <a:camera prst="orthographicFront"/>
+    <a:lightRig rig="threePt" dir="t"/>
+  </dgm:scene3d>
+  <dgm:styleLbl name="node0">
+    <dgm:scene3d>
+      <a:camera prst="orthographicFront"/>
+      <a:lightRig rig="threePt" dir="t"/>
+    </dgm:scene3d>
+    <dgm:sp3d/>
+    <dgm:txPr/>
+    <dgm:style>
+      <a:lnRef idx="0">
+        <a:scrgbClr r="0" g="0" b="0"/>
+      </a:lnRef>
+      <a:fillRef idx="3">
+        <a:scrgbClr r="0" g="0" b="0"/>
+      </a:fillRef>
+      <a:effectRef idx="2">
+        <a:scrgbClr r="0" g="0" b="0"/>
+      </a:effectRef>
+      <a:fontRef idx="minor">
+        <a:schemeClr val="lt1"/>
+      </a:fontRef>
+    </dgm:style>
+  </dgm:styleLbl>
+  <dgm:styleLbl name="lnNode1">
+    <dgm:scene3d>
+      <a:camera prst="orthographicFront"/>
+      <a:lightRig rig="threePt" dir="t"/>
+    </dgm:scene3d>
+    <dgm:sp3d/>
+    <dgm:txPr/>
+    <dgm:style>
+      <a:lnRef idx="1">
+        <a:scrgbClr r="0" g="0" b="0"/>
+      </a:lnRef>
+      <a:fillRef idx="3">
+        <a:scrgbClr r="0" g="0" b="0"/>
+      </a:fillRef>
+      <a:effectRef idx="2">
+        <a:scrgbClr r="0" g="0" b="0"/>
+      </a:effectRef>
+      <a:fontRef idx="minor">
+        <a:schemeClr val="lt1"/>
+      </a:fontRef>
+    </dgm:style>
+  </dgm:styleLbl>
+  <dgm:styleLbl name="vennNode1">
+    <dgm:scene3d>
+      <a:camera prst="orthographicFront"/>
+      <a:lightRig rig="threePt" dir="t"/>
+    </dgm:scene3d>
+    <dgm:sp3d/>
+    <dgm:txPr/>
+    <dgm:style>
+      <a:lnRef idx="0">
+        <a:scrgbClr r="0" g="0" b="0"/>
+      </a:lnRef>
+      <a:fillRef idx="3">
+        <a:scrgbClr r="0" g="0" b="0"/>
+      </a:fillRef>
+      <a:effectRef idx="0">
+        <a:scrgbClr r="0" g="0" b="0"/>
+      </a:effectRef>
+      <a:fontRef idx="minor">
+        <a:schemeClr val="tx1"/>
+      </a:fontRef>
+    </dgm:style>
+  </dgm:styleLbl>
+  <dgm:styleLbl name="alignNode1">
+    <dgm:scene3d>
+      <a:camera prst="orthographicFront"/>
+      <a:lightRig rig="threePt" dir="t"/>
+    </dgm:scene3d>
+    <dgm:sp3d/>
+    <dgm:txPr/>
+    <dgm:style>
+      <a:lnRef idx="1">
+        <a:scrgbClr r="0" g="0" b="0"/>
+      </a:lnRef>
+      <a:fillRef idx="3">
+        <a:scrgbClr r="0" g="0" b="0"/>
+      </a:fillRef>
+      <a:effectRef idx="2">
+        <a:scrgbClr r="0" g="0" b="0"/>
+      </a:effectRef>
+      <a:fontRef idx="minor">
+        <a:schemeClr val="lt1"/>
+      </a:fontRef>
+    </dgm:style>
+  </dgm:styleLbl>
+  <dgm:styleLbl name="node1">
+    <dgm:scene3d>
+      <a:camera prst="orthographicFront"/>
+      <a:lightRig rig="threePt" dir="t"/>
+    </dgm:scene3d>
+    <dgm:sp3d/>
+    <dgm:txPr/>
+    <dgm:style>
+      <a:lnRef idx="0">
+        <a:scrgbClr r="0" g="0" b="0"/>
+      </a:lnRef>
+      <a:fillRef idx="3">
+        <a:scrgbClr r="0" g="0" b="0"/>
+      </a:fillRef>
+      <a:effectRef idx="2">
+        <a:scrgbClr r="0" g="0" b="0"/>
+      </a:effectRef>
+      <a:fontRef idx="minor">
+        <a:schemeClr val="lt1"/>
+      </a:fontRef>
+    </dgm:style>
+  </dgm:styleLbl>
+  <dgm:styleLbl name="node2">
+    <dgm:scene3d>
+      <a:camera prst="orthographicFront"/>
+      <a:lightRig rig="threePt" dir="t"/>
+    </dgm:scene3d>
+    <dgm:sp3d/>
+    <dgm:txPr/>
+    <dgm:style>
+      <a:lnRef idx="0">
+        <a:scrgbClr r="0" g="0" b="0"/>
+      </a:lnRef>
+      <a:fillRef idx="3">
+        <a:scrgbClr r="0" g="0" b="0"/>
+      </a:fillRef>
+      <a:effectRef idx="2">
+        <a:scrgbClr r="0" g="0" b="0"/>
+      </a:effectRef>
+      <a:fontRef idx="minor">
+        <a:schemeClr val="lt1"/>
+      </a:fontRef>
+    </dgm:style>
+  </dgm:styleLbl>
+  <dgm:styleLbl name="node3">
+    <dgm:scene3d>
+      <a:camera prst="orthographicFront"/>
+      <a:lightRig rig="threePt" dir="t"/>
+    </dgm:scene3d>
+    <dgm:sp3d/>
+    <dgm:txPr/>
+    <dgm:style>
+      <a:lnRef idx="0">
+        <a:scrgbClr r="0" g="0" b="0"/>
+      </a:lnRef>
+      <a:fillRef idx="3">
+        <a:scrgbClr r="0" g="0" b="0"/>
+      </a:fillRef>
+      <a:effectRef idx="2">
+        <a:scrgbClr r="0" g="0" b="0"/>
+      </a:effectRef>
+      <a:fontRef idx="minor">
+        <a:schemeClr val="lt1"/>
+      </a:fontRef>
+    </dgm:style>
+  </dgm:styleLbl>
+  <dgm:styleLbl name="node4">
+    <dgm:scene3d>
+      <a:camera prst="orthographicFront"/>
+      <a:lightRig rig="threePt" dir="t"/>
+    </dgm:scene3d>
+    <dgm:sp3d/>
+    <dgm:txPr/>
+    <dgm:style>
+      <a:lnRef idx="0">
+        <a:scrgbClr r="0" g="0" b="0"/>
+      </a:lnRef>
+      <a:fillRef idx="3">
+        <a:scrgbClr r="0" g="0" b="0"/>
+      </a:fillRef>
+      <a:effectRef idx="2">
+        <a:scrgbClr r="0" g="0" b="0"/>
+      </a:effectRef>
+      <a:fontRef idx="minor">
+        <a:schemeClr val="lt1"/>
+      </a:fontRef>
+    </dgm:style>
+  </dgm:styleLbl>
+  <dgm:styleLbl name="fgImgPlace1">
+    <dgm:scene3d>
+      <a:camera prst="orthographicFront"/>
+      <a:lightRig rig="threePt" dir="t"/>
+    </dgm:scene3d>
+    <dgm:sp3d/>
+    <dgm:txPr/>
+    <dgm:style>
+      <a:lnRef idx="0">
+        <a:scrgbClr r="0" g="0" b="0"/>
+      </a:lnRef>
+      <a:fillRef idx="1">
+        <a:scrgbClr r="0" g="0" b="0"/>
+      </a:fillRef>
+      <a:effectRef idx="2">
+        <a:scrgbClr r="0" g="0" b="0"/>
+      </a:effectRef>
+      <a:fontRef idx="minor"/>
+    </dgm:style>
+  </dgm:styleLbl>
+  <dgm:styleLbl name="alignImgPlace1">
+    <dgm:scene3d>
+      <a:camera prst="orthographicFront"/>
+      <a:lightRig rig="threePt" dir="t"/>
+    </dgm:scene3d>
+    <dgm:sp3d/>
+    <dgm:txPr/>
+    <dgm:style>
+      <a:lnRef idx="0">
+        <a:scrgbClr r="0" g="0" b="0"/>
+      </a:lnRef>
+      <a:fillRef idx="1">
+        <a:scrgbClr r="0" g="0" b="0"/>
+      </a:fillRef>
+      <a:effectRef idx="2">
+        <a:scrgbClr r="0" g="0" b="0"/>
+      </a:effectRef>
+      <a:fontRef idx="minor"/>
+    </dgm:style>
+  </dgm:styleLbl>
+  <dgm:styleLbl name="bgImgPlace1">
+    <dgm:scene3d>
+      <a:camera prst="orthographicFront"/>
+      <a:lightRig rig="threePt" dir="t"/>
+    </dgm:scene3d>
+    <dgm:sp3d/>
+    <dgm:txPr/>
+    <dgm:style>
+      <a:lnRef idx="0">
+        <a:scrgbClr r="0" g="0" b="0"/>
+      </a:lnRef>
+      <a:fillRef idx="1">
+        <a:scrgbClr r="0" g="0" b="0"/>
+      </a:fillRef>
+      <a:effectRef idx="2">
+        <a:scrgbClr r="0" g="0" b="0"/>
+      </a:effectRef>
+      <a:fontRef idx="minor"/>
+    </dgm:style>
+  </dgm:styleLbl>
+  <dgm:styleLbl name="sibTrans2D1">
+    <dgm:scene3d>
+      <a:camera prst="orthographicFront"/>
+      <a:lightRig rig="threePt" dir="t"/>
+    </dgm:scene3d>
+    <dgm:sp3d/>
+    <dgm:txPr/>
+    <dgm:style>
+      <a:lnRef idx="0">
+        <a:scrgbClr r="0" g="0" b="0"/>
+      </a:lnRef>
+      <a:fillRef idx="3">
+        <a:scrgbClr r="0" g="0" b="0"/>
+      </a:fillRef>
+      <a:effectRef idx="2">
+        <a:scrgbClr r="0" g="0" b="0"/>
+      </a:effectRef>
+      <a:fontRef idx="minor">
+        <a:schemeClr val="lt1"/>
+      </a:fontRef>
+    </dgm:style>
+  </dgm:styleLbl>
+  <dgm:styleLbl name="fgSibTrans2D1">
+    <dgm:scene3d>
+      <a:camera prst="orthographicFront"/>
+      <a:lightRig rig="threePt" dir="t"/>
+    </dgm:scene3d>
+    <dgm:sp3d/>
+    <dgm:txPr/>
+    <dgm:style>
+      <a:lnRef idx="0">
+        <a:scrgbClr r="0" g="0" b="0"/>
+      </a:lnRef>
+      <a:fillRef idx="3">
+        <a:scrgbClr r="0" g="0" b="0"/>
+      </a:fillRef>
+      <a:effectRef idx="2">
+        <a:scrgbClr r="0" g="0" b="0"/>
+      </a:effectRef>
+      <a:fontRef idx="minor">
+        <a:schemeClr val="lt1"/>
+      </a:fontRef>
+    </dgm:style>
+  </dgm:styleLbl>
+  <dgm:styleLbl name="bgSibTrans2D1">
+    <dgm:scene3d>
+      <a:camera prst="orthographicFront"/>
+      <a:lightRig rig="threePt" dir="t"/>
+    </dgm:scene3d>
+    <dgm:sp3d/>
+    <dgm:txPr/>
+    <dgm:style>
+      <a:lnRef idx="0">
+        <a:scrgbClr r="0" g="0" b="0"/>
+      </a:lnRef>
+      <a:fillRef idx="3">
+        <a:scrgbClr r="0" g="0" b="0"/>
+      </a:fillRef>
+      <a:effectRef idx="2">
+        <a:scrgbClr r="0" g="0" b="0"/>
+      </a:effectRef>
+      <a:fontRef idx="minor">
+        <a:schemeClr val="lt1"/>
+      </a:fontRef>
+    </dgm:style>
+  </dgm:styleLbl>
+  <dgm:styleLbl name="sibTrans1D1">
+    <dgm:scene3d>
+      <a:camera prst="orthographicFront"/>
+      <a:lightRig rig="threePt" dir="t"/>
+    </dgm:scene3d>
+    <dgm:sp3d/>
+    <dgm:txPr/>
+    <dgm:style>
+      <a:lnRef idx="1">
+        <a:scrgbClr r="0" g="0" b="0"/>
+      </a:lnRef>
+      <a:fillRef idx="0">
+        <a:scrgbClr r="0" g="0" b="0"/>
+      </a:fillRef>
+      <a:effectRef idx="0">
+        <a:scrgbClr r="0" g="0" b="0"/>
+      </a:effectRef>
+      <a:fontRef idx="minor"/>
+    </dgm:style>
+  </dgm:styleLbl>
+  <dgm:styleLbl name="callout">
+    <dgm:scene3d>
+      <a:camera prst="orthographicFront"/>
+      <a:lightRig rig="threePt" dir="t"/>
+    </dgm:scene3d>
+    <dgm:sp3d/>
+    <dgm:txPr/>
+    <dgm:style>
+      <a:lnRef idx="2">
+        <a:scrgbClr r="0" g="0" b="0"/>
+      </a:lnRef>
+      <a:fillRef idx="1">
+        <a:scrgbClr r="0" g="0" b="0"/>
+      </a:fillRef>
+      <a:effectRef idx="1">
+        <a:scrgbClr r="0" g="0" b="0"/>
+      </a:effectRef>
+      <a:fontRef idx="minor"/>
+    </dgm:style>
+  </dgm:styleLbl>
+  <dgm:styleLbl name="asst0">
+    <dgm:scene3d>
+      <a:camera prst="orthographicFront"/>
+      <a:lightRig rig="threePt" dir="t"/>
+    </dgm:scene3d>
+    <dgm:sp3d/>
+    <dgm:txPr/>
+    <dgm:style>
+      <a:lnRef idx="0">
+        <a:scrgbClr r="0" g="0" b="0"/>
+      </a:lnRef>
+      <a:fillRef idx="3">
+        <a:scrgbClr r="0" g="0" b="0"/>
+      </a:fillRef>
+      <a:effectRef idx="2">
+        <a:scrgbClr r="0" g="0" b="0"/>
+      </a:effectRef>
+      <a:fontRef idx="minor">
+        <a:schemeClr val="lt1"/>
+      </a:fontRef>
+    </dgm:style>
+  </dgm:styleLbl>
+  <dgm:styleLbl name="asst1">
+    <dgm:scene3d>
+      <a:camera prst="orthographicFront"/>
+      <a:lightRig rig="threePt" dir="t"/>
+    </dgm:scene3d>
+    <dgm:sp3d/>
+    <dgm:txPr/>
+    <dgm:style>
+      <a:lnRef idx="0">
+        <a:scrgbClr r="0" g="0" b="0"/>
+      </a:lnRef>
+      <a:fillRef idx="3">
+        <a:scrgbClr r="0" g="0" b="0"/>
+      </a:fillRef>
+      <a:effectRef idx="2">
+        <a:scrgbClr r="0" g="0" b="0"/>
+      </a:effectRef>
+      <a:fontRef idx="minor">
+        <a:schemeClr val="lt1"/>
+      </a:fontRef>
+    </dgm:style>
+  </dgm:styleLbl>
+  <dgm:styleLbl name="asst2">
+    <dgm:scene3d>
+      <a:camera prst="orthographicFront"/>
+      <a:lightRig rig="threePt" dir="t"/>
+    </dgm:scene3d>
+    <dgm:sp3d/>
+    <dgm:txPr/>
+    <dgm:style>
+      <a:lnRef idx="0">
+        <a:scrgbClr r="0" g="0" b="0"/>
+      </a:lnRef>
+      <a:fillRef idx="3">
+        <a:scrgbClr r="0" g="0" b="0"/>
+      </a:fillRef>
+      <a:effectRef idx="2">
+        <a:scrgbClr r="0" g="0" b="0"/>
+      </a:effectRef>
+      <a:fontRef idx="minor">
+        <a:schemeClr val="lt1"/>
+      </a:fontRef>
+    </dgm:style>
+  </dgm:styleLbl>
+  <dgm:styleLbl name="asst3">
+    <dgm:scene3d>
+      <a:camera prst="orthographicFront"/>
+      <a:lightRig rig="threePt" dir="t"/>
+    </dgm:scene3d>
+    <dgm:sp3d/>
+    <dgm:txPr/>
+    <dgm:style>
+      <a:lnRef idx="0">
+        <a:scrgbClr r="0" g="0" b="0"/>
+      </a:lnRef>
+      <a:fillRef idx="3">
+        <a:scrgbClr r="0" g="0" b="0"/>
+      </a:fillRef>
+      <a:effectRef idx="2">
+        <a:scrgbClr r="0" g="0" b="0"/>
+      </a:effectRef>
+      <a:fontRef idx="minor">
+        <a:schemeClr val="lt1"/>
+      </a:fontRef>
+    </dgm:style>
+  </dgm:styleLbl>
+  <dgm:styleLbl name="asst4">
+    <dgm:scene3d>
+      <a:camera prst="orthographicFront"/>
+      <a:lightRig rig="threePt" dir="t"/>
+    </dgm:scene3d>
+    <dgm:sp3d/>
+    <dgm:txPr/>
+    <dgm:style>
+      <a:lnRef idx="0">
+        <a:scrgbClr r="0" g="0" b="0"/>
+      </a:lnRef>
+      <a:fillRef idx="3">
+        <a:scrgbClr r="0" g="0" b="0"/>
+      </a:fillRef>
+      <a:effectRef idx="2">
+        <a:scrgbClr r="0" g="0" b="0"/>
+      </a:effectRef>
+      <a:fontRef idx="minor">
+        <a:schemeClr val="lt1"/>
+      </a:fontRef>
+    </dgm:style>
+  </dgm:styleLbl>
+  <dgm:styleLbl name="parChTrans2D1">
+    <dgm:scene3d>
+      <a:camera prst="orthographicFront"/>
+      <a:lightRig rig="threePt" dir="t"/>
+    </dgm:scene3d>
+    <dgm:sp3d/>
+    <dgm:txPr/>
+    <dgm:style>
+      <a:lnRef idx="0">
+        <a:scrgbClr r="0" g="0" b="0"/>
+      </a:lnRef>
+      <a:fillRef idx="3">
+        <a:scrgbClr r="0" g="0" b="0"/>
+      </a:fillRef>
+      <a:effectRef idx="2">
+        <a:scrgbClr r="0" g="0" b="0"/>
+      </a:effectRef>
+      <a:fontRef idx="minor">
+        <a:schemeClr val="lt1"/>
+      </a:fontRef>
+    </dgm:style>
+  </dgm:styleLbl>
+  <dgm:styleLbl name="parChTrans2D2">
+    <dgm:scene3d>
+      <a:camera prst="orthographicFront"/>
+      <a:lightRig rig="threePt" dir="t"/>
+    </dgm:scene3d>
+    <dgm:sp3d/>
+    <dgm:txPr/>
+    <dgm:style>
+      <a:lnRef idx="0">
+        <a:scrgbClr r="0" g="0" b="0"/>
+      </a:lnRef>
+      <a:fillRef idx="3">
+        <a:scrgbClr r="0" g="0" b="0"/>
+      </a:fillRef>
+      <a:effectRef idx="2">
+        <a:scrgbClr r="0" g="0" b="0"/>
+      </a:effectRef>
+      <a:fontRef idx="minor">
+        <a:schemeClr val="lt1"/>
+      </a:fontRef>
+    </dgm:style>
+  </dgm:styleLbl>
+  <dgm:styleLbl name="parChTrans2D3">
+    <dgm:scene3d>
+      <a:camera prst="orthographicFront"/>
+      <a:lightRig rig="threePt" dir="t"/>
+    </dgm:scene3d>
+    <dgm:sp3d/>
+    <dgm:txPr/>
+    <dgm:style>
+      <a:lnRef idx="1">
+        <a:scrgbClr r="0" g="0" b="0"/>
+      </a:lnRef>
+      <a:fillRef idx="3">
+        <a:scrgbClr r="0" g="0" b="0"/>
+      </a:fillRef>
+      <a:effectRef idx="2">
+        <a:scrgbClr r="0" g="0" b="0"/>
+      </a:effectRef>
+      <a:fontRef idx="minor">
+        <a:schemeClr val="lt1"/>
+      </a:fontRef>
+    </dgm:style>
+  </dgm:styleLbl>
+  <dgm:styleLbl name="parChTrans2D4">
+    <dgm:scene3d>
+      <a:camera prst="orthographicFront"/>
+      <a:lightRig rig="threePt" dir="t"/>
+    </dgm:scene3d>
+    <dgm:sp3d/>
+    <dgm:txPr/>
+    <dgm:style>
+      <a:lnRef idx="1">
+        <a:scrgbClr r="0" g="0" b="0"/>
+      </a:lnRef>
+      <a:fillRef idx="3">
+        <a:scrgbClr r="0" g="0" b="0"/>
+      </a:fillRef>
+      <a:effectRef idx="2">
+        <a:scrgbClr r="0" g="0" b="0"/>
+      </a:effectRef>
+      <a:fontRef idx="minor">
+        <a:schemeClr val="lt1"/>
+      </a:fontRef>
+    </dgm:style>
+  </dgm:styleLbl>
+  <dgm:styleLbl name="parChTrans1D1">
+    <dgm:scene3d>
+      <a:camera prst="orthographicFront"/>
+      <a:lightRig rig="threePt" dir="t"/>
+    </dgm:scene3d>
+    <dgm:sp3d/>
+    <dgm:txPr/>
+    <dgm:style>
+      <a:lnRef idx="1">
+        <a:scrgbClr r="0" g="0" b="0"/>
+      </a:lnRef>
+      <a:fillRef idx="0">
+        <a:scrgbClr r="0" g="0" b="0"/>
+      </a:fillRef>
+      <a:effectRef idx="0">
+        <a:scrgbClr r="0" g="0" b="0"/>
+      </a:effectRef>
+      <a:fontRef idx="minor"/>
+    </dgm:style>
+  </dgm:styleLbl>
+  <dgm:styleLbl name="parChTrans1D2">
+    <dgm:scene3d>
+      <a:camera prst="orthographicFront"/>
+      <a:lightRig rig="threePt" dir="t"/>
+    </dgm:scene3d>
+    <dgm:sp3d/>
+    <dgm:txPr/>
+    <dgm:style>
+      <a:lnRef idx="1">
+        <a:scrgbClr r="0" g="0" b="0"/>
+      </a:lnRef>
+      <a:fillRef idx="0">
+        <a:scrgbClr r="0" g="0" b="0"/>
+      </a:fillRef>
+      <a:effectRef idx="0">
+        <a:scrgbClr r="0" g="0" b="0"/>
+      </a:effectRef>
+      <a:fontRef idx="minor"/>
+    </dgm:style>
+  </dgm:styleLbl>
+  <dgm:styleLbl name="parChTrans1D3">
+    <dgm:scene3d>
+      <a:camera prst="orthographicFront"/>
+      <a:lightRig rig="threePt" dir="t"/>
+    </dgm:scene3d>
+    <dgm:sp3d/>
+    <dgm:txPr/>
+    <dgm:style>
+      <a:lnRef idx="1">
+        <a:scrgbClr r="0" g="0" b="0"/>
+      </a:lnRef>
+      <a:fillRef idx="0">
+        <a:scrgbClr r="0" g="0" b="0"/>
+      </a:fillRef>
+      <a:effectRef idx="0">
+        <a:scrgbClr r="0" g="0" b="0"/>
+      </a:effectRef>
+      <a:fontRef idx="minor"/>
+    </dgm:style>
+  </dgm:styleLbl>
+  <dgm:styleLbl name="parChTrans1D4">
+    <dgm:scene3d>
+      <a:camera prst="orthographicFront"/>
+      <a:lightRig rig="threePt" dir="t"/>
+    </dgm:scene3d>
+    <dgm:sp3d/>
+    <dgm:txPr/>
+    <dgm:style>
+      <a:lnRef idx="1">
+        <a:scrgbClr r="0" g="0" b="0"/>
+      </a:lnRef>
+      <a:fillRef idx="0">
+        <a:scrgbClr r="0" g="0" b="0"/>
+      </a:fillRef>
+      <a:effectRef idx="0">
+        <a:scrgbClr r="0" g="0" b="0"/>
+      </a:effectRef>
+      <a:fontRef idx="minor"/>
+    </dgm:style>
+  </dgm:styleLbl>
+  <dgm:styleLbl name="fgAcc1">
+    <dgm:scene3d>
+      <a:camera prst="orthographicFront"/>
+      <a:lightRig rig="threePt" dir="t"/>
+    </dgm:scene3d>
+    <dgm:sp3d/>
+    <dgm:txPr/>
+    <dgm:style>
+      <a:lnRef idx="1">
+        <a:scrgbClr r="0" g="0" b="0"/>
+      </a:lnRef>
+      <a:fillRef idx="1">
+        <a:scrgbClr r="0" g="0" b="0"/>
+      </a:fillRef>
+      <a:effectRef idx="0">
+        <a:scrgbClr r="0" g="0" b="0"/>
+      </a:effectRef>
+      <a:fontRef idx="minor"/>
+    </dgm:style>
+  </dgm:styleLbl>
+  <dgm:styleLbl name="conFgAcc1">
+    <dgm:scene3d>
+      <a:camera prst="orthographicFront"/>
+      <a:lightRig rig="threePt" dir="t"/>
+    </dgm:scene3d>
+    <dgm:sp3d/>
+    <dgm:txPr/>
+    <dgm:style>
+      <a:lnRef idx="1">
+        <a:scrgbClr r="0" g="0" b="0"/>
+      </a:lnRef>
+      <a:fillRef idx="1">
+        <a:scrgbClr r="0" g="0" b="0"/>
+      </a:fillRef>
+      <a:effectRef idx="0">
+        <a:scrgbClr r="0" g="0" b="0"/>
+      </a:effectRef>
+      <a:fontRef idx="minor"/>
+    </dgm:style>
+  </dgm:styleLbl>
+  <dgm:styleLbl name="alignAcc1">
+    <dgm:scene3d>
+      <a:camera prst="orthographicFront"/>
+      <a:lightRig rig="threePt" dir="t"/>
+    </dgm:scene3d>
+    <dgm:sp3d/>
+    <dgm:txPr/>
+    <dgm:style>
+      <a:lnRef idx="1">
+        <a:scrgbClr r="0" g="0" b="0"/>
+      </a:lnRef>
+      <a:fillRef idx="1">
+        <a:scrgbClr r="0" g="0" b="0"/>
+      </a:fillRef>
+      <a:effectRef idx="0">
+        <a:scrgbClr r="0" g="0" b="0"/>
+      </a:effectRef>
+      <a:fontRef idx="minor"/>
+    </dgm:style>
+  </dgm:styleLbl>
+  <dgm:styleLbl name="trAlignAcc1">
+    <dgm:scene3d>
+      <a:camera prst="orthographicFront"/>
+      <a:lightRig rig="threePt" dir="t"/>
+    </dgm:scene3d>
+    <dgm:sp3d/>
+    <dgm:txPr/>
+    <dgm:style>
+      <a:lnRef idx="1">
+        <a:scrgbClr r="0" g="0" b="0"/>
+      </a:lnRef>
+      <a:fillRef idx="1">
+        <a:scrgbClr r="0" g="0" b="0"/>
+      </a:fillRef>
+      <a:effectRef idx="0">
+        <a:scrgbClr r="0" g="0" b="0"/>
+      </a:effectRef>
+      <a:fontRef idx="minor"/>
+    </dgm:style>
+  </dgm:styleLbl>
+  <dgm:styleLbl name="bgAcc1">
+    <dgm:scene3d>
+      <a:camera prst="orthographicFront"/>
+      <a:lightRig rig="threePt" dir="t"/>
+    </dgm:scene3d>
+    <dgm:sp3d/>
+    <dgm:txPr/>
+    <dgm:style>
+      <a:lnRef idx="1">
+        <a:scrgbClr r="0" g="0" b="0"/>
+      </a:lnRef>
+      <a:fillRef idx="1">
+        <a:scrgbClr r="0" g="0" b="0"/>
+      </a:fillRef>
+      <a:effectRef idx="0">
+        <a:scrgbClr r="0" g="0" b="0"/>
+      </a:effectRef>
+      <a:fontRef idx="minor"/>
+    </dgm:style>
+  </dgm:styleLbl>
+  <dgm:styleLbl name="solidFgAcc1">
+    <dgm:scene3d>
+      <a:camera prst="orthographicFront"/>
+      <a:lightRig rig="threePt" dir="t"/>
+    </dgm:scene3d>
+    <dgm:sp3d/>
+    <dgm:txPr/>
+    <dgm:style>
+      <a:lnRef idx="1">
+        <a:scrgbClr r="0" g="0" b="0"/>
+      </a:lnRef>
+      <a:fillRef idx="1">
+        <a:scrgbClr r="0" g="0" b="0"/>
+      </a:fillRef>
+      <a:effectRef idx="0">
+        <a:scrgbClr r="0" g="0" b="0"/>
+      </a:effectRef>
+      <a:fontRef idx="minor"/>
+    </dgm:style>
+  </dgm:styleLbl>
+  <dgm:styleLbl name="solidAlignAcc1">
+    <dgm:scene3d>
+      <a:camera prst="orthographicFront"/>
+      <a:lightRig rig="threePt" dir="t"/>
+    </dgm:scene3d>
+    <dgm:sp3d/>
+    <dgm:txPr/>
+    <dgm:style>
+      <a:lnRef idx="1">
+        <a:scrgbClr r="0" g="0" b="0"/>
+      </a:lnRef>
+      <a:fillRef idx="1">
+        <a:scrgbClr r="0" g="0" b="0"/>
+      </a:fillRef>
+      <a:effectRef idx="0">
+        <a:scrgbClr r="0" g="0" b="0"/>
+      </a:effectRef>
+      <a:fontRef idx="minor"/>
+    </dgm:style>
+  </dgm:styleLbl>
+  <dgm:styleLbl name="solidBgAcc1">
+    <dgm:scene3d>
+      <a:camera prst="orthographicFront"/>
+      <a:lightRig rig="threePt" dir="t"/>
+    </dgm:scene3d>
+    <dgm:sp3d/>
+    <dgm:txPr/>
+    <dgm:style>
+      <a:lnRef idx="1">
+        <a:scrgbClr r="0" g="0" b="0"/>
+      </a:lnRef>
+      <a:fillRef idx="1">
+        <a:scrgbClr r="0" g="0" b="0"/>
+      </a:fillRef>
+      <a:effectRef idx="0">
+        <a:scrgbClr r="0" g="0" b="0"/>
+      </a:effectRef>
+      <a:fontRef idx="minor"/>
+    </dgm:style>
+  </dgm:styleLbl>
+  <dgm:styleLbl name="fgAccFollowNode1">
+    <dgm:scene3d>
+      <a:camera prst="orthographicFront"/>
+      <a:lightRig rig="threePt" dir="t"/>
+    </dgm:scene3d>
+    <dgm:sp3d/>
+    <dgm:txPr/>
+    <dgm:style>
+      <a:lnRef idx="1">
+        <a:scrgbClr r="0" g="0" b="0"/>
+      </a:lnRef>
+      <a:fillRef idx="1">
+        <a:scrgbClr r="0" g="0" b="0"/>
+      </a:fillRef>
+      <a:effectRef idx="0">
+        <a:scrgbClr r="0" g="0" b="0"/>
+      </a:effectRef>
+      <a:fontRef idx="minor"/>
+    </dgm:style>
+  </dgm:styleLbl>
+  <dgm:styleLbl name="alignAccFollowNode1">
+    <dgm:scene3d>
+      <a:camera prst="orthographicFront"/>
+      <a:lightRig rig="threePt" dir="t"/>
+    </dgm:scene3d>
+    <dgm:sp3d/>
+    <dgm:txPr/>
+    <dgm:style>
+      <a:lnRef idx="1">
+        <a:scrgbClr r="0" g="0" b="0"/>
+      </a:lnRef>
+      <a:fillRef idx="1">
+        <a:scrgbClr r="0" g="0" b="0"/>
+      </a:fillRef>
+      <a:effectRef idx="0">
+        <a:scrgbClr r="0" g="0" b="0"/>
+      </a:effectRef>
+      <a:fontRef idx="minor"/>
+    </dgm:style>
+  </dgm:styleLbl>
+  <dgm:styleLbl name="bgAccFollowNode1">
+    <dgm:scene3d>
+      <a:camera prst="orthographicFront"/>
+      <a:lightRig rig="threePt" dir="t"/>
+    </dgm:scene3d>
+    <dgm:sp3d/>
+    <dgm:txPr/>
+    <dgm:style>
+      <a:lnRef idx="1">
+        <a:scrgbClr r="0" g="0" b="0"/>
+      </a:lnRef>
+      <a:fillRef idx="1">
+        <a:scrgbClr r="0" g="0" b="0"/>
+      </a:fillRef>
+      <a:effectRef idx="0">
+        <a:scrgbClr r="0" g="0" b="0"/>
+      </a:effectRef>
+      <a:fontRef idx="minor"/>
+    </dgm:style>
+  </dgm:styleLbl>
+  <dgm:styleLbl name="fgAcc0">
+    <dgm:scene3d>
+      <a:camera prst="orthographicFront"/>
+      <a:lightRig rig="threePt" dir="t"/>
+    </dgm:scene3d>
+    <dgm:sp3d/>
+    <dgm:txPr/>
+    <dgm:style>
+      <a:lnRef idx="1">
+        <a:scrgbClr r="0" g="0" b="0"/>
+      </a:lnRef>
+      <a:fillRef idx="1">
+        <a:scrgbClr r="0" g="0" b="0"/>
+      </a:fillRef>
+      <a:effectRef idx="0">
+        <a:scrgbClr r="0" g="0" b="0"/>
+      </a:effectRef>
+      <a:fontRef idx="minor"/>
+    </dgm:style>
+  </dgm:styleLbl>
+  <dgm:styleLbl name="fgAcc2">
+    <dgm:scene3d>
+      <a:camera prst="orthographicFront"/>
+      <a:lightRig rig="threePt" dir="t"/>
+    </dgm:scene3d>
+    <dgm:sp3d/>
+    <dgm:txPr/>
+    <dgm:style>
+      <a:lnRef idx="1">
+        <a:scrgbClr r="0" g="0" b="0"/>
+      </a:lnRef>
+      <a:fillRef idx="1">
+        <a:scrgbClr r="0" g="0" b="0"/>
+      </a:fillRef>
+      <a:effectRef idx="0">
+        <a:scrgbClr r="0" g="0" b="0"/>
+      </a:effectRef>
+      <a:fontRef idx="minor"/>
+    </dgm:style>
+  </dgm:styleLbl>
+  <dgm:styleLbl name="fgAcc3">
+    <dgm:scene3d>
+      <a:camera prst="orthographicFront"/>
+      <a:lightRig rig="threePt" dir="t"/>
+    </dgm:scene3d>
+    <dgm:sp3d/>
+    <dgm:txPr/>
+    <dgm:style>
+      <a:lnRef idx="1">
+        <a:scrgbClr r="0" g="0" b="0"/>
+      </a:lnRef>
+      <a:fillRef idx="1">
+        <a:scrgbClr r="0" g="0" b="0"/>
+      </a:fillRef>
+      <a:effectRef idx="0">
+        <a:scrgbClr r="0" g="0" b="0"/>
+      </a:effectRef>
+      <a:fontRef idx="minor"/>
+    </dgm:style>
+  </dgm:styleLbl>
+  <dgm:styleLbl name="fgAcc4">
+    <dgm:scene3d>
+      <a:camera prst="orthographicFront"/>
+      <a:lightRig rig="threePt" dir="t"/>
+    </dgm:scene3d>
+    <dgm:sp3d/>
+    <dgm:txPr/>
+    <dgm:style>
+      <a:lnRef idx="1">
+        <a:scrgbClr r="0" g="0" b="0"/>
+      </a:lnRef>
+      <a:fillRef idx="1">
+        <a:scrgbClr r="0" g="0" b="0"/>
+      </a:fillRef>
+      <a:effectRef idx="0">
+        <a:scrgbClr r="0" g="0" b="0"/>
+      </a:effectRef>
+      <a:fontRef idx="minor"/>
+    </dgm:style>
+  </dgm:styleLbl>
+  <dgm:styleLbl name="bgShp">
+    <dgm:scene3d>
+      <a:camera prst="orthographicFront"/>
+      <a:lightRig rig="threePt" dir="t"/>
+    </dgm:scene3d>
+    <dgm:sp3d/>
+    <dgm:txPr/>
+    <dgm:style>
+      <a:lnRef idx="0">
+        <a:scrgbClr r="0" g="0" b="0"/>
+      </a:lnRef>
+      <a:fillRef idx="1">
+        <a:scrgbClr r="0" g="0" b="0"/>
+      </a:fillRef>
+      <a:effectRef idx="2">
+        <a:scrgbClr r="0" g="0" b="0"/>
+      </a:effectRef>
+      <a:fontRef idx="minor"/>
+    </dgm:style>
+  </dgm:styleLbl>
+  <dgm:styleLbl name="dkBgShp">
+    <dgm:scene3d>
+      <a:camera prst="orthographicFront"/>
+      <a:lightRig rig="threePt" dir="t"/>
+    </dgm:scene3d>
+    <dgm:sp3d/>
+    <dgm:txPr/>
+    <dgm:style>
+      <a:lnRef idx="0">
+        <a:scrgbClr r="0" g="0" b="0"/>
+      </a:lnRef>
+      <a:fillRef idx="1">
+        <a:scrgbClr r="0" g="0" b="0"/>
+      </a:fillRef>
+      <a:effectRef idx="2">
+        <a:scrgbClr r="0" g="0" b="0"/>
+      </a:effectRef>
+      <a:fontRef idx="minor"/>
+    </dgm:style>
+  </dgm:styleLbl>
+  <dgm:styleLbl name="trBgShp">
+    <dgm:scene3d>
+      <a:camera prst="orthographicFront"/>
+      <a:lightRig rig="threePt" dir="t"/>
+    </dgm:scene3d>
+    <dgm:sp3d/>
+    <dgm:txPr/>
+    <dgm:style>
+      <a:lnRef idx="0">
+        <a:scrgbClr r="0" g="0" b="0"/>
+      </a:lnRef>
+      <a:fillRef idx="1">
+        <a:scrgbClr r="0" g="0" b="0"/>
+      </a:fillRef>
+      <a:effectRef idx="0">
+        <a:scrgbClr r="0" g="0" b="0"/>
+      </a:effectRef>
+      <a:fontRef idx="minor"/>
+    </dgm:style>
+  </dgm:styleLbl>
+  <dgm:styleLbl name="fgShp">
+    <dgm:scene3d>
+      <a:camera prst="orthographicFront"/>
+      <a:lightRig rig="threePt" dir="t"/>
+    </dgm:scene3d>
+    <dgm:sp3d/>
+    <dgm:txPr/>
+    <dgm:style>
+      <a:lnRef idx="0">
+        <a:scrgbClr r="0" g="0" b="0"/>
+      </a:lnRef>
+      <a:fillRef idx="3">
+        <a:scrgbClr r="0" g="0" b="0"/>
+      </a:fillRef>
+      <a:effectRef idx="2">
+        <a:scrgbClr r="0" g="0" b="0"/>
+      </a:effectRef>
+      <a:fontRef idx="minor"/>
+    </dgm:style>
+  </dgm:styleLbl>
+  <dgm:styleLbl name="revTx">
+    <dgm:scene3d>
+      <a:camera prst="orthographicFront"/>
+      <a:lightRig rig="threePt" dir="t"/>
+    </dgm:scene3d>
+    <dgm:sp3d/>
+    <dgm:txPr/>
+    <dgm:style>
+      <a:lnRef idx="0">
+        <a:scrgbClr r="0" g="0" b="0"/>
+      </a:lnRef>
+      <a:fillRef idx="0">
+        <a:scrgbClr r="0" g="0" b="0"/>
+      </a:fillRef>
+      <a:effectRef idx="0">
+        <a:scrgbClr r="0" g="0" b="0"/>
+      </a:effectRef>
+      <a:fontRef idx="minor"/>
+    </dgm:style>
+  </dgm:styleLbl>
+</dgm:styleDef>
+</file>
+
+<file path=ppt/notesMasters/notesMaster1.xml><?xml version="1.0" encoding="utf-8"?>
+<p:notesMaster xmlns:a="http://schemas.openxmlformats.org/drawingml/2006/main" xmlns:r="http://schemas.openxmlformats.org/officeDocument/2006/relationships" xmlns:p="http://schemas.openxmlformats.org/presentationml/2006/main">
+  <p:cSld>
+    <p:bg>
+      <p:bgRef idx="1001">
+        <a:schemeClr val="bg1"/>
+      </p:bgRef>
+    </p:bg>
+    <p:spTree>
+      <p:nvGrpSpPr>
+        <p:cNvPr id="1" name=""/>
+        <p:cNvGrpSpPr/>
+        <p:nvPr/>
+      </p:nvGrpSpPr>
+      <p:grpSpPr>
+        <a:xfrm>
+          <a:off x="0" y="0"/>
+          <a:ext cx="0" cy="0"/>
+          <a:chOff x="0" y="0"/>
+          <a:chExt cx="0" cy="0"/>
+        </a:xfrm>
+      </p:grpSpPr>
+      <p:sp>
+        <p:nvSpPr>
+          <p:cNvPr id="2" name="Верхний колонтитул 1"/>
+          <p:cNvSpPr>
+            <a:spLocks noGrp="1"/>
+          </p:cNvSpPr>
+          <p:nvPr>
+            <p:ph type="hdr" sz="quarter"/>
+          </p:nvPr>
+        </p:nvSpPr>
+        <p:spPr>
+          <a:xfrm>
+            <a:off x="0" y="0"/>
+            <a:ext cx="2971800" cy="458788"/>
+          </a:xfrm>
+          <a:prstGeom prst="rect">
+            <a:avLst/>
+          </a:prstGeom>
+        </p:spPr>
+        <p:txBody>
+          <a:bodyPr vert="horz" lIns="91440" tIns="45720" rIns="91440" bIns="45720" rtlCol="0"/>
+          <a:lstStyle>
+            <a:lvl1pPr algn="l">
+              <a:defRPr sz="1200"/>
+            </a:lvl1pPr>
+          </a:lstStyle>
+          <a:p>
+            <a:endParaRPr lang="ru-RU"/>
+          </a:p>
+        </p:txBody>
+      </p:sp>
+      <p:sp>
+        <p:nvSpPr>
+          <p:cNvPr id="3" name="Дата 2"/>
+          <p:cNvSpPr>
+            <a:spLocks noGrp="1"/>
+          </p:cNvSpPr>
+          <p:nvPr>
+            <p:ph type="dt" idx="1"/>
+          </p:nvPr>
+        </p:nvSpPr>
+        <p:spPr>
+          <a:xfrm>
+            <a:off x="3884613" y="0"/>
+            <a:ext cx="2971800" cy="458788"/>
+          </a:xfrm>
+          <a:prstGeom prst="rect">
+            <a:avLst/>
+          </a:prstGeom>
+        </p:spPr>
+        <p:txBody>
+          <a:bodyPr vert="horz" lIns="91440" tIns="45720" rIns="91440" bIns="45720" rtlCol="0"/>
+          <a:lstStyle>
+            <a:lvl1pPr algn="r">
+              <a:defRPr sz="1200"/>
+            </a:lvl1pPr>
+          </a:lstStyle>
+          <a:p>
+            <a:fld id="{F9148C57-D6B3-9447-A68B-1B0BA06B1AAF}" type="datetimeFigureOut">
+              <a:rPr lang="ru-RU" smtClean="0"/>
+              <a:t>26.04.2023</a:t>
+            </a:fld>
+            <a:endParaRPr lang="ru-RU"/>
+          </a:p>
+        </p:txBody>
+      </p:sp>
+      <p:sp>
+        <p:nvSpPr>
+          <p:cNvPr id="4" name="Образ слайда 3"/>
+          <p:cNvSpPr>
+            <a:spLocks noGrp="1" noRot="1" noChangeAspect="1"/>
+          </p:cNvSpPr>
+          <p:nvPr>
+            <p:ph type="sldImg" idx="2"/>
+          </p:nvPr>
+        </p:nvSpPr>
+        <p:spPr>
+          <a:xfrm>
+            <a:off x="685800" y="1143000"/>
+            <a:ext cx="5486400" cy="3086100"/>
+          </a:xfrm>
+          <a:prstGeom prst="rect">
+            <a:avLst/>
+          </a:prstGeom>
+          <a:noFill/>
+          <a:ln w="12700">
+            <a:solidFill>
+              <a:prstClr val="black"/>
+            </a:solidFill>
+          </a:ln>
+        </p:spPr>
+        <p:txBody>
+          <a:bodyPr vert="horz" lIns="91440" tIns="45720" rIns="91440" bIns="45720" rtlCol="0" anchor="ctr"/>
+          <a:lstStyle/>
+          <a:p>
+            <a:endParaRPr lang="ru-RU"/>
+          </a:p>
+        </p:txBody>
+      </p:sp>
+      <p:sp>
+        <p:nvSpPr>
+          <p:cNvPr id="5" name="Заметки 4"/>
+          <p:cNvSpPr>
+            <a:spLocks noGrp="1"/>
+          </p:cNvSpPr>
+          <p:nvPr>
+            <p:ph type="body" sz="quarter" idx="3"/>
+          </p:nvPr>
+        </p:nvSpPr>
+        <p:spPr>
+          <a:xfrm>
+            <a:off x="685800" y="4400550"/>
+            <a:ext cx="5486400" cy="3600450"/>
+          </a:xfrm>
+          <a:prstGeom prst="rect">
+            <a:avLst/>
+          </a:prstGeom>
+        </p:spPr>
+        <p:txBody>
+          <a:bodyPr vert="horz" lIns="91440" tIns="45720" rIns="91440" bIns="45720" rtlCol="0"/>
+          <a:lstStyle/>
+          <a:p>
+            <a:pPr lvl="0"/>
+            <a:r>
+              <a:rPr lang="ru-RU"/>
+              <a:t>Образец текста</a:t>
+            </a:r>
+          </a:p>
+          <a:p>
+            <a:pPr lvl="1"/>
+            <a:r>
+              <a:rPr lang="ru-RU"/>
+              <a:t>Второй уровень</a:t>
+            </a:r>
+          </a:p>
+          <a:p>
+            <a:pPr lvl="2"/>
+            <a:r>
+              <a:rPr lang="ru-RU"/>
+              <a:t>Третий уровень</a:t>
+            </a:r>
+          </a:p>
+          <a:p>
+            <a:pPr lvl="3"/>
+            <a:r>
+              <a:rPr lang="ru-RU"/>
+              <a:t>Четвертый уровень</a:t>
+            </a:r>
+          </a:p>
+          <a:p>
+            <a:pPr lvl="4"/>
+            <a:r>
+              <a:rPr lang="ru-RU"/>
+              <a:t>Пятый уровень</a:t>
+            </a:r>
+          </a:p>
+        </p:txBody>
+      </p:sp>
+      <p:sp>
+        <p:nvSpPr>
+          <p:cNvPr id="6" name="Нижний колонтитул 5"/>
+          <p:cNvSpPr>
+            <a:spLocks noGrp="1"/>
+          </p:cNvSpPr>
+          <p:nvPr>
+            <p:ph type="ftr" sz="quarter" idx="4"/>
+          </p:nvPr>
+        </p:nvSpPr>
+        <p:spPr>
+          <a:xfrm>
+            <a:off x="0" y="8685213"/>
+            <a:ext cx="2971800" cy="458787"/>
+          </a:xfrm>
+          <a:prstGeom prst="rect">
+            <a:avLst/>
+          </a:prstGeom>
+        </p:spPr>
+        <p:txBody>
+          <a:bodyPr vert="horz" lIns="91440" tIns="45720" rIns="91440" bIns="45720" rtlCol="0" anchor="b"/>
+          <a:lstStyle>
+            <a:lvl1pPr algn="l">
+              <a:defRPr sz="1200"/>
+            </a:lvl1pPr>
+          </a:lstStyle>
+          <a:p>
+            <a:endParaRPr lang="ru-RU"/>
+          </a:p>
+        </p:txBody>
+      </p:sp>
+      <p:sp>
+        <p:nvSpPr>
+          <p:cNvPr id="7" name="Номер слайда 6"/>
+          <p:cNvSpPr>
+            <a:spLocks noGrp="1"/>
+          </p:cNvSpPr>
+          <p:nvPr>
+            <p:ph type="sldNum" sz="quarter" idx="5"/>
+          </p:nvPr>
+        </p:nvSpPr>
+        <p:spPr>
+          <a:xfrm>
+            <a:off x="3884613" y="8685213"/>
+            <a:ext cx="2971800" cy="458787"/>
+          </a:xfrm>
+          <a:prstGeom prst="rect">
+            <a:avLst/>
+          </a:prstGeom>
+        </p:spPr>
+        <p:txBody>
+          <a:bodyPr vert="horz" lIns="91440" tIns="45720" rIns="91440" bIns="45720" rtlCol="0" anchor="b"/>
+          <a:lstStyle>
+            <a:lvl1pPr algn="r">
+              <a:defRPr sz="1200"/>
+            </a:lvl1pPr>
+          </a:lstStyle>
+          <a:p>
+            <a:fld id="{2268E5B3-ADA4-9643-8516-C9D804832C5C}" type="slidenum">
+              <a:rPr lang="ru-RU" smtClean="0"/>
+              <a:t>‹#›</a:t>
+            </a:fld>
+            <a:endParaRPr lang="ru-RU"/>
+          </a:p>
+        </p:txBody>
+      </p:sp>
+    </p:spTree>
+    <p:extLst>
+      <p:ext uri="{BB962C8B-B14F-4D97-AF65-F5344CB8AC3E}">
+        <p14:creationId xmlns:p14="http://schemas.microsoft.com/office/powerpoint/2010/main" val="1258474909"/>
+      </p:ext>
+    </p:extLst>
+  </p:cSld>
+  <p:clrMap bg1="lt1" tx1="dk1" bg2="lt2" tx2="dk2" accent1="accent1" accent2="accent2" accent3="accent3" accent4="accent4" accent5="accent5" accent6="accent6" hlink="hlink" folHlink="folHlink"/>
+  <p:notesStyle>
+    <a:lvl1pPr marL="0" algn="l" defTabSz="914400" rtl="0" eaLnBrk="1" latinLnBrk="0" hangingPunct="1">
+      <a:defRPr sz="1200" kern="1200">
+        <a:solidFill>
+          <a:schemeClr val="tx1"/>
+        </a:solidFill>
+        <a:latin typeface="+mn-lt"/>
+        <a:ea typeface="+mn-ea"/>
+        <a:cs typeface="+mn-cs"/>
+      </a:defRPr>
+    </a:lvl1pPr>
+    <a:lvl2pPr marL="457200" algn="l" defTabSz="914400" rtl="0" eaLnBrk="1" latinLnBrk="0" hangingPunct="1">
+      <a:defRPr sz="1200" kern="1200">
+        <a:solidFill>
+          <a:schemeClr val="tx1"/>
+        </a:solidFill>
+        <a:latin typeface="+mn-lt"/>
+        <a:ea typeface="+mn-ea"/>
+        <a:cs typeface="+mn-cs"/>
+      </a:defRPr>
+    </a:lvl2pPr>
+    <a:lvl3pPr marL="914400" algn="l" defTabSz="914400" rtl="0" eaLnBrk="1" latinLnBrk="0" hangingPunct="1">
+      <a:defRPr sz="1200" kern="1200">
+        <a:solidFill>
+          <a:schemeClr val="tx1"/>
+        </a:solidFill>
+        <a:latin typeface="+mn-lt"/>
+        <a:ea typeface="+mn-ea"/>
+        <a:cs typeface="+mn-cs"/>
+      </a:defRPr>
+    </a:lvl3pPr>
+    <a:lvl4pPr marL="1371600" algn="l" defTabSz="914400" rtl="0" eaLnBrk="1" latinLnBrk="0" hangingPunct="1">
+      <a:defRPr sz="1200" kern="1200">
+        <a:solidFill>
+          <a:schemeClr val="tx1"/>
+        </a:solidFill>
+        <a:latin typeface="+mn-lt"/>
+        <a:ea typeface="+mn-ea"/>
+        <a:cs typeface="+mn-cs"/>
+      </a:defRPr>
+    </a:lvl4pPr>
+    <a:lvl5pPr marL="1828800" algn="l" defTabSz="914400" rtl="0" eaLnBrk="1" latinLnBrk="0" hangingPunct="1">
+      <a:defRPr sz="1200" kern="1200">
+        <a:solidFill>
+          <a:schemeClr val="tx1"/>
+        </a:solidFill>
+        <a:latin typeface="+mn-lt"/>
+        <a:ea typeface="+mn-ea"/>
+        <a:cs typeface="+mn-cs"/>
+      </a:defRPr>
+    </a:lvl5pPr>
+    <a:lvl6pPr marL="2286000" algn="l" defTabSz="914400" rtl="0" eaLnBrk="1" latinLnBrk="0" hangingPunct="1">
+      <a:defRPr sz="1200" kern="1200">
+        <a:solidFill>
+          <a:schemeClr val="tx1"/>
+        </a:solidFill>
+        <a:latin typeface="+mn-lt"/>
+        <a:ea typeface="+mn-ea"/>
+        <a:cs typeface="+mn-cs"/>
+      </a:defRPr>
+    </a:lvl6pPr>
+    <a:lvl7pPr marL="2743200" algn="l" defTabSz="914400" rtl="0" eaLnBrk="1" latinLnBrk="0" hangingPunct="1">
+      <a:defRPr sz="1200" kern="1200">
+        <a:solidFill>
+          <a:schemeClr val="tx1"/>
+        </a:solidFill>
+        <a:latin typeface="+mn-lt"/>
+        <a:ea typeface="+mn-ea"/>
+        <a:cs typeface="+mn-cs"/>
+      </a:defRPr>
+    </a:lvl7pPr>
+    <a:lvl8pPr marL="3200400" algn="l" defTabSz="914400" rtl="0" eaLnBrk="1" latinLnBrk="0" hangingPunct="1">
+      <a:defRPr sz="1200" kern="1200">
+        <a:solidFill>
+          <a:schemeClr val="tx1"/>
+        </a:solidFill>
+        <a:latin typeface="+mn-lt"/>
+        <a:ea typeface="+mn-ea"/>
+        <a:cs typeface="+mn-cs"/>
+      </a:defRPr>
+    </a:lvl8pPr>
+    <a:lvl9pPr marL="3657600" algn="l" defTabSz="914400" rtl="0" eaLnBrk="1" latinLnBrk="0" hangingPunct="1">
+      <a:defRPr sz="1200" kern="1200">
+        <a:solidFill>
+          <a:schemeClr val="tx1"/>
+        </a:solidFill>
+        <a:latin typeface="+mn-lt"/>
+        <a:ea typeface="+mn-ea"/>
+        <a:cs typeface="+mn-cs"/>
+      </a:defRPr>
+    </a:lvl9pPr>
+  </p:notesStyle>
+</p:notesMaster>
+</file>
+
+<file path=ppt/notesSlides/notesSlide1.xml><?xml version="1.0" encoding="utf-8"?>
+<p:notes xmlns:a="http://schemas.openxmlformats.org/drawingml/2006/main" xmlns:r="http://schemas.openxmlformats.org/officeDocument/2006/relationships" xmlns:p="http://schemas.openxmlformats.org/presentationml/2006/main">
+  <p:cSld>
+    <p:spTree>
+      <p:nvGrpSpPr>
+        <p:cNvPr id="1" name=""/>
+        <p:cNvGrpSpPr/>
+        <p:nvPr/>
+      </p:nvGrpSpPr>
+      <p:grpSpPr>
+        <a:xfrm>
+          <a:off x="0" y="0"/>
+          <a:ext cx="0" cy="0"/>
+          <a:chOff x="0" y="0"/>
+          <a:chExt cx="0" cy="0"/>
+        </a:xfrm>
+      </p:grpSpPr>
+      <p:sp>
+        <p:nvSpPr>
+          <p:cNvPr id="2" name="Образ слайда 1"/>
+          <p:cNvSpPr>
+            <a:spLocks noGrp="1" noRot="1" noChangeAspect="1"/>
+          </p:cNvSpPr>
+          <p:nvPr>
+            <p:ph type="sldImg"/>
+          </p:nvPr>
+        </p:nvSpPr>
+        <p:spPr/>
+      </p:sp>
+      <p:sp>
+        <p:nvSpPr>
+          <p:cNvPr id="3" name="Заметки 2"/>
+          <p:cNvSpPr>
+            <a:spLocks noGrp="1"/>
+          </p:cNvSpPr>
+          <p:nvPr>
+            <p:ph type="body" idx="1"/>
+          </p:nvPr>
+        </p:nvSpPr>
+        <p:spPr/>
+        <p:txBody>
+          <a:bodyPr/>
+          <a:lstStyle/>
+          <a:p>
+            <a:pPr marL="0" marR="0" lvl="0" indent="0" algn="l" defTabSz="914400" rtl="0" eaLnBrk="1" fontAlgn="auto" latinLnBrk="0" hangingPunct="1">
+              <a:lnSpc>
+                <a:spcPct val="100000"/>
+              </a:lnSpc>
+              <a:spcBef>
+                <a:spcPts val="0"/>
+              </a:spcBef>
+              <a:spcAft>
+                <a:spcPts val="0"/>
+              </a:spcAft>
+              <a:buClrTx/>
+              <a:buSzTx/>
+              <a:buFontTx/>
+              <a:buNone/>
+              <a:tabLst/>
+              <a:defRPr/>
+            </a:pPr>
+            <a:r>
+              <a:rPr lang="ru-RU" dirty="0">
+                <a:highlight>
+                  <a:srgbClr val="FFFF00"/>
+                </a:highlight>
+              </a:rPr>
+              <a:t>Подчеркнуть, что свой алгоритм</a:t>
+            </a:r>
+          </a:p>
+          <a:p>
+            <a:endParaRPr lang="ru-RU" dirty="0"/>
+          </a:p>
+        </p:txBody>
+      </p:sp>
+      <p:sp>
+        <p:nvSpPr>
+          <p:cNvPr id="4" name="Номер слайда 3"/>
+          <p:cNvSpPr>
+            <a:spLocks noGrp="1"/>
+          </p:cNvSpPr>
+          <p:nvPr>
+            <p:ph type="sldNum" sz="quarter" idx="5"/>
+          </p:nvPr>
+        </p:nvSpPr>
+        <p:spPr/>
+        <p:txBody>
+          <a:bodyPr/>
+          <a:lstStyle/>
+          <a:p>
+            <a:fld id="{2268E5B3-ADA4-9643-8516-C9D804832C5C}" type="slidenum">
+              <a:rPr lang="ru-RU" smtClean="0"/>
+              <a:t>7</a:t>
+            </a:fld>
+            <a:endParaRPr lang="ru-RU"/>
+          </a:p>
+        </p:txBody>
+      </p:sp>
+    </p:spTree>
+    <p:extLst>
+      <p:ext uri="{BB962C8B-B14F-4D97-AF65-F5344CB8AC3E}">
+        <p14:creationId xmlns:p14="http://schemas.microsoft.com/office/powerpoint/2010/main" val="3739213282"/>
+      </p:ext>
+    </p:extLst>
+  </p:cSld>
+  <p:clrMapOvr>
+    <a:masterClrMapping/>
+  </p:clrMapOvr>
+</p:notes>
+</file>
+
+<file path=ppt/notesSlides/notesSlide2.xml><?xml version="1.0" encoding="utf-8"?>
+<p:notes xmlns:a="http://schemas.openxmlformats.org/drawingml/2006/main" xmlns:r="http://schemas.openxmlformats.org/officeDocument/2006/relationships" xmlns:p="http://schemas.openxmlformats.org/presentationml/2006/main">
+  <p:cSld>
+    <p:spTree>
+      <p:nvGrpSpPr>
+        <p:cNvPr id="1" name=""/>
+        <p:cNvGrpSpPr/>
+        <p:nvPr/>
+      </p:nvGrpSpPr>
+      <p:grpSpPr>
+        <a:xfrm>
+          <a:off x="0" y="0"/>
+          <a:ext cx="0" cy="0"/>
+          <a:chOff x="0" y="0"/>
+          <a:chExt cx="0" cy="0"/>
+        </a:xfrm>
+      </p:grpSpPr>
+      <p:sp>
+        <p:nvSpPr>
+          <p:cNvPr id="2" name="Образ слайда 1"/>
+          <p:cNvSpPr>
+            <a:spLocks noGrp="1" noRot="1" noChangeAspect="1"/>
+          </p:cNvSpPr>
+          <p:nvPr>
+            <p:ph type="sldImg"/>
+          </p:nvPr>
+        </p:nvSpPr>
+        <p:spPr/>
+      </p:sp>
+      <p:sp>
+        <p:nvSpPr>
+          <p:cNvPr id="3" name="Заметки 2"/>
+          <p:cNvSpPr>
+            <a:spLocks noGrp="1"/>
+          </p:cNvSpPr>
+          <p:nvPr>
+            <p:ph type="body" idx="1"/>
+          </p:nvPr>
+        </p:nvSpPr>
+        <p:spPr/>
+        <p:txBody>
+          <a:bodyPr/>
+          <a:lstStyle/>
+          <a:p>
+            <a:pPr marL="0" marR="0" lvl="0" indent="0" algn="l" defTabSz="914400" rtl="0" eaLnBrk="1" fontAlgn="auto" latinLnBrk="0" hangingPunct="1">
+              <a:lnSpc>
+                <a:spcPct val="100000"/>
+              </a:lnSpc>
+              <a:spcBef>
+                <a:spcPts val="0"/>
+              </a:spcBef>
+              <a:spcAft>
+                <a:spcPts val="0"/>
+              </a:spcAft>
+              <a:buClrTx/>
+              <a:buSzTx/>
+              <a:buFontTx/>
+              <a:buNone/>
+              <a:tabLst/>
+              <a:defRPr/>
+            </a:pPr>
+            <a:r>
+              <a:rPr lang="ru-RU" dirty="0">
+                <a:highlight>
+                  <a:srgbClr val="FFFF00"/>
+                </a:highlight>
+              </a:rPr>
+              <a:t>Рассказать, что это модельная задача</a:t>
+            </a:r>
+          </a:p>
+          <a:p>
+            <a:endParaRPr lang="ru-RU" dirty="0"/>
+          </a:p>
+        </p:txBody>
+      </p:sp>
+      <p:sp>
+        <p:nvSpPr>
+          <p:cNvPr id="4" name="Номер слайда 3"/>
+          <p:cNvSpPr>
+            <a:spLocks noGrp="1"/>
+          </p:cNvSpPr>
+          <p:nvPr>
+            <p:ph type="sldNum" sz="quarter" idx="5"/>
+          </p:nvPr>
+        </p:nvSpPr>
+        <p:spPr/>
+        <p:txBody>
+          <a:bodyPr/>
+          <a:lstStyle/>
+          <a:p>
+            <a:fld id="{2268E5B3-ADA4-9643-8516-C9D804832C5C}" type="slidenum">
+              <a:rPr lang="ru-RU" smtClean="0"/>
+              <a:t>8</a:t>
+            </a:fld>
+            <a:endParaRPr lang="ru-RU"/>
+          </a:p>
+        </p:txBody>
+      </p:sp>
+    </p:spTree>
+    <p:extLst>
+      <p:ext uri="{BB962C8B-B14F-4D97-AF65-F5344CB8AC3E}">
+        <p14:creationId xmlns:p14="http://schemas.microsoft.com/office/powerpoint/2010/main" val="3553437743"/>
+      </p:ext>
+    </p:extLst>
+  </p:cSld>
+  <p:clrMapOvr>
+    <a:masterClrMapping/>
+  </p:clrMapOvr>
+</p:notes>
 </file>
 
 <file path=ppt/slideLayouts/slideLayout1.xml><?xml version="1.0" encoding="utf-8"?>
@@ -2856,7 +6261,7 @@
           <a:p>
             <a:fld id="{CFB7AB18-4DC0-294C-844C-ADA7FB273D7B}" type="datetimeFigureOut">
               <a:rPr lang="ru-RU" smtClean="0"/>
-              <a:t>21.04.2023</a:t>
+              <a:t>26.04.2023</a:t>
             </a:fld>
             <a:endParaRPr lang="ru-RU"/>
           </a:p>
@@ -3054,7 +6459,7 @@
           <a:p>
             <a:fld id="{CFB7AB18-4DC0-294C-844C-ADA7FB273D7B}" type="datetimeFigureOut">
               <a:rPr lang="ru-RU" smtClean="0"/>
-              <a:t>21.04.2023</a:t>
+              <a:t>26.04.2023</a:t>
             </a:fld>
             <a:endParaRPr lang="ru-RU"/>
           </a:p>
@@ -3262,7 +6667,7 @@
           <a:p>
             <a:fld id="{CFB7AB18-4DC0-294C-844C-ADA7FB273D7B}" type="datetimeFigureOut">
               <a:rPr lang="ru-RU" smtClean="0"/>
-              <a:t>21.04.2023</a:t>
+              <a:t>26.04.2023</a:t>
             </a:fld>
             <a:endParaRPr lang="ru-RU"/>
           </a:p>
@@ -3460,7 +6865,7 @@
           <a:p>
             <a:fld id="{CFB7AB18-4DC0-294C-844C-ADA7FB273D7B}" type="datetimeFigureOut">
               <a:rPr lang="ru-RU" smtClean="0"/>
-              <a:t>21.04.2023</a:t>
+              <a:t>26.04.2023</a:t>
             </a:fld>
             <a:endParaRPr lang="ru-RU"/>
           </a:p>
@@ -3735,7 +7140,7 @@
           <a:p>
             <a:fld id="{CFB7AB18-4DC0-294C-844C-ADA7FB273D7B}" type="datetimeFigureOut">
               <a:rPr lang="ru-RU" smtClean="0"/>
-              <a:t>21.04.2023</a:t>
+              <a:t>26.04.2023</a:t>
             </a:fld>
             <a:endParaRPr lang="ru-RU"/>
           </a:p>
@@ -4000,7 +7405,7 @@
           <a:p>
             <a:fld id="{CFB7AB18-4DC0-294C-844C-ADA7FB273D7B}" type="datetimeFigureOut">
               <a:rPr lang="ru-RU" smtClean="0"/>
-              <a:t>21.04.2023</a:t>
+              <a:t>26.04.2023</a:t>
             </a:fld>
             <a:endParaRPr lang="ru-RU"/>
           </a:p>
@@ -4412,7 +7817,7 @@
           <a:p>
             <a:fld id="{CFB7AB18-4DC0-294C-844C-ADA7FB273D7B}" type="datetimeFigureOut">
               <a:rPr lang="ru-RU" smtClean="0"/>
-              <a:t>21.04.2023</a:t>
+              <a:t>26.04.2023</a:t>
             </a:fld>
             <a:endParaRPr lang="ru-RU"/>
           </a:p>
@@ -4553,7 +7958,7 @@
           <a:p>
             <a:fld id="{CFB7AB18-4DC0-294C-844C-ADA7FB273D7B}" type="datetimeFigureOut">
               <a:rPr lang="ru-RU" smtClean="0"/>
-              <a:t>21.04.2023</a:t>
+              <a:t>26.04.2023</a:t>
             </a:fld>
             <a:endParaRPr lang="ru-RU"/>
           </a:p>
@@ -4666,7 +8071,7 @@
           <a:p>
             <a:fld id="{CFB7AB18-4DC0-294C-844C-ADA7FB273D7B}" type="datetimeFigureOut">
               <a:rPr lang="ru-RU" smtClean="0"/>
-              <a:t>21.04.2023</a:t>
+              <a:t>26.04.2023</a:t>
             </a:fld>
             <a:endParaRPr lang="ru-RU"/>
           </a:p>
@@ -4977,7 +8382,7 @@
           <a:p>
             <a:fld id="{CFB7AB18-4DC0-294C-844C-ADA7FB273D7B}" type="datetimeFigureOut">
               <a:rPr lang="ru-RU" smtClean="0"/>
-              <a:t>21.04.2023</a:t>
+              <a:t>26.04.2023</a:t>
             </a:fld>
             <a:endParaRPr lang="ru-RU"/>
           </a:p>
@@ -5265,7 +8670,7 @@
           <a:p>
             <a:fld id="{CFB7AB18-4DC0-294C-844C-ADA7FB273D7B}" type="datetimeFigureOut">
               <a:rPr lang="ru-RU" smtClean="0"/>
-              <a:t>21.04.2023</a:t>
+              <a:t>26.04.2023</a:t>
             </a:fld>
             <a:endParaRPr lang="ru-RU"/>
           </a:p>
@@ -5506,7 +8911,7 @@
           <a:p>
             <a:fld id="{CFB7AB18-4DC0-294C-844C-ADA7FB273D7B}" type="datetimeFigureOut">
               <a:rPr lang="ru-RU" smtClean="0"/>
-              <a:t>21.04.2023</a:t>
+              <a:t>26.04.2023</a:t>
             </a:fld>
             <a:endParaRPr lang="ru-RU"/>
           </a:p>
@@ -6805,43 +10210,6 @@
           </a:p>
         </p:txBody>
       </p:sp>
-      <p:pic>
-        <p:nvPicPr>
-          <p:cNvPr id="5" name="Объект 4">
-            <a:extLst>
-              <a:ext uri="{FF2B5EF4-FFF2-40B4-BE49-F238E27FC236}">
-                <a16:creationId xmlns:a16="http://schemas.microsoft.com/office/drawing/2014/main" id="{D51E8CA0-63DC-C068-4B12-3477289D11D6}"/>
-              </a:ext>
-            </a:extLst>
-          </p:cNvPr>
-          <p:cNvPicPr>
-            <a:picLocks noGrp="1" noChangeAspect="1"/>
-          </p:cNvPicPr>
-          <p:nvPr>
-            <p:ph idx="1"/>
-          </p:nvPr>
-        </p:nvPicPr>
-        <p:blipFill rotWithShape="1">
-          <a:blip r:embed="rId2" cstate="print">
-            <a:extLst>
-              <a:ext uri="{28A0092B-C50C-407E-A947-70E740481C1C}">
-                <a14:useLocalDpi xmlns:a14="http://schemas.microsoft.com/office/drawing/2010/main" val="0"/>
-              </a:ext>
-            </a:extLst>
-          </a:blip>
-          <a:srcRect l="1" t="39975" r="-1984" b="-934"/>
-          <a:stretch/>
-        </p:blipFill>
-        <p:spPr>
-          <a:xfrm>
-            <a:off x="3992512" y="845422"/>
-            <a:ext cx="8321773" cy="5377578"/>
-          </a:xfrm>
-          <a:prstGeom prst="rect">
-            <a:avLst/>
-          </a:prstGeom>
-        </p:spPr>
-      </p:pic>
       <p:sp>
         <p:nvSpPr>
           <p:cNvPr id="27" name="Freeform: Shape 26">
@@ -7086,45 +10454,36 @@
           </a:p>
         </p:txBody>
       </p:sp>
-      <p:sp>
-        <p:nvSpPr>
-          <p:cNvPr id="6" name="TextBox 5">
+      <p:pic>
+        <p:nvPicPr>
+          <p:cNvPr id="7" name="Рисунок 6">
             <a:extLst>
               <a:ext uri="{FF2B5EF4-FFF2-40B4-BE49-F238E27FC236}">
-                <a16:creationId xmlns:a16="http://schemas.microsoft.com/office/drawing/2014/main" id="{AEF5E33C-4EF5-7403-33F7-1623712DC034}"/>
+                <a16:creationId xmlns:a16="http://schemas.microsoft.com/office/drawing/2014/main" id="{90C81CD9-E092-6805-3948-66BCB0C7967C}"/>
               </a:ext>
             </a:extLst>
           </p:cNvPr>
-          <p:cNvSpPr txBox="1"/>
+          <p:cNvPicPr>
+            <a:picLocks noChangeAspect="1"/>
+          </p:cNvPicPr>
           <p:nvPr/>
-        </p:nvSpPr>
+        </p:nvPicPr>
+        <p:blipFill>
+          <a:blip r:embed="rId2"/>
+          <a:stretch>
+            <a:fillRect/>
+          </a:stretch>
+        </p:blipFill>
         <p:spPr>
           <a:xfrm>
-            <a:off x="5061098" y="372140"/>
-            <a:ext cx="4165628" cy="369332"/>
+            <a:off x="4143840" y="-1116218"/>
+            <a:ext cx="8343435" cy="9090436"/>
           </a:xfrm>
           <a:prstGeom prst="rect">
             <a:avLst/>
           </a:prstGeom>
-          <a:noFill/>
         </p:spPr>
-        <p:txBody>
-          <a:bodyPr wrap="none" rtlCol="0">
-            <a:spAutoFit/>
-          </a:bodyPr>
-          <a:lstStyle/>
-          <a:p>
-            <a:r>
-              <a:rPr lang="ru-RU" dirty="0">
-                <a:highlight>
-                  <a:srgbClr val="FFFF00"/>
-                </a:highlight>
-              </a:rPr>
-              <a:t>Разбить на слайды? Пояснить по цветам</a:t>
-            </a:r>
-          </a:p>
-        </p:txBody>
-      </p:sp>
+      </p:pic>
     </p:spTree>
     <p:extLst>
       <p:ext uri="{BB962C8B-B14F-4D97-AF65-F5344CB8AC3E}">
@@ -7165,10 +10524,10 @@
       </p:grpSpPr>
       <p:sp useBgFill="1">
         <p:nvSpPr>
-          <p:cNvPr id="8" name="Rectangle 7">
+          <p:cNvPr id="11" name="Rectangle 10">
             <a:extLst>
               <a:ext uri="{FF2B5EF4-FFF2-40B4-BE49-F238E27FC236}">
-                <a16:creationId xmlns:a16="http://schemas.microsoft.com/office/drawing/2014/main" id="{1B15ED52-F352-441B-82BF-E0EA34836D08}"/>
+                <a16:creationId xmlns:a16="http://schemas.microsoft.com/office/drawing/2014/main" id="{2151139A-886F-4B97-8815-729AD3831BBD}"/>
               </a:ext>
               <a:ext uri="{C183D7F6-B498-43B3-948B-1728B52AA6E4}">
                 <adec:decorative xmlns:adec="http://schemas.microsoft.com/office/drawing/2017/decorative" val="1"/>
@@ -7235,6 +10594,1052 @@
           <a:lstStyle/>
           <a:p>
             <a:pPr algn="ctr"/>
+            <a:endParaRPr lang="en-US" sz="2000"/>
+          </a:p>
+        </p:txBody>
+      </p:sp>
+      <p:sp>
+        <p:nvSpPr>
+          <p:cNvPr id="13" name="Rectangle 12">
+            <a:extLst>
+              <a:ext uri="{FF2B5EF4-FFF2-40B4-BE49-F238E27FC236}">
+                <a16:creationId xmlns:a16="http://schemas.microsoft.com/office/drawing/2014/main" id="{AB5E08C4-8CDD-4623-A5B8-E998C6DEE3B7}"/>
+              </a:ext>
+              <a:ext uri="{C183D7F6-B498-43B3-948B-1728B52AA6E4}">
+                <adec:decorative xmlns:adec="http://schemas.microsoft.com/office/drawing/2017/decorative" val="1"/>
+              </a:ext>
+            </a:extLst>
+          </p:cNvPr>
+          <p:cNvSpPr>
+            <a:spLocks noGrp="1" noRot="1" noChangeAspect="1" noMove="1" noResize="1" noEditPoints="1" noAdjustHandles="1" noChangeArrowheads="1" noChangeShapeType="1" noTextEdit="1"/>
+          </p:cNvSpPr>
+          <p:nvPr>
+            <p:extLst>
+              <p:ext uri="{386F3935-93C4-4BCD-93E2-E3B085C9AB24}">
+                <p16:designElem xmlns:p16="http://schemas.microsoft.com/office/powerpoint/2015/main" val="1"/>
+              </p:ext>
+            </p:extLst>
+          </p:nvPr>
+        </p:nvSpPr>
+        <p:spPr>
+          <a:xfrm flipH="1">
+            <a:off x="2" y="492"/>
+            <a:ext cx="12191998" cy="1575955"/>
+          </a:xfrm>
+          <a:prstGeom prst="rect">
+            <a:avLst/>
+          </a:prstGeom>
+          <a:gradFill>
+            <a:gsLst>
+              <a:gs pos="0">
+                <a:schemeClr val="accent1">
+                  <a:lumMod val="50000"/>
+                </a:schemeClr>
+              </a:gs>
+              <a:gs pos="100000">
+                <a:schemeClr val="accent1">
+                  <a:lumMod val="75000"/>
+                </a:schemeClr>
+              </a:gs>
+            </a:gsLst>
+            <a:lin ang="8400000" scaled="0"/>
+          </a:gradFill>
+          <a:ln>
+            <a:noFill/>
+          </a:ln>
+        </p:spPr>
+        <p:style>
+          <a:lnRef idx="2">
+            <a:schemeClr val="accent1">
+              <a:shade val="50000"/>
+            </a:schemeClr>
+          </a:lnRef>
+          <a:fillRef idx="1">
+            <a:schemeClr val="accent1"/>
+          </a:fillRef>
+          <a:effectRef idx="0">
+            <a:schemeClr val="accent1"/>
+          </a:effectRef>
+          <a:fontRef idx="minor">
+            <a:schemeClr val="lt1"/>
+          </a:fontRef>
+        </p:style>
+        <p:txBody>
+          <a:bodyPr rtlCol="0" anchor="ctr"/>
+          <a:lstStyle/>
+          <a:p>
+            <a:pPr algn="ctr"/>
+            <a:endParaRPr lang="en-US"/>
+          </a:p>
+        </p:txBody>
+      </p:sp>
+      <p:sp>
+        <p:nvSpPr>
+          <p:cNvPr id="15" name="Rectangle 14">
+            <a:extLst>
+              <a:ext uri="{FF2B5EF4-FFF2-40B4-BE49-F238E27FC236}">
+                <a16:creationId xmlns:a16="http://schemas.microsoft.com/office/drawing/2014/main" id="{15F33878-D502-4FFA-8ACE-F2AECDB2A23F}"/>
+              </a:ext>
+              <a:ext uri="{C183D7F6-B498-43B3-948B-1728B52AA6E4}">
+                <adec:decorative xmlns:adec="http://schemas.microsoft.com/office/drawing/2017/decorative" val="1"/>
+              </a:ext>
+            </a:extLst>
+          </p:cNvPr>
+          <p:cNvSpPr>
+            <a:spLocks noGrp="1" noRot="1" noChangeAspect="1" noMove="1" noResize="1" noEditPoints="1" noAdjustHandles="1" noChangeArrowheads="1" noChangeShapeType="1" noTextEdit="1"/>
+          </p:cNvSpPr>
+          <p:nvPr>
+            <p:extLst>
+              <p:ext uri="{386F3935-93C4-4BCD-93E2-E3B085C9AB24}">
+                <p16:designElem xmlns:p16="http://schemas.microsoft.com/office/powerpoint/2015/main" val="1"/>
+              </p:ext>
+            </p:extLst>
+          </p:nvPr>
+        </p:nvSpPr>
+        <p:spPr>
+          <a:xfrm rot="10800000" flipH="1">
+            <a:off x="8128857" y="35"/>
+            <a:ext cx="4063143" cy="1576412"/>
+          </a:xfrm>
+          <a:prstGeom prst="rect">
+            <a:avLst/>
+          </a:prstGeom>
+          <a:gradFill>
+            <a:gsLst>
+              <a:gs pos="19000">
+                <a:schemeClr val="accent1">
+                  <a:lumMod val="50000"/>
+                  <a:alpha val="68000"/>
+                </a:schemeClr>
+              </a:gs>
+              <a:gs pos="100000">
+                <a:schemeClr val="accent1">
+                  <a:alpha val="79000"/>
+                </a:schemeClr>
+              </a:gs>
+            </a:gsLst>
+            <a:lin ang="19200000" scaled="0"/>
+          </a:gradFill>
+          <a:ln>
+            <a:noFill/>
+          </a:ln>
+        </p:spPr>
+        <p:style>
+          <a:lnRef idx="2">
+            <a:schemeClr val="accent1">
+              <a:shade val="50000"/>
+            </a:schemeClr>
+          </a:lnRef>
+          <a:fillRef idx="1">
+            <a:schemeClr val="accent1"/>
+          </a:fillRef>
+          <a:effectRef idx="0">
+            <a:schemeClr val="accent1"/>
+          </a:effectRef>
+          <a:fontRef idx="minor">
+            <a:schemeClr val="lt1"/>
+          </a:fontRef>
+        </p:style>
+        <p:txBody>
+          <a:bodyPr rtlCol="0" anchor="ctr"/>
+          <a:lstStyle/>
+          <a:p>
+            <a:pPr algn="ctr"/>
+            <a:endParaRPr lang="en-US"/>
+          </a:p>
+        </p:txBody>
+      </p:sp>
+      <p:sp>
+        <p:nvSpPr>
+          <p:cNvPr id="17" name="Rectangle 16">
+            <a:extLst>
+              <a:ext uri="{FF2B5EF4-FFF2-40B4-BE49-F238E27FC236}">
+                <a16:creationId xmlns:a16="http://schemas.microsoft.com/office/drawing/2014/main" id="{D3539FEE-81D3-4406-802E-60B20B16F4F6}"/>
+              </a:ext>
+              <a:ext uri="{C183D7F6-B498-43B3-948B-1728B52AA6E4}">
+                <adec:decorative xmlns:adec="http://schemas.microsoft.com/office/drawing/2017/decorative" val="1"/>
+              </a:ext>
+            </a:extLst>
+          </p:cNvPr>
+          <p:cNvSpPr>
+            <a:spLocks noGrp="1" noRot="1" noChangeAspect="1" noMove="1" noResize="1" noEditPoints="1" noAdjustHandles="1" noChangeArrowheads="1" noChangeShapeType="1" noTextEdit="1"/>
+          </p:cNvSpPr>
+          <p:nvPr>
+            <p:extLst>
+              <p:ext uri="{386F3935-93C4-4BCD-93E2-E3B085C9AB24}">
+                <p16:designElem xmlns:p16="http://schemas.microsoft.com/office/powerpoint/2015/main" val="1"/>
+              </p:ext>
+            </p:extLst>
+          </p:nvPr>
+        </p:nvSpPr>
+        <p:spPr>
+          <a:xfrm rot="5400000">
+            <a:off x="5307778" y="-5307777"/>
+            <a:ext cx="1576446" cy="12192001"/>
+          </a:xfrm>
+          <a:prstGeom prst="rect">
+            <a:avLst/>
+          </a:prstGeom>
+          <a:gradFill>
+            <a:gsLst>
+              <a:gs pos="16000">
+                <a:srgbClr val="000000">
+                  <a:alpha val="0"/>
+                </a:srgbClr>
+              </a:gs>
+              <a:gs pos="99000">
+                <a:srgbClr val="000000">
+                  <a:alpha val="87000"/>
+                </a:srgbClr>
+              </a:gs>
+            </a:gsLst>
+            <a:lin ang="11400000" scaled="0"/>
+          </a:gradFill>
+          <a:ln>
+            <a:noFill/>
+          </a:ln>
+        </p:spPr>
+        <p:style>
+          <a:lnRef idx="2">
+            <a:schemeClr val="accent1">
+              <a:shade val="50000"/>
+            </a:schemeClr>
+          </a:lnRef>
+          <a:fillRef idx="1">
+            <a:schemeClr val="accent1"/>
+          </a:fillRef>
+          <a:effectRef idx="0">
+            <a:schemeClr val="accent1"/>
+          </a:effectRef>
+          <a:fontRef idx="minor">
+            <a:schemeClr val="lt1"/>
+          </a:fontRef>
+        </p:style>
+        <p:txBody>
+          <a:bodyPr rtlCol="0" anchor="ctr"/>
+          <a:lstStyle/>
+          <a:p>
+            <a:pPr algn="ctr"/>
+            <a:endParaRPr lang="en-US" dirty="0"/>
+          </a:p>
+        </p:txBody>
+      </p:sp>
+      <p:sp>
+        <p:nvSpPr>
+          <p:cNvPr id="19" name="Rectangle 18">
+            <a:extLst>
+              <a:ext uri="{FF2B5EF4-FFF2-40B4-BE49-F238E27FC236}">
+                <a16:creationId xmlns:a16="http://schemas.microsoft.com/office/drawing/2014/main" id="{DC701763-729E-462F-A5A8-E0DEFEB1E2E4}"/>
+              </a:ext>
+              <a:ext uri="{C183D7F6-B498-43B3-948B-1728B52AA6E4}">
+                <adec:decorative xmlns:adec="http://schemas.microsoft.com/office/drawing/2017/decorative" val="1"/>
+              </a:ext>
+            </a:extLst>
+          </p:cNvPr>
+          <p:cNvSpPr>
+            <a:spLocks noGrp="1" noRot="1" noChangeAspect="1" noMove="1" noResize="1" noEditPoints="1" noAdjustHandles="1" noChangeArrowheads="1" noChangeShapeType="1" noTextEdit="1"/>
+          </p:cNvSpPr>
+          <p:nvPr>
+            <p:extLst>
+              <p:ext uri="{386F3935-93C4-4BCD-93E2-E3B085C9AB24}">
+                <p16:designElem xmlns:p16="http://schemas.microsoft.com/office/powerpoint/2015/main" val="1"/>
+              </p:ext>
+            </p:extLst>
+          </p:nvPr>
+        </p:nvSpPr>
+        <p:spPr>
+          <a:xfrm>
+            <a:off x="3825434" y="986"/>
+            <a:ext cx="4303422" cy="1575461"/>
+          </a:xfrm>
+          <a:prstGeom prst="rect">
+            <a:avLst/>
+          </a:prstGeom>
+          <a:gradFill>
+            <a:gsLst>
+              <a:gs pos="0">
+                <a:schemeClr val="accent1">
+                  <a:alpha val="17000"/>
+                </a:schemeClr>
+              </a:gs>
+              <a:gs pos="74000">
+                <a:schemeClr val="accent1">
+                  <a:lumMod val="50000"/>
+                  <a:alpha val="0"/>
+                </a:schemeClr>
+              </a:gs>
+            </a:gsLst>
+            <a:lin ang="14400000" scaled="0"/>
+          </a:gradFill>
+          <a:ln>
+            <a:noFill/>
+          </a:ln>
+        </p:spPr>
+        <p:style>
+          <a:lnRef idx="2">
+            <a:schemeClr val="accent1">
+              <a:shade val="50000"/>
+            </a:schemeClr>
+          </a:lnRef>
+          <a:fillRef idx="1">
+            <a:schemeClr val="accent1"/>
+          </a:fillRef>
+          <a:effectRef idx="0">
+            <a:schemeClr val="accent1"/>
+          </a:effectRef>
+          <a:fontRef idx="minor">
+            <a:schemeClr val="lt1"/>
+          </a:fontRef>
+        </p:style>
+        <p:txBody>
+          <a:bodyPr rtlCol="0" anchor="ctr"/>
+          <a:lstStyle/>
+          <a:p>
+            <a:pPr algn="ctr"/>
+            <a:endParaRPr lang="en-US"/>
+          </a:p>
+        </p:txBody>
+      </p:sp>
+      <p:sp>
+        <p:nvSpPr>
+          <p:cNvPr id="2" name="Заголовок 1">
+            <a:extLst>
+              <a:ext uri="{FF2B5EF4-FFF2-40B4-BE49-F238E27FC236}">
+                <a16:creationId xmlns:a16="http://schemas.microsoft.com/office/drawing/2014/main" id="{0C7C5645-02F1-AC08-8A74-FDA76998384E}"/>
+              </a:ext>
+            </a:extLst>
+          </p:cNvPr>
+          <p:cNvSpPr>
+            <a:spLocks noGrp="1"/>
+          </p:cNvSpPr>
+          <p:nvPr>
+            <p:ph type="title"/>
+          </p:nvPr>
+        </p:nvSpPr>
+        <p:spPr>
+          <a:xfrm>
+            <a:off x="699714" y="353160"/>
+            <a:ext cx="7091300" cy="898581"/>
+          </a:xfrm>
+        </p:spPr>
+        <p:txBody>
+          <a:bodyPr vert="horz" lIns="91440" tIns="45720" rIns="91440" bIns="45720" rtlCol="0" anchor="ctr">
+            <a:normAutofit/>
+          </a:bodyPr>
+          <a:lstStyle/>
+          <a:p>
+            <a:r>
+              <a:rPr lang="en-US" sz="3400">
+                <a:solidFill>
+                  <a:srgbClr val="FFFFFF"/>
+                </a:solidFill>
+              </a:rPr>
+              <a:t>Кубы из 100 000 и 10 000 000 точек</a:t>
+            </a:r>
+          </a:p>
+        </p:txBody>
+      </p:sp>
+      <p:pic>
+        <p:nvPicPr>
+          <p:cNvPr id="4" name="Рисунок 3">
+            <a:extLst>
+              <a:ext uri="{FF2B5EF4-FFF2-40B4-BE49-F238E27FC236}">
+                <a16:creationId xmlns:a16="http://schemas.microsoft.com/office/drawing/2014/main" id="{3F88FA57-B0A4-9F06-BCCF-E89C0099C820}"/>
+              </a:ext>
+            </a:extLst>
+          </p:cNvPr>
+          <p:cNvPicPr>
+            <a:picLocks noChangeAspect="1"/>
+          </p:cNvPicPr>
+          <p:nvPr/>
+        </p:nvPicPr>
+        <p:blipFill>
+          <a:blip r:embed="rId2"/>
+          <a:stretch>
+            <a:fillRect/>
+          </a:stretch>
+        </p:blipFill>
+        <p:spPr>
+          <a:xfrm>
+            <a:off x="1662683" y="1753032"/>
+            <a:ext cx="8838059" cy="2364179"/>
+          </a:xfrm>
+          <a:prstGeom prst="rect">
+            <a:avLst/>
+          </a:prstGeom>
+        </p:spPr>
+      </p:pic>
+      <p:pic>
+        <p:nvPicPr>
+          <p:cNvPr id="6" name="Рисунок 5">
+            <a:extLst>
+              <a:ext uri="{FF2B5EF4-FFF2-40B4-BE49-F238E27FC236}">
+                <a16:creationId xmlns:a16="http://schemas.microsoft.com/office/drawing/2014/main" id="{C93E6F67-E936-895D-F7C8-E90921BE5618}"/>
+              </a:ext>
+            </a:extLst>
+          </p:cNvPr>
+          <p:cNvPicPr>
+            <a:picLocks noChangeAspect="1"/>
+          </p:cNvPicPr>
+          <p:nvPr/>
+        </p:nvPicPr>
+        <p:blipFill>
+          <a:blip r:embed="rId3"/>
+          <a:stretch>
+            <a:fillRect/>
+          </a:stretch>
+        </p:blipFill>
+        <p:spPr>
+          <a:xfrm>
+            <a:off x="1676971" y="4293796"/>
+            <a:ext cx="8838057" cy="2364179"/>
+          </a:xfrm>
+          <a:prstGeom prst="rect">
+            <a:avLst/>
+          </a:prstGeom>
+        </p:spPr>
+      </p:pic>
+    </p:spTree>
+    <p:extLst>
+      <p:ext uri="{BB962C8B-B14F-4D97-AF65-F5344CB8AC3E}">
+        <p14:creationId xmlns:p14="http://schemas.microsoft.com/office/powerpoint/2010/main" val="1554564121"/>
+      </p:ext>
+    </p:extLst>
+  </p:cSld>
+  <p:clrMapOvr>
+    <a:masterClrMapping/>
+  </p:clrMapOvr>
+</p:sld>
+</file>
+
+<file path=ppt/slides/slide12.xml><?xml version="1.0" encoding="utf-8"?>
+<p:sld xmlns:a="http://schemas.openxmlformats.org/drawingml/2006/main" xmlns:r="http://schemas.openxmlformats.org/officeDocument/2006/relationships" xmlns:p="http://schemas.openxmlformats.org/presentationml/2006/main">
+  <p:cSld>
+    <p:bg>
+      <p:bgPr>
+        <a:solidFill>
+          <a:schemeClr val="bg1"/>
+        </a:solidFill>
+        <a:effectLst/>
+      </p:bgPr>
+    </p:bg>
+    <p:spTree>
+      <p:nvGrpSpPr>
+        <p:cNvPr id="1" name=""/>
+        <p:cNvGrpSpPr/>
+        <p:nvPr/>
+      </p:nvGrpSpPr>
+      <p:grpSpPr>
+        <a:xfrm>
+          <a:off x="0" y="0"/>
+          <a:ext cx="0" cy="0"/>
+          <a:chOff x="0" y="0"/>
+          <a:chExt cx="0" cy="0"/>
+        </a:xfrm>
+      </p:grpSpPr>
+      <p:sp useBgFill="1">
+        <p:nvSpPr>
+          <p:cNvPr id="10" name="Rectangle 9">
+            <a:extLst>
+              <a:ext uri="{FF2B5EF4-FFF2-40B4-BE49-F238E27FC236}">
+                <a16:creationId xmlns:a16="http://schemas.microsoft.com/office/drawing/2014/main" id="{2151139A-886F-4B97-8815-729AD3831BBD}"/>
+              </a:ext>
+              <a:ext uri="{C183D7F6-B498-43B3-948B-1728B52AA6E4}">
+                <adec:decorative xmlns:adec="http://schemas.microsoft.com/office/drawing/2017/decorative" val="1"/>
+              </a:ext>
+            </a:extLst>
+          </p:cNvPr>
+          <p:cNvSpPr>
+            <a:spLocks noGrp="1" noRot="1" noChangeAspect="1" noMove="1" noResize="1" noEditPoints="1" noAdjustHandles="1" noChangeArrowheads="1" noChangeShapeType="1" noTextEdit="1"/>
+          </p:cNvSpPr>
+          <p:nvPr>
+            <p:extLst>
+              <p:ext uri="{386F3935-93C4-4BCD-93E2-E3B085C9AB24}">
+                <p16:designElem xmlns:p16="http://schemas.microsoft.com/office/powerpoint/2015/main" val="1"/>
+              </p:ext>
+            </p:extLst>
+          </p:nvPr>
+        </p:nvSpPr>
+        <p:spPr>
+          <a:xfrm>
+            <a:off x="0" y="0"/>
+            <a:ext cx="12192000" cy="6858000"/>
+          </a:xfrm>
+          <a:prstGeom prst="rect">
+            <a:avLst/>
+          </a:prstGeom>
+          <a:ln w="12700" cap="flat" cmpd="sng" algn="ctr">
+            <a:noFill/>
+            <a:prstDash val="solid"/>
+            <a:miter lim="800000"/>
+          </a:ln>
+          <a:effectLst/>
+          <a:extLst>
+            <a:ext uri="{91240B29-F687-4F45-9708-019B960494DF}">
+              <a14:hiddenLine xmlns:a14="http://schemas.microsoft.com/office/drawing/2010/main" w="12700" cap="flat" cmpd="sng" algn="ctr">
+                <a:solidFill>
+                  <a:schemeClr val="accent1">
+                    <a:shade val="50000"/>
+                  </a:schemeClr>
+                </a:solidFill>
+                <a:prstDash val="solid"/>
+                <a:miter lim="800000"/>
+              </a14:hiddenLine>
+            </a:ext>
+          </a:extLst>
+        </p:spPr>
+        <p:style>
+          <a:lnRef idx="2">
+            <a:schemeClr val="accent1">
+              <a:shade val="50000"/>
+            </a:schemeClr>
+          </a:lnRef>
+          <a:fillRef idx="1">
+            <a:schemeClr val="accent1"/>
+          </a:fillRef>
+          <a:effectRef idx="0">
+            <a:schemeClr val="accent1"/>
+          </a:effectRef>
+          <a:fontRef idx="minor">
+            <a:schemeClr val="lt1"/>
+          </a:fontRef>
+        </p:style>
+        <p:txBody>
+          <a:bodyPr rtlCol="0" anchor="ctr"/>
+          <a:lstStyle/>
+          <a:p>
+            <a:pPr algn="ctr"/>
+            <a:endParaRPr lang="en-US" sz="2000"/>
+          </a:p>
+        </p:txBody>
+      </p:sp>
+      <p:sp>
+        <p:nvSpPr>
+          <p:cNvPr id="12" name="Rectangle 11">
+            <a:extLst>
+              <a:ext uri="{FF2B5EF4-FFF2-40B4-BE49-F238E27FC236}">
+                <a16:creationId xmlns:a16="http://schemas.microsoft.com/office/drawing/2014/main" id="{AB5E08C4-8CDD-4623-A5B8-E998C6DEE3B7}"/>
+              </a:ext>
+              <a:ext uri="{C183D7F6-B498-43B3-948B-1728B52AA6E4}">
+                <adec:decorative xmlns:adec="http://schemas.microsoft.com/office/drawing/2017/decorative" val="1"/>
+              </a:ext>
+            </a:extLst>
+          </p:cNvPr>
+          <p:cNvSpPr>
+            <a:spLocks noGrp="1" noRot="1" noChangeAspect="1" noMove="1" noResize="1" noEditPoints="1" noAdjustHandles="1" noChangeArrowheads="1" noChangeShapeType="1" noTextEdit="1"/>
+          </p:cNvSpPr>
+          <p:nvPr>
+            <p:extLst>
+              <p:ext uri="{386F3935-93C4-4BCD-93E2-E3B085C9AB24}">
+                <p16:designElem xmlns:p16="http://schemas.microsoft.com/office/powerpoint/2015/main" val="1"/>
+              </p:ext>
+            </p:extLst>
+          </p:nvPr>
+        </p:nvSpPr>
+        <p:spPr>
+          <a:xfrm flipH="1">
+            <a:off x="2" y="492"/>
+            <a:ext cx="12191998" cy="1575955"/>
+          </a:xfrm>
+          <a:prstGeom prst="rect">
+            <a:avLst/>
+          </a:prstGeom>
+          <a:gradFill>
+            <a:gsLst>
+              <a:gs pos="0">
+                <a:schemeClr val="accent1">
+                  <a:lumMod val="50000"/>
+                </a:schemeClr>
+              </a:gs>
+              <a:gs pos="100000">
+                <a:schemeClr val="accent1">
+                  <a:lumMod val="75000"/>
+                </a:schemeClr>
+              </a:gs>
+            </a:gsLst>
+            <a:lin ang="8400000" scaled="0"/>
+          </a:gradFill>
+          <a:ln>
+            <a:noFill/>
+          </a:ln>
+        </p:spPr>
+        <p:style>
+          <a:lnRef idx="2">
+            <a:schemeClr val="accent1">
+              <a:shade val="50000"/>
+            </a:schemeClr>
+          </a:lnRef>
+          <a:fillRef idx="1">
+            <a:schemeClr val="accent1"/>
+          </a:fillRef>
+          <a:effectRef idx="0">
+            <a:schemeClr val="accent1"/>
+          </a:effectRef>
+          <a:fontRef idx="minor">
+            <a:schemeClr val="lt1"/>
+          </a:fontRef>
+        </p:style>
+        <p:txBody>
+          <a:bodyPr rtlCol="0" anchor="ctr"/>
+          <a:lstStyle/>
+          <a:p>
+            <a:pPr algn="ctr"/>
+            <a:endParaRPr lang="en-US"/>
+          </a:p>
+        </p:txBody>
+      </p:sp>
+      <p:sp>
+        <p:nvSpPr>
+          <p:cNvPr id="14" name="Rectangle 13">
+            <a:extLst>
+              <a:ext uri="{FF2B5EF4-FFF2-40B4-BE49-F238E27FC236}">
+                <a16:creationId xmlns:a16="http://schemas.microsoft.com/office/drawing/2014/main" id="{15F33878-D502-4FFA-8ACE-F2AECDB2A23F}"/>
+              </a:ext>
+              <a:ext uri="{C183D7F6-B498-43B3-948B-1728B52AA6E4}">
+                <adec:decorative xmlns:adec="http://schemas.microsoft.com/office/drawing/2017/decorative" val="1"/>
+              </a:ext>
+            </a:extLst>
+          </p:cNvPr>
+          <p:cNvSpPr>
+            <a:spLocks noGrp="1" noRot="1" noChangeAspect="1" noMove="1" noResize="1" noEditPoints="1" noAdjustHandles="1" noChangeArrowheads="1" noChangeShapeType="1" noTextEdit="1"/>
+          </p:cNvSpPr>
+          <p:nvPr>
+            <p:extLst>
+              <p:ext uri="{386F3935-93C4-4BCD-93E2-E3B085C9AB24}">
+                <p16:designElem xmlns:p16="http://schemas.microsoft.com/office/powerpoint/2015/main" val="1"/>
+              </p:ext>
+            </p:extLst>
+          </p:nvPr>
+        </p:nvSpPr>
+        <p:spPr>
+          <a:xfrm rot="10800000" flipH="1">
+            <a:off x="8128857" y="35"/>
+            <a:ext cx="4063143" cy="1576412"/>
+          </a:xfrm>
+          <a:prstGeom prst="rect">
+            <a:avLst/>
+          </a:prstGeom>
+          <a:gradFill>
+            <a:gsLst>
+              <a:gs pos="19000">
+                <a:schemeClr val="accent1">
+                  <a:lumMod val="50000"/>
+                  <a:alpha val="68000"/>
+                </a:schemeClr>
+              </a:gs>
+              <a:gs pos="100000">
+                <a:schemeClr val="accent1">
+                  <a:alpha val="79000"/>
+                </a:schemeClr>
+              </a:gs>
+            </a:gsLst>
+            <a:lin ang="19200000" scaled="0"/>
+          </a:gradFill>
+          <a:ln>
+            <a:noFill/>
+          </a:ln>
+        </p:spPr>
+        <p:style>
+          <a:lnRef idx="2">
+            <a:schemeClr val="accent1">
+              <a:shade val="50000"/>
+            </a:schemeClr>
+          </a:lnRef>
+          <a:fillRef idx="1">
+            <a:schemeClr val="accent1"/>
+          </a:fillRef>
+          <a:effectRef idx="0">
+            <a:schemeClr val="accent1"/>
+          </a:effectRef>
+          <a:fontRef idx="minor">
+            <a:schemeClr val="lt1"/>
+          </a:fontRef>
+        </p:style>
+        <p:txBody>
+          <a:bodyPr rtlCol="0" anchor="ctr"/>
+          <a:lstStyle/>
+          <a:p>
+            <a:pPr algn="ctr"/>
+            <a:endParaRPr lang="en-US"/>
+          </a:p>
+        </p:txBody>
+      </p:sp>
+      <p:sp>
+        <p:nvSpPr>
+          <p:cNvPr id="16" name="Rectangle 15">
+            <a:extLst>
+              <a:ext uri="{FF2B5EF4-FFF2-40B4-BE49-F238E27FC236}">
+                <a16:creationId xmlns:a16="http://schemas.microsoft.com/office/drawing/2014/main" id="{D3539FEE-81D3-4406-802E-60B20B16F4F6}"/>
+              </a:ext>
+              <a:ext uri="{C183D7F6-B498-43B3-948B-1728B52AA6E4}">
+                <adec:decorative xmlns:adec="http://schemas.microsoft.com/office/drawing/2017/decorative" val="1"/>
+              </a:ext>
+            </a:extLst>
+          </p:cNvPr>
+          <p:cNvSpPr>
+            <a:spLocks noGrp="1" noRot="1" noChangeAspect="1" noMove="1" noResize="1" noEditPoints="1" noAdjustHandles="1" noChangeArrowheads="1" noChangeShapeType="1" noTextEdit="1"/>
+          </p:cNvSpPr>
+          <p:nvPr>
+            <p:extLst>
+              <p:ext uri="{386F3935-93C4-4BCD-93E2-E3B085C9AB24}">
+                <p16:designElem xmlns:p16="http://schemas.microsoft.com/office/powerpoint/2015/main" val="1"/>
+              </p:ext>
+            </p:extLst>
+          </p:nvPr>
+        </p:nvSpPr>
+        <p:spPr>
+          <a:xfrm rot="5400000">
+            <a:off x="5307778" y="-5307777"/>
+            <a:ext cx="1576446" cy="12192001"/>
+          </a:xfrm>
+          <a:prstGeom prst="rect">
+            <a:avLst/>
+          </a:prstGeom>
+          <a:gradFill>
+            <a:gsLst>
+              <a:gs pos="16000">
+                <a:srgbClr val="000000">
+                  <a:alpha val="0"/>
+                </a:srgbClr>
+              </a:gs>
+              <a:gs pos="99000">
+                <a:srgbClr val="000000">
+                  <a:alpha val="87000"/>
+                </a:srgbClr>
+              </a:gs>
+            </a:gsLst>
+            <a:lin ang="11400000" scaled="0"/>
+          </a:gradFill>
+          <a:ln>
+            <a:noFill/>
+          </a:ln>
+        </p:spPr>
+        <p:style>
+          <a:lnRef idx="2">
+            <a:schemeClr val="accent1">
+              <a:shade val="50000"/>
+            </a:schemeClr>
+          </a:lnRef>
+          <a:fillRef idx="1">
+            <a:schemeClr val="accent1"/>
+          </a:fillRef>
+          <a:effectRef idx="0">
+            <a:schemeClr val="accent1"/>
+          </a:effectRef>
+          <a:fontRef idx="minor">
+            <a:schemeClr val="lt1"/>
+          </a:fontRef>
+        </p:style>
+        <p:txBody>
+          <a:bodyPr rtlCol="0" anchor="ctr"/>
+          <a:lstStyle/>
+          <a:p>
+            <a:pPr algn="ctr"/>
+            <a:endParaRPr lang="en-US" dirty="0"/>
+          </a:p>
+        </p:txBody>
+      </p:sp>
+      <p:sp>
+        <p:nvSpPr>
+          <p:cNvPr id="18" name="Rectangle 17">
+            <a:extLst>
+              <a:ext uri="{FF2B5EF4-FFF2-40B4-BE49-F238E27FC236}">
+                <a16:creationId xmlns:a16="http://schemas.microsoft.com/office/drawing/2014/main" id="{DC701763-729E-462F-A5A8-E0DEFEB1E2E4}"/>
+              </a:ext>
+              <a:ext uri="{C183D7F6-B498-43B3-948B-1728B52AA6E4}">
+                <adec:decorative xmlns:adec="http://schemas.microsoft.com/office/drawing/2017/decorative" val="1"/>
+              </a:ext>
+            </a:extLst>
+          </p:cNvPr>
+          <p:cNvSpPr>
+            <a:spLocks noGrp="1" noRot="1" noChangeAspect="1" noMove="1" noResize="1" noEditPoints="1" noAdjustHandles="1" noChangeArrowheads="1" noChangeShapeType="1" noTextEdit="1"/>
+          </p:cNvSpPr>
+          <p:nvPr>
+            <p:extLst>
+              <p:ext uri="{386F3935-93C4-4BCD-93E2-E3B085C9AB24}">
+                <p16:designElem xmlns:p16="http://schemas.microsoft.com/office/powerpoint/2015/main" val="1"/>
+              </p:ext>
+            </p:extLst>
+          </p:nvPr>
+        </p:nvSpPr>
+        <p:spPr>
+          <a:xfrm>
+            <a:off x="3825434" y="986"/>
+            <a:ext cx="4303422" cy="1575461"/>
+          </a:xfrm>
+          <a:prstGeom prst="rect">
+            <a:avLst/>
+          </a:prstGeom>
+          <a:gradFill>
+            <a:gsLst>
+              <a:gs pos="0">
+                <a:schemeClr val="accent1">
+                  <a:alpha val="17000"/>
+                </a:schemeClr>
+              </a:gs>
+              <a:gs pos="74000">
+                <a:schemeClr val="accent1">
+                  <a:lumMod val="50000"/>
+                  <a:alpha val="0"/>
+                </a:schemeClr>
+              </a:gs>
+            </a:gsLst>
+            <a:lin ang="14400000" scaled="0"/>
+          </a:gradFill>
+          <a:ln>
+            <a:noFill/>
+          </a:ln>
+        </p:spPr>
+        <p:style>
+          <a:lnRef idx="2">
+            <a:schemeClr val="accent1">
+              <a:shade val="50000"/>
+            </a:schemeClr>
+          </a:lnRef>
+          <a:fillRef idx="1">
+            <a:schemeClr val="accent1"/>
+          </a:fillRef>
+          <a:effectRef idx="0">
+            <a:schemeClr val="accent1"/>
+          </a:effectRef>
+          <a:fontRef idx="minor">
+            <a:schemeClr val="lt1"/>
+          </a:fontRef>
+        </p:style>
+        <p:txBody>
+          <a:bodyPr rtlCol="0" anchor="ctr"/>
+          <a:lstStyle/>
+          <a:p>
+            <a:pPr algn="ctr"/>
+            <a:endParaRPr lang="en-US"/>
+          </a:p>
+        </p:txBody>
+      </p:sp>
+      <p:sp>
+        <p:nvSpPr>
+          <p:cNvPr id="2" name="Заголовок 1">
+            <a:extLst>
+              <a:ext uri="{FF2B5EF4-FFF2-40B4-BE49-F238E27FC236}">
+                <a16:creationId xmlns:a16="http://schemas.microsoft.com/office/drawing/2014/main" id="{26C9ACE6-F171-1BFA-A726-E2D1606752E4}"/>
+              </a:ext>
+            </a:extLst>
+          </p:cNvPr>
+          <p:cNvSpPr>
+            <a:spLocks noGrp="1"/>
+          </p:cNvSpPr>
+          <p:nvPr>
+            <p:ph type="title"/>
+          </p:nvPr>
+        </p:nvSpPr>
+        <p:spPr>
+          <a:xfrm>
+            <a:off x="699714" y="353160"/>
+            <a:ext cx="7091300" cy="898581"/>
+          </a:xfrm>
+        </p:spPr>
+        <p:txBody>
+          <a:bodyPr vert="horz" lIns="91440" tIns="45720" rIns="91440" bIns="45720" rtlCol="0" anchor="ctr">
+            <a:normAutofit/>
+          </a:bodyPr>
+          <a:lstStyle/>
+          <a:p>
+            <a:r>
+              <a:rPr lang="en-US" sz="4000" dirty="0">
+                <a:solidFill>
+                  <a:srgbClr val="FFFFFF"/>
+                </a:solidFill>
+              </a:rPr>
+              <a:t>Fantasy Dragon </a:t>
+            </a:r>
+            <a:r>
+              <a:rPr lang="en-US" sz="4000" dirty="0" err="1">
+                <a:solidFill>
+                  <a:srgbClr val="FFFFFF"/>
+                </a:solidFill>
+              </a:rPr>
+              <a:t>и</a:t>
+            </a:r>
+            <a:r>
+              <a:rPr lang="en-US" sz="4000" dirty="0">
+                <a:solidFill>
+                  <a:srgbClr val="FFFFFF"/>
+                </a:solidFill>
+              </a:rPr>
+              <a:t> Bearded guy</a:t>
+            </a:r>
+          </a:p>
+        </p:txBody>
+      </p:sp>
+      <p:pic>
+        <p:nvPicPr>
+          <p:cNvPr id="4" name="Рисунок 3">
+            <a:extLst>
+              <a:ext uri="{FF2B5EF4-FFF2-40B4-BE49-F238E27FC236}">
+                <a16:creationId xmlns:a16="http://schemas.microsoft.com/office/drawing/2014/main" id="{3ECBC49B-4CBF-99FD-730F-44DC87D18B65}"/>
+              </a:ext>
+            </a:extLst>
+          </p:cNvPr>
+          <p:cNvPicPr>
+            <a:picLocks noChangeAspect="1"/>
+          </p:cNvPicPr>
+          <p:nvPr/>
+        </p:nvPicPr>
+        <p:blipFill>
+          <a:blip r:embed="rId2"/>
+          <a:stretch>
+            <a:fillRect/>
+          </a:stretch>
+        </p:blipFill>
+        <p:spPr>
+          <a:xfrm>
+            <a:off x="1662682" y="1776482"/>
+            <a:ext cx="8838059" cy="2364179"/>
+          </a:xfrm>
+          <a:prstGeom prst="rect">
+            <a:avLst/>
+          </a:prstGeom>
+        </p:spPr>
+      </p:pic>
+      <p:pic>
+        <p:nvPicPr>
+          <p:cNvPr id="6" name="Рисунок 5">
+            <a:extLst>
+              <a:ext uri="{FF2B5EF4-FFF2-40B4-BE49-F238E27FC236}">
+                <a16:creationId xmlns:a16="http://schemas.microsoft.com/office/drawing/2014/main" id="{D8139307-D87A-7BA2-C594-8D28DD666A8C}"/>
+              </a:ext>
+            </a:extLst>
+          </p:cNvPr>
+          <p:cNvPicPr>
+            <a:picLocks noChangeAspect="1"/>
+          </p:cNvPicPr>
+          <p:nvPr/>
+        </p:nvPicPr>
+        <p:blipFill>
+          <a:blip r:embed="rId3"/>
+          <a:stretch>
+            <a:fillRect/>
+          </a:stretch>
+        </p:blipFill>
+        <p:spPr>
+          <a:xfrm>
+            <a:off x="1717886" y="4140661"/>
+            <a:ext cx="8756228" cy="2364179"/>
+          </a:xfrm>
+          <a:prstGeom prst="rect">
+            <a:avLst/>
+          </a:prstGeom>
+        </p:spPr>
+      </p:pic>
+    </p:spTree>
+    <p:extLst>
+      <p:ext uri="{BB962C8B-B14F-4D97-AF65-F5344CB8AC3E}">
+        <p14:creationId xmlns:p14="http://schemas.microsoft.com/office/powerpoint/2010/main" val="1207623420"/>
+      </p:ext>
+    </p:extLst>
+  </p:cSld>
+  <p:clrMapOvr>
+    <a:masterClrMapping/>
+  </p:clrMapOvr>
+</p:sld>
+</file>
+
+<file path=ppt/slides/slide13.xml><?xml version="1.0" encoding="utf-8"?>
+<p:sld xmlns:a="http://schemas.openxmlformats.org/drawingml/2006/main" xmlns:r="http://schemas.openxmlformats.org/officeDocument/2006/relationships" xmlns:p="http://schemas.openxmlformats.org/presentationml/2006/main">
+  <p:cSld>
+    <p:bg>
+      <p:bgPr>
+        <a:solidFill>
+          <a:schemeClr val="bg1"/>
+        </a:solidFill>
+        <a:effectLst/>
+      </p:bgPr>
+    </p:bg>
+    <p:spTree>
+      <p:nvGrpSpPr>
+        <p:cNvPr id="1" name=""/>
+        <p:cNvGrpSpPr/>
+        <p:nvPr/>
+      </p:nvGrpSpPr>
+      <p:grpSpPr>
+        <a:xfrm>
+          <a:off x="0" y="0"/>
+          <a:ext cx="0" cy="0"/>
+          <a:chOff x="0" y="0"/>
+          <a:chExt cx="0" cy="0"/>
+        </a:xfrm>
+      </p:grpSpPr>
+      <p:sp useBgFill="1">
+        <p:nvSpPr>
+          <p:cNvPr id="8" name="Rectangle 7">
+            <a:extLst>
+              <a:ext uri="{FF2B5EF4-FFF2-40B4-BE49-F238E27FC236}">
+                <a16:creationId xmlns:a16="http://schemas.microsoft.com/office/drawing/2014/main" id="{1B15ED52-F352-441B-82BF-E0EA34836D08}"/>
+              </a:ext>
+              <a:ext uri="{C183D7F6-B498-43B3-948B-1728B52AA6E4}">
+                <adec:decorative xmlns:adec="http://schemas.microsoft.com/office/drawing/2017/decorative" val="1"/>
+              </a:ext>
+            </a:extLst>
+          </p:cNvPr>
+          <p:cNvSpPr>
+            <a:spLocks noGrp="1" noRot="1" noChangeAspect="1" noMove="1" noResize="1" noEditPoints="1" noAdjustHandles="1" noChangeArrowheads="1" noChangeShapeType="1" noTextEdit="1"/>
+          </p:cNvSpPr>
+          <p:nvPr>
+            <p:extLst>
+              <p:ext uri="{386F3935-93C4-4BCD-93E2-E3B085C9AB24}">
+                <p16:designElem xmlns:p16="http://schemas.microsoft.com/office/powerpoint/2015/main" val="1"/>
+              </p:ext>
+            </p:extLst>
+          </p:nvPr>
+        </p:nvSpPr>
+        <p:spPr>
+          <a:xfrm>
+            <a:off x="0" y="0"/>
+            <a:ext cx="12192000" cy="6858000"/>
+          </a:xfrm>
+          <a:prstGeom prst="rect">
+            <a:avLst/>
+          </a:prstGeom>
+          <a:ln w="12700" cap="flat" cmpd="sng" algn="ctr">
+            <a:noFill/>
+            <a:prstDash val="solid"/>
+            <a:miter lim="800000"/>
+          </a:ln>
+          <a:effectLst/>
+          <a:extLst>
+            <a:ext uri="{91240B29-F687-4F45-9708-019B960494DF}">
+              <a14:hiddenLine xmlns:a14="http://schemas.microsoft.com/office/drawing/2010/main" w="12700" cap="flat" cmpd="sng" algn="ctr">
+                <a:solidFill>
+                  <a:schemeClr val="accent1">
+                    <a:shade val="50000"/>
+                  </a:schemeClr>
+                </a:solidFill>
+                <a:prstDash val="solid"/>
+                <a:miter lim="800000"/>
+              </a14:hiddenLine>
+            </a:ext>
+          </a:extLst>
+        </p:spPr>
+        <p:style>
+          <a:lnRef idx="2">
+            <a:schemeClr val="accent1">
+              <a:shade val="50000"/>
+            </a:schemeClr>
+          </a:lnRef>
+          <a:fillRef idx="1">
+            <a:schemeClr val="accent1"/>
+          </a:fillRef>
+          <a:effectRef idx="0">
+            <a:schemeClr val="accent1"/>
+          </a:effectRef>
+          <a:fontRef idx="minor">
+            <a:schemeClr val="lt1"/>
+          </a:fontRef>
+        </p:style>
+        <p:txBody>
+          <a:bodyPr rtlCol="0" anchor="ctr"/>
+          <a:lstStyle/>
+          <a:p>
+            <a:pPr algn="ctr"/>
             <a:endParaRPr lang="en-US"/>
           </a:p>
         </p:txBody>
@@ -7578,61 +11983,37 @@
           </a:p>
         </p:txBody>
       </p:sp>
-      <p:sp>
-        <p:nvSpPr>
-          <p:cNvPr id="3" name="Объект 2">
+      <p:graphicFrame>
+        <p:nvGraphicFramePr>
+          <p:cNvPr id="18" name="Объект 2">
             <a:extLst>
               <a:ext uri="{FF2B5EF4-FFF2-40B4-BE49-F238E27FC236}">
-                <a16:creationId xmlns:a16="http://schemas.microsoft.com/office/drawing/2014/main" id="{E444F3EF-0401-D738-5832-BF2A8DF1AEB6}"/>
+                <a16:creationId xmlns:a16="http://schemas.microsoft.com/office/drawing/2014/main" id="{B61D47B0-F1B5-32CA-ABDA-87762CFC31E4}"/>
               </a:ext>
             </a:extLst>
           </p:cNvPr>
-          <p:cNvSpPr>
-            <a:spLocks noGrp="1"/>
-          </p:cNvSpPr>
+          <p:cNvGraphicFramePr>
+            <a:graphicFrameLocks noGrp="1"/>
+          </p:cNvGraphicFramePr>
           <p:nvPr>
             <p:ph idx="1"/>
+            <p:extLst>
+              <p:ext uri="{D42A27DB-BD31-4B8C-83A1-F6EECF244321}">
+                <p14:modId xmlns:p14="http://schemas.microsoft.com/office/powerpoint/2010/main" val="3754758443"/>
+              </p:ext>
+            </p:extLst>
           </p:nvPr>
-        </p:nvSpPr>
-        <p:spPr>
-          <a:xfrm>
-            <a:off x="1371599" y="2318197"/>
-            <a:ext cx="9724031" cy="3683358"/>
-          </a:xfrm>
-        </p:spPr>
-        <p:txBody>
-          <a:bodyPr anchor="ctr">
-            <a:normAutofit/>
-          </a:bodyPr>
-          <a:lstStyle/>
-          <a:p>
-            <a:r>
-              <a:rPr lang="ru-RU" sz="2400" dirty="0"/>
-              <a:t>Разработан алгоритм индексации распределенного облака точек с помощью </a:t>
-            </a:r>
-            <a:r>
-              <a:rPr lang="en-US" sz="2400" dirty="0"/>
-              <a:t>kd-</a:t>
-            </a:r>
-            <a:r>
-              <a:rPr lang="ru-RU" sz="2400" dirty="0"/>
-              <a:t>дерева. </a:t>
-            </a:r>
-          </a:p>
-          <a:p>
-            <a:r>
-              <a:rPr lang="ru-RU" sz="2400" dirty="0"/>
-              <a:t>Алгоритм протестирован на модельной задаче поиска точек облака в заданной области пространства.</a:t>
-            </a:r>
-          </a:p>
-          <a:p>
-            <a:r>
-              <a:rPr lang="ru-RU" sz="2400" dirty="0"/>
-              <a:t>Показано ускорение решения модельной задачи при использовании предложенного подхода.</a:t>
-            </a:r>
-          </a:p>
-        </p:txBody>
-      </p:sp>
+        </p:nvGraphicFramePr>
+        <p:xfrm>
+          <a:off x="1371599" y="2318197"/>
+          <a:ext cx="9724031" cy="3683358"/>
+        </p:xfrm>
+        <a:graphic>
+          <a:graphicData uri="http://schemas.openxmlformats.org/drawingml/2006/diagram">
+            <dgm:relIds xmlns:dgm="http://schemas.openxmlformats.org/drawingml/2006/diagram" xmlns:r="http://schemas.openxmlformats.org/officeDocument/2006/relationships" r:dm="rId2" r:lo="rId3" r:qs="rId4" r:cs="rId5"/>
+          </a:graphicData>
+        </a:graphic>
+      </p:graphicFrame>
     </p:spTree>
     <p:extLst>
       <p:ext uri="{BB962C8B-B14F-4D97-AF65-F5344CB8AC3E}">
@@ -7646,7 +12027,7 @@
 </p:sld>
 </file>
 
-<file path=ppt/slides/slide12.xml><?xml version="1.0" encoding="utf-8"?>
+<file path=ppt/slides/slide14.xml><?xml version="1.0" encoding="utf-8"?>
 <p:sld xmlns:a="http://schemas.openxmlformats.org/drawingml/2006/main" xmlns:r="http://schemas.openxmlformats.org/officeDocument/2006/relationships" xmlns:p="http://schemas.openxmlformats.org/presentationml/2006/main">
   <p:cSld>
     <p:bg>
@@ -8312,7 +12693,7 @@
 </p:sld>
 </file>
 
-<file path=ppt/slides/slide13.xml><?xml version="1.0" encoding="utf-8"?>
+<file path=ppt/slides/slide15.xml><?xml version="1.0" encoding="utf-8"?>
 <p:sld xmlns:a="http://schemas.openxmlformats.org/drawingml/2006/main" xmlns:r="http://schemas.openxmlformats.org/officeDocument/2006/relationships" xmlns:p="http://schemas.openxmlformats.org/presentationml/2006/main">
   <p:cSld>
     <p:bg>
@@ -9927,8 +14308,12 @@
               <a:buNone/>
             </a:pPr>
             <a:r>
-              <a:rPr lang="ru-RU" sz="2000" dirty="0"/>
-              <a:t>Облако точек – набор трехмерных точек, представляющих поверхность некоторого объекта.</a:t>
+              <a:rPr lang="ru-RU" b="1" dirty="0"/>
+              <a:t>Облако точек </a:t>
+            </a:r>
+            <a:r>
+              <a:rPr lang="ru-RU" dirty="0"/>
+              <a:t>– набор трехмерных точек, представляющих поверхность некоторого объекта.</a:t>
             </a:r>
           </a:p>
         </p:txBody>
@@ -10479,7 +14864,6 @@
             <a:r>
               <a:rPr lang="ru-RU" b="0" i="0" dirty="0">
                 <a:effectLst/>
-                <a:latin typeface="Söhne"/>
               </a:rPr>
               <a:t>Компьютерное зрение</a:t>
             </a:r>
@@ -10488,24 +14872,19 @@
             <a:r>
               <a:rPr lang="ru-RU" b="0" i="0" dirty="0">
                 <a:effectLst/>
-                <a:latin typeface="Söhne"/>
               </a:rPr>
               <a:t>Графика </a:t>
             </a:r>
           </a:p>
           <a:p>
             <a:r>
-              <a:rPr lang="ru-RU" dirty="0">
-                <a:latin typeface="Söhne"/>
-              </a:rPr>
+              <a:rPr lang="ru-RU" dirty="0"/>
               <a:t>Геодезия</a:t>
             </a:r>
           </a:p>
           <a:p>
             <a:r>
-              <a:rPr lang="ru-RU" dirty="0">
-                <a:latin typeface="Söhne"/>
-              </a:rPr>
+              <a:rPr lang="ru-RU" dirty="0"/>
               <a:t>…</a:t>
             </a:r>
           </a:p>
@@ -11141,12 +15520,16 @@
               <a:buNone/>
             </a:pPr>
             <a:r>
-              <a:rPr lang="en-US" sz="2000" dirty="0"/>
+              <a:rPr lang="en-US" sz="2000" b="1" dirty="0"/>
               <a:t>Kd-</a:t>
             </a:r>
             <a:r>
+              <a:rPr lang="ru-RU" sz="2000" b="1" dirty="0"/>
+              <a:t>дерево </a:t>
+            </a:r>
+            <a:r>
               <a:rPr lang="ru-RU" sz="2000" dirty="0"/>
-              <a:t>дерево – древовидная структура данных, предназначенная для индексации наборов </a:t>
+              <a:t>– древовидная структура данных, предназначенная для индексации наборов </a:t>
             </a:r>
             <a:r>
               <a:rPr lang="en-US" sz="2000" dirty="0"/>
@@ -11163,7 +15546,7 @@
             </a:pPr>
             <a:r>
               <a:rPr lang="ru-RU" sz="2000" dirty="0"/>
-              <a:t>Листья - …</a:t>
+              <a:t>Листовые узлы хранят данные</a:t>
             </a:r>
           </a:p>
           <a:p>
@@ -11172,7 +15555,7 @@
             </a:pPr>
             <a:r>
               <a:rPr lang="ru-RU" sz="2000" dirty="0"/>
-              <a:t>Внутренние узлы -- … </a:t>
+              <a:t>Внутренние узлы служат, как связующие звенья</a:t>
             </a:r>
           </a:p>
         </p:txBody>
@@ -12234,8 +16617,8 @@
         </p:blipFill>
         <p:spPr>
           <a:xfrm>
-            <a:off x="8279920" y="2308859"/>
-            <a:ext cx="2689860" cy="1680845"/>
+            <a:off x="7612772" y="1891971"/>
+            <a:ext cx="3357008" cy="2097734"/>
           </a:xfrm>
           <a:prstGeom prst="rect">
             <a:avLst/>
@@ -12269,8 +16652,8 @@
         </p:blipFill>
         <p:spPr bwMode="auto">
           <a:xfrm>
-            <a:off x="8289445" y="4285379"/>
-            <a:ext cx="2680335" cy="1675130"/>
+            <a:off x="7612772" y="4284244"/>
+            <a:ext cx="3357008" cy="2098031"/>
           </a:xfrm>
           <a:prstGeom prst="rect">
             <a:avLst/>
@@ -12301,7 +16684,7 @@
         </p:nvSpPr>
         <p:spPr>
           <a:xfrm>
-            <a:off x="1371597" y="2308859"/>
+            <a:off x="1444186" y="2163880"/>
             <a:ext cx="4724401" cy="3651650"/>
           </a:xfrm>
           <a:prstGeom prst="rect">
@@ -12310,7 +16693,7 @@
         </p:spPr>
         <p:txBody>
           <a:bodyPr vert="horz" lIns="91440" tIns="45720" rIns="91440" bIns="45720" rtlCol="0" anchor="ctr">
-            <a:normAutofit/>
+            <a:normAutofit lnSpcReduction="10000"/>
           </a:bodyPr>
           <a:lstStyle>
             <a:lvl1pPr marL="228600" indent="-228600" algn="l" defTabSz="914400" rtl="0" eaLnBrk="1" latinLnBrk="0" hangingPunct="1">
@@ -12489,7 +16872,47 @@
           <a:p>
             <a:r>
               <a:rPr lang="ru-RU" sz="2000" dirty="0"/>
-              <a:t>Кубы из 1000, 10000, 100000 точек</a:t>
+              <a:t>Кубы из 100</a:t>
+            </a:r>
+            <a:r>
+              <a:rPr lang="en-US" sz="2000" dirty="0"/>
+              <a:t> 00</a:t>
+            </a:r>
+            <a:r>
+              <a:rPr lang="ru-RU" sz="2000" dirty="0"/>
+              <a:t>0, 1</a:t>
+            </a:r>
+            <a:r>
+              <a:rPr lang="en-US" sz="2000" dirty="0"/>
+              <a:t> 0</a:t>
+            </a:r>
+            <a:r>
+              <a:rPr lang="ru-RU" sz="2000" dirty="0"/>
+              <a:t>00</a:t>
+            </a:r>
+            <a:r>
+              <a:rPr lang="en-US" sz="2000" dirty="0"/>
+              <a:t> 0</a:t>
+            </a:r>
+            <a:r>
+              <a:rPr lang="ru-RU" sz="2000" dirty="0"/>
+              <a:t>00, 1</a:t>
+            </a:r>
+            <a:r>
+              <a:rPr lang="en-US" sz="2000" dirty="0"/>
+              <a:t>0 </a:t>
+            </a:r>
+            <a:r>
+              <a:rPr lang="ru-RU" sz="2000" dirty="0"/>
+              <a:t>000</a:t>
+            </a:r>
+            <a:r>
+              <a:rPr lang="en-US" sz="2000" dirty="0"/>
+              <a:t> 0</a:t>
+            </a:r>
+            <a:r>
+              <a:rPr lang="ru-RU" sz="2000" dirty="0"/>
+              <a:t>00 точек</a:t>
             </a:r>
           </a:p>
           <a:p>
@@ -12499,7 +16922,7 @@
             </a:r>
             <a:r>
               <a:rPr lang="ru-RU" sz="2000" dirty="0"/>
-              <a:t> (...)</a:t>
+              <a:t> (2 499 971 точка)</a:t>
             </a:r>
             <a:endParaRPr lang="en-US" sz="2000" dirty="0"/>
           </a:p>
@@ -12510,7 +16933,7 @@
             </a:r>
             <a:r>
               <a:rPr lang="ru-RU" sz="2000" dirty="0"/>
-              <a:t> (…)</a:t>
+              <a:t> (1 024 356 точек)</a:t>
             </a:r>
           </a:p>
           <a:p>
@@ -12547,9 +16970,6 @@
               <a:rPr lang="ru-RU" sz="2000" dirty="0"/>
               <a:t>Алгоритм нахождения точек в области пространства</a:t>
             </a:r>
-          </a:p>
-          <a:p>
-            <a:endParaRPr lang="ru-RU" sz="2000" dirty="0"/>
           </a:p>
         </p:txBody>
       </p:sp>
@@ -12735,7 +17155,7 @@
               </a:xfrm>
             </p:spPr>
             <p:txBody>
-              <a:bodyPr>
+              <a:bodyPr anchor="ctr">
                 <a:normAutofit/>
               </a:bodyPr>
               <a:lstStyle/>
@@ -12751,251 +17171,263 @@
                 <a:endParaRPr lang="ru-RU" sz="1600" dirty="0"/>
               </a:p>
               <a:p>
-                <a:pPr marL="914400" lvl="1" indent="-457200">
-                  <a:buFont typeface="+mj-lt"/>
-                  <a:buAutoNum type="arabicPeriod"/>
+                <a:pPr marL="457200" lvl="1" indent="0">
+                  <a:buNone/>
                 </a:pPr>
                 <a14:m>
-                  <m:oMath xmlns:m="http://schemas.openxmlformats.org/officeDocument/2006/math">
-                    <m:r>
-                      <a:rPr lang="en-US" sz="1600" b="0" i="1" smtClean="0">
-                        <a:latin typeface="Cambria Math" panose="02040503050406030204" pitchFamily="18" charset="0"/>
-                      </a:rPr>
-                      <m:t>𝑟𝑎𝑛</m:t>
-                    </m:r>
-                    <m:sSub>
-                      <m:sSubPr>
-                        <m:ctrlPr>
-                          <a:rPr lang="en-US" sz="1600" b="0" i="1" smtClean="0">
-                            <a:latin typeface="Cambria Math" panose="02040503050406030204" pitchFamily="18" charset="0"/>
-                          </a:rPr>
-                        </m:ctrlPr>
-                      </m:sSubPr>
-                      <m:e>
-                        <m:r>
-                          <a:rPr lang="en-US" sz="1600" b="0" i="1" smtClean="0">
-                            <a:latin typeface="Cambria Math" panose="02040503050406030204" pitchFamily="18" charset="0"/>
-                          </a:rPr>
-                          <m:t>𝑘</m:t>
-                        </m:r>
-                      </m:e>
-                      <m:sub>
-                        <m:r>
-                          <a:rPr lang="en-US" sz="1600" b="0" i="1" smtClean="0">
-                            <a:latin typeface="Cambria Math" panose="02040503050406030204" pitchFamily="18" charset="0"/>
-                          </a:rPr>
-                          <m:t>𝑙𝑒𝑓𝑡</m:t>
-                        </m:r>
-                        <m:r>
-                          <a:rPr lang="en-US" sz="1600" b="0" i="1" smtClean="0">
-                            <a:latin typeface="Cambria Math" panose="02040503050406030204" pitchFamily="18" charset="0"/>
-                          </a:rPr>
-                          <m:t> </m:t>
-                        </m:r>
-                        <m:r>
-                          <a:rPr lang="en-US" sz="1600" b="0" i="1" smtClean="0">
-                            <a:latin typeface="Cambria Math" panose="02040503050406030204" pitchFamily="18" charset="0"/>
-                          </a:rPr>
-                          <m:t>𝑐h𝑖𝑙𝑑</m:t>
-                        </m:r>
-                      </m:sub>
-                    </m:sSub>
-                    <m:r>
-                      <a:rPr lang="en-US" sz="1600" b="0" i="1" smtClean="0">
-                        <a:latin typeface="Cambria Math" panose="02040503050406030204" pitchFamily="18" charset="0"/>
-                      </a:rPr>
-                      <m:t>=2∗ </m:t>
-                    </m:r>
-                    <m:r>
-                      <a:rPr lang="en-US" sz="1600" b="0" i="1" smtClean="0">
-                        <a:latin typeface="Cambria Math" panose="02040503050406030204" pitchFamily="18" charset="0"/>
-                      </a:rPr>
-                      <m:t>𝑟𝑎𝑛𝑘</m:t>
-                    </m:r>
-                    <m:r>
-                      <a:rPr lang="en-US" sz="1600" b="0" i="1" smtClean="0">
-                        <a:latin typeface="Cambria Math" panose="02040503050406030204" pitchFamily="18" charset="0"/>
-                      </a:rPr>
-                      <m:t>+1</m:t>
-                    </m:r>
-                  </m:oMath>
+                  <m:oMathPara xmlns:m="http://schemas.openxmlformats.org/officeDocument/2006/math">
+                    <m:oMathParaPr>
+                      <m:jc m:val="centerGroup"/>
+                    </m:oMathParaPr>
+                    <m:oMath xmlns:m="http://schemas.openxmlformats.org/officeDocument/2006/math">
+                      <m:r>
+                        <a:rPr lang="en-US" sz="1800" b="0" i="1" smtClean="0">
+                          <a:latin typeface="Cambria Math" panose="02040503050406030204" pitchFamily="18" charset="0"/>
+                        </a:rPr>
+                        <m:t>𝑟𝑎𝑛</m:t>
+                      </m:r>
+                      <m:sSub>
+                        <m:sSubPr>
+                          <m:ctrlPr>
+                            <a:rPr lang="en-US" sz="1800" b="0" i="1" smtClean="0">
+                              <a:latin typeface="Cambria Math" panose="02040503050406030204" pitchFamily="18" charset="0"/>
+                            </a:rPr>
+                          </m:ctrlPr>
+                        </m:sSubPr>
+                        <m:e>
+                          <m:r>
+                            <a:rPr lang="en-US" sz="1800" b="0" i="1" smtClean="0">
+                              <a:latin typeface="Cambria Math" panose="02040503050406030204" pitchFamily="18" charset="0"/>
+                            </a:rPr>
+                            <m:t>𝑘</m:t>
+                          </m:r>
+                        </m:e>
+                        <m:sub>
+                          <m:r>
+                            <a:rPr lang="en-US" sz="1800" b="0" i="1" smtClean="0">
+                              <a:latin typeface="Cambria Math" panose="02040503050406030204" pitchFamily="18" charset="0"/>
+                            </a:rPr>
+                            <m:t>𝑙𝑒𝑓𝑡</m:t>
+                          </m:r>
+                          <m:r>
+                            <a:rPr lang="en-US" sz="1800" b="0" i="1" smtClean="0">
+                              <a:latin typeface="Cambria Math" panose="02040503050406030204" pitchFamily="18" charset="0"/>
+                            </a:rPr>
+                            <m:t> </m:t>
+                          </m:r>
+                          <m:r>
+                            <a:rPr lang="en-US" sz="1800" b="0" i="1" smtClean="0">
+                              <a:latin typeface="Cambria Math" panose="02040503050406030204" pitchFamily="18" charset="0"/>
+                            </a:rPr>
+                            <m:t>𝑐h𝑖𝑙𝑑</m:t>
+                          </m:r>
+                        </m:sub>
+                      </m:sSub>
+                      <m:r>
+                        <a:rPr lang="en-US" sz="1800" b="0" i="1" smtClean="0">
+                          <a:latin typeface="Cambria Math" panose="02040503050406030204" pitchFamily="18" charset="0"/>
+                        </a:rPr>
+                        <m:t>=2∗ </m:t>
+                      </m:r>
+                      <m:r>
+                        <a:rPr lang="en-US" sz="1800" b="0" i="1" smtClean="0">
+                          <a:latin typeface="Cambria Math" panose="02040503050406030204" pitchFamily="18" charset="0"/>
+                        </a:rPr>
+                        <m:t>𝑟𝑎𝑛𝑘</m:t>
+                      </m:r>
+                      <m:r>
+                        <a:rPr lang="en-US" sz="1800" b="0" i="1" smtClean="0">
+                          <a:latin typeface="Cambria Math" panose="02040503050406030204" pitchFamily="18" charset="0"/>
+                        </a:rPr>
+                        <m:t>+1</m:t>
+                      </m:r>
+                    </m:oMath>
+                  </m:oMathPara>
                 </a14:m>
-                <a:endParaRPr lang="en-US" sz="1600" dirty="0"/>
+                <a:endParaRPr lang="en-US" sz="1800" dirty="0"/>
               </a:p>
               <a:p>
-                <a:pPr marL="914400" lvl="1" indent="-457200">
-                  <a:buFont typeface="+mj-lt"/>
-                  <a:buAutoNum type="arabicPeriod"/>
+                <a:pPr marL="457200" lvl="1" indent="0">
+                  <a:buNone/>
                 </a:pPr>
                 <a14:m>
-                  <m:oMath xmlns:m="http://schemas.openxmlformats.org/officeDocument/2006/math">
-                    <m:r>
-                      <a:rPr lang="en-US" sz="1600" b="0" i="1" smtClean="0">
-                        <a:latin typeface="Cambria Math" panose="02040503050406030204" pitchFamily="18" charset="0"/>
-                      </a:rPr>
-                      <m:t>𝑟𝑎𝑛</m:t>
-                    </m:r>
-                    <m:sSub>
-                      <m:sSubPr>
-                        <m:ctrlPr>
-                          <a:rPr lang="en-US" sz="1600" b="0" i="1" smtClean="0">
-                            <a:latin typeface="Cambria Math" panose="02040503050406030204" pitchFamily="18" charset="0"/>
-                          </a:rPr>
-                        </m:ctrlPr>
-                      </m:sSubPr>
-                      <m:e>
-                        <m:r>
-                          <a:rPr lang="en-US" sz="1600" b="0" i="1" smtClean="0">
-                            <a:latin typeface="Cambria Math" panose="02040503050406030204" pitchFamily="18" charset="0"/>
-                          </a:rPr>
-                          <m:t>𝑘</m:t>
-                        </m:r>
-                      </m:e>
-                      <m:sub>
-                        <m:r>
-                          <a:rPr lang="en-US" sz="1600" b="0" i="1" smtClean="0">
-                            <a:latin typeface="Cambria Math" panose="02040503050406030204" pitchFamily="18" charset="0"/>
-                          </a:rPr>
-                          <m:t>𝑟𝑖𝑔h𝑡</m:t>
-                        </m:r>
-                        <m:r>
-                          <a:rPr lang="en-US" sz="1600" b="0" i="1" smtClean="0">
-                            <a:latin typeface="Cambria Math" panose="02040503050406030204" pitchFamily="18" charset="0"/>
-                          </a:rPr>
-                          <m:t> </m:t>
-                        </m:r>
-                        <m:r>
-                          <a:rPr lang="en-US" sz="1600" b="0" i="1" smtClean="0">
-                            <a:latin typeface="Cambria Math" panose="02040503050406030204" pitchFamily="18" charset="0"/>
-                          </a:rPr>
-                          <m:t>𝑐h𝑖𝑙𝑑</m:t>
-                        </m:r>
-                      </m:sub>
-                    </m:sSub>
-                    <m:r>
-                      <a:rPr lang="en-US" sz="1600" b="0" i="1" smtClean="0">
-                        <a:latin typeface="Cambria Math" panose="02040503050406030204" pitchFamily="18" charset="0"/>
-                      </a:rPr>
-                      <m:t>=2∗</m:t>
-                    </m:r>
-                    <m:r>
-                      <a:rPr lang="en-US" sz="1600" b="0" i="1" smtClean="0">
-                        <a:latin typeface="Cambria Math" panose="02040503050406030204" pitchFamily="18" charset="0"/>
-                      </a:rPr>
-                      <m:t>𝑟𝑎𝑛𝑘</m:t>
-                    </m:r>
-                    <m:r>
-                      <a:rPr lang="en-US" sz="1600" b="0" i="1" smtClean="0">
-                        <a:latin typeface="Cambria Math" panose="02040503050406030204" pitchFamily="18" charset="0"/>
-                      </a:rPr>
-                      <m:t>+2</m:t>
-                    </m:r>
-                  </m:oMath>
+                  <m:oMathPara xmlns:m="http://schemas.openxmlformats.org/officeDocument/2006/math">
+                    <m:oMathParaPr>
+                      <m:jc m:val="centerGroup"/>
+                    </m:oMathParaPr>
+                    <m:oMath xmlns:m="http://schemas.openxmlformats.org/officeDocument/2006/math">
+                      <m:r>
+                        <a:rPr lang="en-US" sz="1800" b="0" i="1" smtClean="0">
+                          <a:latin typeface="Cambria Math" panose="02040503050406030204" pitchFamily="18" charset="0"/>
+                        </a:rPr>
+                        <m:t>𝑟𝑎𝑛</m:t>
+                      </m:r>
+                      <m:sSub>
+                        <m:sSubPr>
+                          <m:ctrlPr>
+                            <a:rPr lang="en-US" sz="1800" b="0" i="1" smtClean="0">
+                              <a:latin typeface="Cambria Math" panose="02040503050406030204" pitchFamily="18" charset="0"/>
+                            </a:rPr>
+                          </m:ctrlPr>
+                        </m:sSubPr>
+                        <m:e>
+                          <m:r>
+                            <a:rPr lang="en-US" sz="1800" b="0" i="1" smtClean="0">
+                              <a:latin typeface="Cambria Math" panose="02040503050406030204" pitchFamily="18" charset="0"/>
+                            </a:rPr>
+                            <m:t>𝑘</m:t>
+                          </m:r>
+                        </m:e>
+                        <m:sub>
+                          <m:r>
+                            <a:rPr lang="en-US" sz="1800" b="0" i="1" smtClean="0">
+                              <a:latin typeface="Cambria Math" panose="02040503050406030204" pitchFamily="18" charset="0"/>
+                            </a:rPr>
+                            <m:t>𝑟𝑖𝑔h𝑡</m:t>
+                          </m:r>
+                          <m:r>
+                            <a:rPr lang="en-US" sz="1800" b="0" i="1" smtClean="0">
+                              <a:latin typeface="Cambria Math" panose="02040503050406030204" pitchFamily="18" charset="0"/>
+                            </a:rPr>
+                            <m:t> </m:t>
+                          </m:r>
+                          <m:r>
+                            <a:rPr lang="en-US" sz="1800" b="0" i="1" smtClean="0">
+                              <a:latin typeface="Cambria Math" panose="02040503050406030204" pitchFamily="18" charset="0"/>
+                            </a:rPr>
+                            <m:t>𝑐h𝑖𝑙𝑑</m:t>
+                          </m:r>
+                        </m:sub>
+                      </m:sSub>
+                      <m:r>
+                        <a:rPr lang="en-US" sz="1800" b="0" i="1" smtClean="0">
+                          <a:latin typeface="Cambria Math" panose="02040503050406030204" pitchFamily="18" charset="0"/>
+                        </a:rPr>
+                        <m:t>=2∗</m:t>
+                      </m:r>
+                      <m:r>
+                        <a:rPr lang="en-US" sz="1800" b="0" i="1" smtClean="0">
+                          <a:latin typeface="Cambria Math" panose="02040503050406030204" pitchFamily="18" charset="0"/>
+                        </a:rPr>
+                        <m:t>𝑟𝑎𝑛𝑘</m:t>
+                      </m:r>
+                      <m:r>
+                        <a:rPr lang="en-US" sz="1800" b="0" i="1" smtClean="0">
+                          <a:latin typeface="Cambria Math" panose="02040503050406030204" pitchFamily="18" charset="0"/>
+                        </a:rPr>
+                        <m:t>+2</m:t>
+                      </m:r>
+                    </m:oMath>
+                  </m:oMathPara>
                 </a14:m>
-                <a:endParaRPr lang="en-US" sz="1600" dirty="0"/>
+                <a:endParaRPr lang="en-US" sz="1800" dirty="0"/>
               </a:p>
               <a:p>
-                <a:pPr marL="914400" lvl="1" indent="-457200">
-                  <a:buFont typeface="+mj-lt"/>
-                  <a:buAutoNum type="arabicPeriod"/>
+                <a:pPr marL="457200" lvl="1" indent="0">
+                  <a:buNone/>
                 </a:pPr>
                 <a14:m>
-                  <m:oMath xmlns:m="http://schemas.openxmlformats.org/officeDocument/2006/math">
-                    <m:r>
-                      <a:rPr lang="en-US" sz="1600" b="0" i="1" smtClean="0">
-                        <a:latin typeface="Cambria Math" panose="02040503050406030204" pitchFamily="18" charset="0"/>
-                      </a:rPr>
-                      <m:t>𝑟𝑎𝑛</m:t>
-                    </m:r>
-                    <m:sSub>
-                      <m:sSubPr>
-                        <m:ctrlPr>
-                          <a:rPr lang="en-US" sz="1600" b="0" i="1" smtClean="0">
-                            <a:latin typeface="Cambria Math" panose="02040503050406030204" pitchFamily="18" charset="0"/>
-                          </a:rPr>
-                        </m:ctrlPr>
-                      </m:sSubPr>
-                      <m:e>
-                        <m:r>
-                          <a:rPr lang="en-US" sz="1600" b="0" i="1" smtClean="0">
-                            <a:latin typeface="Cambria Math" panose="02040503050406030204" pitchFamily="18" charset="0"/>
-                          </a:rPr>
-                          <m:t>𝑘</m:t>
-                        </m:r>
-                      </m:e>
-                      <m:sub>
-                        <m:r>
-                          <a:rPr lang="en-US" sz="1600" b="0" i="1" smtClean="0">
-                            <a:latin typeface="Cambria Math" panose="02040503050406030204" pitchFamily="18" charset="0"/>
-                          </a:rPr>
-                          <m:t>𝑝𝑎𝑟𝑒𝑛𝑡</m:t>
-                        </m:r>
-                      </m:sub>
-                    </m:sSub>
-                    <m:r>
-                      <a:rPr lang="en-US" sz="1600" b="0" i="1" smtClean="0">
-                        <a:latin typeface="Cambria Math" panose="02040503050406030204" pitchFamily="18" charset="0"/>
-                      </a:rPr>
-                      <m:t>=</m:t>
-                    </m:r>
-                    <m:d>
-                      <m:dPr>
-                        <m:begChr m:val="["/>
-                        <m:endChr m:val="]"/>
-                        <m:ctrlPr>
-                          <a:rPr lang="en-US" sz="1600" b="0" i="1" smtClean="0">
-                            <a:latin typeface="Cambria Math" panose="02040503050406030204" pitchFamily="18" charset="0"/>
-                          </a:rPr>
-                        </m:ctrlPr>
-                      </m:dPr>
-                      <m:e>
-                        <m:f>
-                          <m:fPr>
-                            <m:ctrlPr>
-                              <a:rPr lang="en-US" sz="1600" b="0" i="1" smtClean="0">
-                                <a:latin typeface="Cambria Math" panose="02040503050406030204" pitchFamily="18" charset="0"/>
-                              </a:rPr>
-                            </m:ctrlPr>
-                          </m:fPr>
-                          <m:num>
-                            <m:d>
-                              <m:dPr>
-                                <m:ctrlPr>
-                                  <a:rPr lang="en-US" sz="1600" b="0" i="1" smtClean="0">
-                                    <a:latin typeface="Cambria Math" panose="02040503050406030204" pitchFamily="18" charset="0"/>
-                                  </a:rPr>
-                                </m:ctrlPr>
-                              </m:dPr>
-                              <m:e>
-                                <m:r>
-                                  <a:rPr lang="en-US" sz="1600" b="0" i="1" smtClean="0">
-                                    <a:latin typeface="Cambria Math" panose="02040503050406030204" pitchFamily="18" charset="0"/>
-                                  </a:rPr>
-                                  <m:t>𝑟𝑎𝑛𝑘</m:t>
-                                </m:r>
-                                <m:r>
-                                  <a:rPr lang="en-US" sz="1600" b="0" i="1" smtClean="0">
-                                    <a:latin typeface="Cambria Math" panose="02040503050406030204" pitchFamily="18" charset="0"/>
-                                  </a:rPr>
-                                  <m:t> −1</m:t>
-                                </m:r>
-                              </m:e>
-                            </m:d>
-                          </m:num>
-                          <m:den>
-                            <m:r>
-                              <a:rPr lang="en-US" sz="1600" b="0" i="1" smtClean="0">
-                                <a:latin typeface="Cambria Math" panose="02040503050406030204" pitchFamily="18" charset="0"/>
-                              </a:rPr>
-                              <m:t>2</m:t>
-                            </m:r>
-                          </m:den>
-                        </m:f>
-                      </m:e>
-                    </m:d>
-                  </m:oMath>
+                  <m:oMathPara xmlns:m="http://schemas.openxmlformats.org/officeDocument/2006/math">
+                    <m:oMathParaPr>
+                      <m:jc m:val="centerGroup"/>
+                    </m:oMathParaPr>
+                    <m:oMath xmlns:m="http://schemas.openxmlformats.org/officeDocument/2006/math">
+                      <m:r>
+                        <a:rPr lang="en-US" sz="1800" b="0" i="1" smtClean="0">
+                          <a:latin typeface="Cambria Math" panose="02040503050406030204" pitchFamily="18" charset="0"/>
+                        </a:rPr>
+                        <m:t>𝑟𝑎𝑛</m:t>
+                      </m:r>
+                      <m:sSub>
+                        <m:sSubPr>
+                          <m:ctrlPr>
+                            <a:rPr lang="en-US" sz="1800" b="0" i="1" smtClean="0">
+                              <a:latin typeface="Cambria Math" panose="02040503050406030204" pitchFamily="18" charset="0"/>
+                            </a:rPr>
+                          </m:ctrlPr>
+                        </m:sSubPr>
+                        <m:e>
+                          <m:r>
+                            <a:rPr lang="en-US" sz="1800" b="0" i="1" smtClean="0">
+                              <a:latin typeface="Cambria Math" panose="02040503050406030204" pitchFamily="18" charset="0"/>
+                            </a:rPr>
+                            <m:t>𝑘</m:t>
+                          </m:r>
+                        </m:e>
+                        <m:sub>
+                          <m:r>
+                            <a:rPr lang="en-US" sz="1800" b="0" i="1" smtClean="0">
+                              <a:latin typeface="Cambria Math" panose="02040503050406030204" pitchFamily="18" charset="0"/>
+                            </a:rPr>
+                            <m:t>𝑝𝑎𝑟𝑒𝑛𝑡</m:t>
+                          </m:r>
+                        </m:sub>
+                      </m:sSub>
+                      <m:r>
+                        <a:rPr lang="en-US" sz="1800" b="0" i="1" smtClean="0">
+                          <a:latin typeface="Cambria Math" panose="02040503050406030204" pitchFamily="18" charset="0"/>
+                        </a:rPr>
+                        <m:t>=</m:t>
+                      </m:r>
+                      <m:d>
+                        <m:dPr>
+                          <m:begChr m:val="["/>
+                          <m:endChr m:val="]"/>
+                          <m:ctrlPr>
+                            <a:rPr lang="en-US" sz="1800" b="0" i="1" smtClean="0">
+                              <a:latin typeface="Cambria Math" panose="02040503050406030204" pitchFamily="18" charset="0"/>
+                            </a:rPr>
+                          </m:ctrlPr>
+                        </m:dPr>
+                        <m:e>
+                          <m:f>
+                            <m:fPr>
+                              <m:ctrlPr>
+                                <a:rPr lang="en-US" sz="1800" b="0" i="1" smtClean="0">
+                                  <a:latin typeface="Cambria Math" panose="02040503050406030204" pitchFamily="18" charset="0"/>
+                                </a:rPr>
+                              </m:ctrlPr>
+                            </m:fPr>
+                            <m:num>
+                              <m:d>
+                                <m:dPr>
+                                  <m:ctrlPr>
+                                    <a:rPr lang="en-US" sz="1800" b="0" i="1" smtClean="0">
+                                      <a:latin typeface="Cambria Math" panose="02040503050406030204" pitchFamily="18" charset="0"/>
+                                    </a:rPr>
+                                  </m:ctrlPr>
+                                </m:dPr>
+                                <m:e>
+                                  <m:r>
+                                    <a:rPr lang="en-US" sz="1800" b="0" i="1" smtClean="0">
+                                      <a:latin typeface="Cambria Math" panose="02040503050406030204" pitchFamily="18" charset="0"/>
+                                    </a:rPr>
+                                    <m:t>𝑟𝑎𝑛𝑘</m:t>
+                                  </m:r>
+                                  <m:r>
+                                    <a:rPr lang="en-US" sz="1800" b="0" i="1" smtClean="0">
+                                      <a:latin typeface="Cambria Math" panose="02040503050406030204" pitchFamily="18" charset="0"/>
+                                    </a:rPr>
+                                    <m:t> −1</m:t>
+                                  </m:r>
+                                </m:e>
+                              </m:d>
+                            </m:num>
+                            <m:den>
+                              <m:r>
+                                <a:rPr lang="en-US" sz="1800" b="0" i="1" smtClean="0">
+                                  <a:latin typeface="Cambria Math" panose="02040503050406030204" pitchFamily="18" charset="0"/>
+                                </a:rPr>
+                                <m:t>2</m:t>
+                              </m:r>
+                            </m:den>
+                          </m:f>
+                        </m:e>
+                      </m:d>
+                    </m:oMath>
+                  </m:oMathPara>
                 </a14:m>
-                <a:endParaRPr lang="ru-RU" sz="1600" dirty="0"/>
+                <a:endParaRPr lang="ru-RU" sz="1800" dirty="0"/>
               </a:p>
               <a:p>
                 <a:pPr marL="457200" indent="-457200">
@@ -13006,6 +17438,161 @@
                   <a:rPr lang="ru-RU" sz="2000" dirty="0"/>
                   <a:t>Пересылка частей облака точек к листовым узлам</a:t>
                 </a:r>
+                <a:endParaRPr lang="en-US" sz="2000" dirty="0"/>
+              </a:p>
+              <a:p>
+                <a:pPr marL="457200" lvl="1" indent="0">
+                  <a:buNone/>
+                </a:pPr>
+                <a14:m>
+                  <m:oMathPara xmlns:m="http://schemas.openxmlformats.org/officeDocument/2006/math">
+                    <m:oMathParaPr>
+                      <m:jc m:val="centerGroup"/>
+                    </m:oMathParaPr>
+                    <m:oMath xmlns:m="http://schemas.openxmlformats.org/officeDocument/2006/math">
+                      <m:r>
+                        <a:rPr lang="ru-RU" sz="1800" i="1" smtClean="0">
+                          <a:effectLst/>
+                          <a:latin typeface="Cambria Math" panose="02040503050406030204" pitchFamily="18" charset="0"/>
+                          <a:ea typeface="Times New Roman" panose="02020603050405020304" pitchFamily="18" charset="0"/>
+                          <a:cs typeface="Times New Roman" panose="02020603050405020304" pitchFamily="18" charset="0"/>
+                        </a:rPr>
+                        <m:t>𝑎𝑥𝑖𝑠</m:t>
+                      </m:r>
+                      <m:r>
+                        <a:rPr lang="ru-RU" sz="1800" i="1" smtClean="0">
+                          <a:effectLst/>
+                          <a:latin typeface="Cambria Math" panose="02040503050406030204" pitchFamily="18" charset="0"/>
+                          <a:ea typeface="Times New Roman" panose="02020603050405020304" pitchFamily="18" charset="0"/>
+                          <a:cs typeface="Times New Roman" panose="02020603050405020304" pitchFamily="18" charset="0"/>
+                        </a:rPr>
+                        <m:t>=</m:t>
+                      </m:r>
+                      <m:func>
+                        <m:funcPr>
+                          <m:ctrlPr>
+                            <a:rPr lang="ru-RU" sz="1800" i="1">
+                              <a:effectLst/>
+                              <a:latin typeface="Cambria Math" panose="02040503050406030204" pitchFamily="18" charset="0"/>
+                              <a:ea typeface="Times New Roman" panose="02020603050405020304" pitchFamily="18" charset="0"/>
+                              <a:cs typeface="Times New Roman" panose="02020603050405020304" pitchFamily="18" charset="0"/>
+                            </a:rPr>
+                          </m:ctrlPr>
+                        </m:funcPr>
+                        <m:fName>
+                          <m:sSub>
+                            <m:sSubPr>
+                              <m:ctrlPr>
+                                <a:rPr lang="ru-RU" sz="1800" i="1">
+                                  <a:effectLst/>
+                                  <a:latin typeface="Cambria Math" panose="02040503050406030204" pitchFamily="18" charset="0"/>
+                                  <a:ea typeface="Times New Roman" panose="02020603050405020304" pitchFamily="18" charset="0"/>
+                                  <a:cs typeface="Times New Roman" panose="02020603050405020304" pitchFamily="18" charset="0"/>
+                                </a:rPr>
+                              </m:ctrlPr>
+                            </m:sSubPr>
+                            <m:e>
+                              <m:r>
+                                <a:rPr lang="ru-RU" sz="1800">
+                                  <a:effectLst/>
+                                  <a:latin typeface="Cambria Math" panose="02040503050406030204" pitchFamily="18" charset="0"/>
+                                  <a:ea typeface="Times New Roman" panose="02020603050405020304" pitchFamily="18" charset="0"/>
+                                  <a:cs typeface="Times New Roman" panose="02020603050405020304" pitchFamily="18" charset="0"/>
+                                </a:rPr>
+                                <m:t>[</m:t>
+                              </m:r>
+                              <m:r>
+                                <m:rPr>
+                                  <m:sty m:val="p"/>
+                                </m:rPr>
+                                <a:rPr lang="ru-RU" sz="1800">
+                                  <a:effectLst/>
+                                  <a:latin typeface="Cambria Math" panose="02040503050406030204" pitchFamily="18" charset="0"/>
+                                  <a:ea typeface="Times New Roman" panose="02020603050405020304" pitchFamily="18" charset="0"/>
+                                  <a:cs typeface="Times New Roman" panose="02020603050405020304" pitchFamily="18" charset="0"/>
+                                </a:rPr>
+                                <m:t>log</m:t>
+                              </m:r>
+                            </m:e>
+                            <m:sub>
+                              <m:r>
+                                <a:rPr lang="ru-RU" sz="1800" i="1">
+                                  <a:effectLst/>
+                                  <a:latin typeface="Cambria Math" panose="02040503050406030204" pitchFamily="18" charset="0"/>
+                                  <a:ea typeface="Times New Roman" panose="02020603050405020304" pitchFamily="18" charset="0"/>
+                                  <a:cs typeface="Times New Roman" panose="02020603050405020304" pitchFamily="18" charset="0"/>
+                                </a:rPr>
+                                <m:t>2</m:t>
+                              </m:r>
+                            </m:sub>
+                          </m:sSub>
+                        </m:fName>
+                        <m:e>
+                          <m:d>
+                            <m:dPr>
+                              <m:ctrlPr>
+                                <a:rPr lang="ru-RU" sz="1800" i="1">
+                                  <a:effectLst/>
+                                  <a:latin typeface="Cambria Math" panose="02040503050406030204" pitchFamily="18" charset="0"/>
+                                  <a:ea typeface="Times New Roman" panose="02020603050405020304" pitchFamily="18" charset="0"/>
+                                  <a:cs typeface="Times New Roman" panose="02020603050405020304" pitchFamily="18" charset="0"/>
+                                </a:rPr>
+                              </m:ctrlPr>
+                            </m:dPr>
+                            <m:e>
+                              <m:r>
+                                <a:rPr lang="ru-RU" sz="1800" i="1">
+                                  <a:effectLst/>
+                                  <a:latin typeface="Cambria Math" panose="02040503050406030204" pitchFamily="18" charset="0"/>
+                                  <a:ea typeface="Times New Roman" panose="02020603050405020304" pitchFamily="18" charset="0"/>
+                                  <a:cs typeface="Times New Roman" panose="02020603050405020304" pitchFamily="18" charset="0"/>
+                                </a:rPr>
+                                <m:t>𝑟𝑎𝑛𝑘</m:t>
+                              </m:r>
+                              <m:r>
+                                <a:rPr lang="ru-RU" sz="1800" i="1">
+                                  <a:effectLst/>
+                                  <a:latin typeface="Cambria Math" panose="02040503050406030204" pitchFamily="18" charset="0"/>
+                                  <a:ea typeface="Times New Roman" panose="02020603050405020304" pitchFamily="18" charset="0"/>
+                                  <a:cs typeface="Times New Roman" panose="02020603050405020304" pitchFamily="18" charset="0"/>
+                                </a:rPr>
+                                <m:t>+1</m:t>
+                              </m:r>
+                            </m:e>
+                          </m:d>
+                        </m:e>
+                      </m:func>
+                      <m:r>
+                        <a:rPr lang="ru-RU" sz="1800" i="1">
+                          <a:effectLst/>
+                          <a:latin typeface="Cambria Math" panose="02040503050406030204" pitchFamily="18" charset="0"/>
+                          <a:ea typeface="Times New Roman" panose="02020603050405020304" pitchFamily="18" charset="0"/>
+                          <a:cs typeface="Times New Roman" panose="02020603050405020304" pitchFamily="18" charset="0"/>
+                        </a:rPr>
+                        <m:t>] </m:t>
+                      </m:r>
+                      <m:r>
+                        <a:rPr lang="ru-RU" sz="1800" i="1">
+                          <a:effectLst/>
+                          <a:latin typeface="Cambria Math" panose="02040503050406030204" pitchFamily="18" charset="0"/>
+                          <a:ea typeface="Times New Roman" panose="02020603050405020304" pitchFamily="18" charset="0"/>
+                          <a:cs typeface="Times New Roman" panose="02020603050405020304" pitchFamily="18" charset="0"/>
+                        </a:rPr>
+                        <m:t>𝑚𝑜𝑑</m:t>
+                      </m:r>
+                      <m:r>
+                        <a:rPr lang="ru-RU" sz="1800" i="1">
+                          <a:effectLst/>
+                          <a:latin typeface="Cambria Math" panose="02040503050406030204" pitchFamily="18" charset="0"/>
+                          <a:ea typeface="Times New Roman" panose="02020603050405020304" pitchFamily="18" charset="0"/>
+                          <a:cs typeface="Times New Roman" panose="02020603050405020304" pitchFamily="18" charset="0"/>
+                        </a:rPr>
+                        <m:t> 3</m:t>
+                      </m:r>
+                    </m:oMath>
+                  </m:oMathPara>
+                </a14:m>
+                <a:endParaRPr lang="ru-RU" sz="1800" dirty="0"/>
               </a:p>
               <a:p>
                 <a:pPr marL="457200" indent="-457200">
@@ -13051,9 +17638,9 @@
                 <a:ext cx="5814239" cy="3461155"/>
               </a:xfrm>
               <a:blipFill>
-                <a:blip r:embed="rId2"/>
+                <a:blip r:embed="rId3"/>
                 <a:stretch>
-                  <a:fillRect l="-1089" t="-2198"/>
+                  <a:fillRect l="-1089" b="-1099"/>
                 </a:stretch>
               </a:blipFill>
             </p:spPr>
@@ -13087,7 +17674,7 @@
           <p:nvPr/>
         </p:nvPicPr>
         <p:blipFill>
-          <a:blip r:embed="rId3"/>
+          <a:blip r:embed="rId4"/>
           <a:stretch>
             <a:fillRect/>
           </a:stretch>
@@ -13117,7 +17704,7 @@
           <p:nvPr/>
         </p:nvPicPr>
         <p:blipFill>
-          <a:blip r:embed="rId4"/>
+          <a:blip r:embed="rId5"/>
           <a:stretch>
             <a:fillRect/>
           </a:stretch>
@@ -13275,45 +17862,6 @@
           <a:p>
             <a:pPr algn="ctr"/>
             <a:endParaRPr lang="en-US"/>
-          </a:p>
-        </p:txBody>
-      </p:sp>
-      <p:sp>
-        <p:nvSpPr>
-          <p:cNvPr id="6" name="TextBox 5">
-            <a:extLst>
-              <a:ext uri="{FF2B5EF4-FFF2-40B4-BE49-F238E27FC236}">
-                <a16:creationId xmlns:a16="http://schemas.microsoft.com/office/drawing/2014/main" id="{B02FC46E-7CCE-D192-3B51-81E37BD881D4}"/>
-              </a:ext>
-            </a:extLst>
-          </p:cNvPr>
-          <p:cNvSpPr txBox="1"/>
-          <p:nvPr/>
-        </p:nvSpPr>
-        <p:spPr>
-          <a:xfrm>
-            <a:off x="2668772" y="6060558"/>
-            <a:ext cx="3359061" cy="369332"/>
-          </a:xfrm>
-          <a:prstGeom prst="rect">
-            <a:avLst/>
-          </a:prstGeom>
-          <a:noFill/>
-        </p:spPr>
-        <p:txBody>
-          <a:bodyPr wrap="none" rtlCol="0">
-            <a:spAutoFit/>
-          </a:bodyPr>
-          <a:lstStyle/>
-          <a:p>
-            <a:r>
-              <a:rPr lang="ru-RU" dirty="0">
-                <a:highlight>
-                  <a:srgbClr val="FFFF00"/>
-                </a:highlight>
-              </a:rPr>
-              <a:t>Подчеркнуть, что свой алгоритм</a:t>
-            </a:r>
           </a:p>
         </p:txBody>
       </p:sp>
@@ -13860,7 +18408,7 @@
             <p:nvPr/>
           </p:nvPicPr>
           <p:blipFill>
-            <a:blip r:embed="rId2" cstate="print">
+            <a:blip r:embed="rId3" cstate="print">
               <a:extLst>
                 <a:ext uri="{28A0092B-C50C-407E-A947-70E740481C1C}">
                   <a14:useLocalDpi xmlns:a14="http://schemas.microsoft.com/office/drawing/2010/main" val="0"/>
@@ -13896,7 +18444,7 @@
             <p:nvPr/>
           </p:nvPicPr>
           <p:blipFill>
-            <a:blip r:embed="rId3" cstate="print">
+            <a:blip r:embed="rId4" cstate="print">
               <a:extLst>
                 <a:ext uri="{28A0092B-C50C-407E-A947-70E740481C1C}">
                   <a14:useLocalDpi xmlns:a14="http://schemas.microsoft.com/office/drawing/2010/main" val="0"/>
@@ -13932,7 +18480,7 @@
             <p:nvPr/>
           </p:nvPicPr>
           <p:blipFill>
-            <a:blip r:embed="rId4" cstate="print">
+            <a:blip r:embed="rId5" cstate="print">
               <a:extLst>
                 <a:ext uri="{28A0092B-C50C-407E-A947-70E740481C1C}">
                   <a14:useLocalDpi xmlns:a14="http://schemas.microsoft.com/office/drawing/2010/main" val="0"/>
@@ -13968,7 +18516,7 @@
             <p:nvPr/>
           </p:nvPicPr>
           <p:blipFill>
-            <a:blip r:embed="rId5" cstate="print">
+            <a:blip r:embed="rId6" cstate="print">
               <a:extLst>
                 <a:ext uri="{28A0092B-C50C-407E-A947-70E740481C1C}">
                   <a14:useLocalDpi xmlns:a14="http://schemas.microsoft.com/office/drawing/2010/main" val="0"/>
@@ -14025,7 +18573,7 @@
             <p:nvPr/>
           </p:nvPicPr>
           <p:blipFill>
-            <a:blip r:embed="rId6"/>
+            <a:blip r:embed="rId7"/>
             <a:stretch>
               <a:fillRect/>
             </a:stretch>
@@ -14197,45 +18745,6 @@
           </p:txBody>
         </p:sp>
       </p:grpSp>
-      <p:sp>
-        <p:nvSpPr>
-          <p:cNvPr id="20" name="TextBox 19">
-            <a:extLst>
-              <a:ext uri="{FF2B5EF4-FFF2-40B4-BE49-F238E27FC236}">
-                <a16:creationId xmlns:a16="http://schemas.microsoft.com/office/drawing/2014/main" id="{805E3512-302A-773A-2EF9-D175EC5D4784}"/>
-              </a:ext>
-            </a:extLst>
-          </p:cNvPr>
-          <p:cNvSpPr txBox="1"/>
-          <p:nvPr/>
-        </p:nvSpPr>
-        <p:spPr>
-          <a:xfrm>
-            <a:off x="1562986" y="6379535"/>
-            <a:ext cx="2023759" cy="369332"/>
-          </a:xfrm>
-          <a:prstGeom prst="rect">
-            <a:avLst/>
-          </a:prstGeom>
-          <a:noFill/>
-        </p:spPr>
-        <p:txBody>
-          <a:bodyPr wrap="none" rtlCol="0">
-            <a:spAutoFit/>
-          </a:bodyPr>
-          <a:lstStyle/>
-          <a:p>
-            <a:r>
-              <a:rPr lang="ru-RU" dirty="0">
-                <a:highlight>
-                  <a:srgbClr val="FFFF00"/>
-                </a:highlight>
-              </a:rPr>
-              <a:t>Модельная задача</a:t>
-            </a:r>
-          </a:p>
-        </p:txBody>
-      </p:sp>
     </p:spTree>
     <p:extLst>
       <p:ext uri="{BB962C8B-B14F-4D97-AF65-F5344CB8AC3E}">
@@ -15366,4 +19875,299 @@
     </a:ext>
   </a:extLst>
 </a:theme>
+</file>
+
+<file path=ppt/theme/theme2.xml><?xml version="1.0" encoding="utf-8"?>
+<a:theme xmlns:a="http://schemas.openxmlformats.org/drawingml/2006/main" name="Тема Office">
+  <a:themeElements>
+    <a:clrScheme name="Стандартная">
+      <a:dk1>
+        <a:sysClr val="windowText" lastClr="000000"/>
+      </a:dk1>
+      <a:lt1>
+        <a:sysClr val="window" lastClr="FFFFFF"/>
+      </a:lt1>
+      <a:dk2>
+        <a:srgbClr val="44546A"/>
+      </a:dk2>
+      <a:lt2>
+        <a:srgbClr val="E7E6E6"/>
+      </a:lt2>
+      <a:accent1>
+        <a:srgbClr val="4472C4"/>
+      </a:accent1>
+      <a:accent2>
+        <a:srgbClr val="ED7D31"/>
+      </a:accent2>
+      <a:accent3>
+        <a:srgbClr val="A5A5A5"/>
+      </a:accent3>
+      <a:accent4>
+        <a:srgbClr val="FFC000"/>
+      </a:accent4>
+      <a:accent5>
+        <a:srgbClr val="5B9BD5"/>
+      </a:accent5>
+      <a:accent6>
+        <a:srgbClr val="70AD47"/>
+      </a:accent6>
+      <a:hlink>
+        <a:srgbClr val="0563C1"/>
+      </a:hlink>
+      <a:folHlink>
+        <a:srgbClr val="954F72"/>
+      </a:folHlink>
+    </a:clrScheme>
+    <a:fontScheme name="Стандартная">
+      <a:majorFont>
+        <a:latin typeface="Calibri Light" panose="020F0302020204030204"/>
+        <a:ea typeface=""/>
+        <a:cs typeface=""/>
+        <a:font script="Jpan" typeface="游ゴシック Light"/>
+        <a:font script="Hang" typeface="맑은 고딕"/>
+        <a:font script="Hans" typeface="等线 Light"/>
+        <a:font script="Hant" typeface="新細明體"/>
+        <a:font script="Arab" typeface="Times New Roman"/>
+        <a:font script="Hebr" typeface="Times New Roman"/>
+        <a:font script="Thai" typeface="Angsana New"/>
+        <a:font script="Ethi" typeface="Nyala"/>
+        <a:font script="Beng" typeface="Vrinda"/>
+        <a:font script="Gujr" typeface="Shruti"/>
+        <a:font script="Khmr" typeface="MoolBoran"/>
+        <a:font script="Knda" typeface="Tunga"/>
+        <a:font script="Guru" typeface="Raavi"/>
+        <a:font script="Cans" typeface="Euphemia"/>
+        <a:font script="Cher" typeface="Plantagenet Cherokee"/>
+        <a:font script="Yiii" typeface="Microsoft Yi Baiti"/>
+        <a:font script="Tibt" typeface="Microsoft Himalaya"/>
+        <a:font script="Thaa" typeface="MV Boli"/>
+        <a:font script="Deva" typeface="Mangal"/>
+        <a:font script="Telu" typeface="Gautami"/>
+        <a:font script="Taml" typeface="Latha"/>
+        <a:font script="Syrc" typeface="Estrangelo Edessa"/>
+        <a:font script="Orya" typeface="Kalinga"/>
+        <a:font script="Mlym" typeface="Kartika"/>
+        <a:font script="Laoo" typeface="DokChampa"/>
+        <a:font script="Sinh" typeface="Iskoola Pota"/>
+        <a:font script="Mong" typeface="Mongolian Baiti"/>
+        <a:font script="Viet" typeface="Times New Roman"/>
+        <a:font script="Uigh" typeface="Microsoft Uighur"/>
+        <a:font script="Geor" typeface="Sylfaen"/>
+        <a:font script="Armn" typeface="Arial"/>
+        <a:font script="Bugi" typeface="Leelawadee UI"/>
+        <a:font script="Bopo" typeface="Microsoft JhengHei"/>
+        <a:font script="Java" typeface="Javanese Text"/>
+        <a:font script="Lisu" typeface="Segoe UI"/>
+        <a:font script="Mymr" typeface="Myanmar Text"/>
+        <a:font script="Nkoo" typeface="Ebrima"/>
+        <a:font script="Olck" typeface="Nirmala UI"/>
+        <a:font script="Osma" typeface="Ebrima"/>
+        <a:font script="Phag" typeface="Phagspa"/>
+        <a:font script="Syrn" typeface="Estrangelo Edessa"/>
+        <a:font script="Syrj" typeface="Estrangelo Edessa"/>
+        <a:font script="Syre" typeface="Estrangelo Edessa"/>
+        <a:font script="Sora" typeface="Nirmala UI"/>
+        <a:font script="Tale" typeface="Microsoft Tai Le"/>
+        <a:font script="Talu" typeface="Microsoft New Tai Lue"/>
+        <a:font script="Tfng" typeface="Ebrima"/>
+      </a:majorFont>
+      <a:minorFont>
+        <a:latin typeface="Calibri" panose="020F0502020204030204"/>
+        <a:ea typeface=""/>
+        <a:cs typeface=""/>
+        <a:font script="Jpan" typeface="游ゴシック"/>
+        <a:font script="Hang" typeface="맑은 고딕"/>
+        <a:font script="Hans" typeface="等线"/>
+        <a:font script="Hant" typeface="新細明體"/>
+        <a:font script="Arab" typeface="Arial"/>
+        <a:font script="Hebr" typeface="Arial"/>
+        <a:font script="Thai" typeface="Cordia New"/>
+        <a:font script="Ethi" typeface="Nyala"/>
+        <a:font script="Beng" typeface="Vrinda"/>
+        <a:font script="Gujr" typeface="Shruti"/>
+        <a:font script="Khmr" typeface="DaunPenh"/>
+        <a:font script="Knda" typeface="Tunga"/>
+        <a:font script="Guru" typeface="Raavi"/>
+        <a:font script="Cans" typeface="Euphemia"/>
+        <a:font script="Cher" typeface="Plantagenet Cherokee"/>
+        <a:font script="Yiii" typeface="Microsoft Yi Baiti"/>
+        <a:font script="Tibt" typeface="Microsoft Himalaya"/>
+        <a:font script="Thaa" typeface="MV Boli"/>
+        <a:font script="Deva" typeface="Mangal"/>
+        <a:font script="Telu" typeface="Gautami"/>
+        <a:font script="Taml" typeface="Latha"/>
+        <a:font script="Syrc" typeface="Estrangelo Edessa"/>
+        <a:font script="Orya" typeface="Kalinga"/>
+        <a:font script="Mlym" typeface="Kartika"/>
+        <a:font script="Laoo" typeface="DokChampa"/>
+        <a:font script="Sinh" typeface="Iskoola Pota"/>
+        <a:font script="Mong" typeface="Mongolian Baiti"/>
+        <a:font script="Viet" typeface="Arial"/>
+        <a:font script="Uigh" typeface="Microsoft Uighur"/>
+        <a:font script="Geor" typeface="Sylfaen"/>
+        <a:font script="Armn" typeface="Arial"/>
+        <a:font script="Bugi" typeface="Leelawadee UI"/>
+        <a:font script="Bopo" typeface="Microsoft JhengHei"/>
+        <a:font script="Java" typeface="Javanese Text"/>
+        <a:font script="Lisu" typeface="Segoe UI"/>
+        <a:font script="Mymr" typeface="Myanmar Text"/>
+        <a:font script="Nkoo" typeface="Ebrima"/>
+        <a:font script="Olck" typeface="Nirmala UI"/>
+        <a:font script="Osma" typeface="Ebrima"/>
+        <a:font script="Phag" typeface="Phagspa"/>
+        <a:font script="Syrn" typeface="Estrangelo Edessa"/>
+        <a:font script="Syrj" typeface="Estrangelo Edessa"/>
+        <a:font script="Syre" typeface="Estrangelo Edessa"/>
+        <a:font script="Sora" typeface="Nirmala UI"/>
+        <a:font script="Tale" typeface="Microsoft Tai Le"/>
+        <a:font script="Talu" typeface="Microsoft New Tai Lue"/>
+        <a:font script="Tfng" typeface="Ebrima"/>
+      </a:minorFont>
+    </a:fontScheme>
+    <a:fmtScheme name="Стандартная">
+      <a:fillStyleLst>
+        <a:solidFill>
+          <a:schemeClr val="phClr"/>
+        </a:solidFill>
+        <a:gradFill rotWithShape="1">
+          <a:gsLst>
+            <a:gs pos="0">
+              <a:schemeClr val="phClr">
+                <a:lumMod val="110000"/>
+                <a:satMod val="105000"/>
+                <a:tint val="67000"/>
+              </a:schemeClr>
+            </a:gs>
+            <a:gs pos="50000">
+              <a:schemeClr val="phClr">
+                <a:lumMod val="105000"/>
+                <a:satMod val="103000"/>
+                <a:tint val="73000"/>
+              </a:schemeClr>
+            </a:gs>
+            <a:gs pos="100000">
+              <a:schemeClr val="phClr">
+                <a:lumMod val="105000"/>
+                <a:satMod val="109000"/>
+                <a:tint val="81000"/>
+              </a:schemeClr>
+            </a:gs>
+          </a:gsLst>
+          <a:lin ang="5400000" scaled="0"/>
+        </a:gradFill>
+        <a:gradFill rotWithShape="1">
+          <a:gsLst>
+            <a:gs pos="0">
+              <a:schemeClr val="phClr">
+                <a:satMod val="103000"/>
+                <a:lumMod val="102000"/>
+                <a:tint val="94000"/>
+              </a:schemeClr>
+            </a:gs>
+            <a:gs pos="50000">
+              <a:schemeClr val="phClr">
+                <a:satMod val="110000"/>
+                <a:lumMod val="100000"/>
+                <a:shade val="100000"/>
+              </a:schemeClr>
+            </a:gs>
+            <a:gs pos="100000">
+              <a:schemeClr val="phClr">
+                <a:lumMod val="99000"/>
+                <a:satMod val="120000"/>
+                <a:shade val="78000"/>
+              </a:schemeClr>
+            </a:gs>
+          </a:gsLst>
+          <a:lin ang="5400000" scaled="0"/>
+        </a:gradFill>
+      </a:fillStyleLst>
+      <a:lnStyleLst>
+        <a:ln w="6350" cap="flat" cmpd="sng" algn="ctr">
+          <a:solidFill>
+            <a:schemeClr val="phClr"/>
+          </a:solidFill>
+          <a:prstDash val="solid"/>
+          <a:miter lim="800000"/>
+        </a:ln>
+        <a:ln w="12700" cap="flat" cmpd="sng" algn="ctr">
+          <a:solidFill>
+            <a:schemeClr val="phClr"/>
+          </a:solidFill>
+          <a:prstDash val="solid"/>
+          <a:miter lim="800000"/>
+        </a:ln>
+        <a:ln w="19050" cap="flat" cmpd="sng" algn="ctr">
+          <a:solidFill>
+            <a:schemeClr val="phClr"/>
+          </a:solidFill>
+          <a:prstDash val="solid"/>
+          <a:miter lim="800000"/>
+        </a:ln>
+      </a:lnStyleLst>
+      <a:effectStyleLst>
+        <a:effectStyle>
+          <a:effectLst/>
+        </a:effectStyle>
+        <a:effectStyle>
+          <a:effectLst/>
+        </a:effectStyle>
+        <a:effectStyle>
+          <a:effectLst>
+            <a:outerShdw blurRad="57150" dist="19050" dir="5400000" algn="ctr" rotWithShape="0">
+              <a:srgbClr val="000000">
+                <a:alpha val="63000"/>
+              </a:srgbClr>
+            </a:outerShdw>
+          </a:effectLst>
+        </a:effectStyle>
+      </a:effectStyleLst>
+      <a:bgFillStyleLst>
+        <a:solidFill>
+          <a:schemeClr val="phClr"/>
+        </a:solidFill>
+        <a:solidFill>
+          <a:schemeClr val="phClr">
+            <a:tint val="95000"/>
+            <a:satMod val="170000"/>
+          </a:schemeClr>
+        </a:solidFill>
+        <a:gradFill rotWithShape="1">
+          <a:gsLst>
+            <a:gs pos="0">
+              <a:schemeClr val="phClr">
+                <a:tint val="93000"/>
+                <a:satMod val="150000"/>
+                <a:shade val="98000"/>
+                <a:lumMod val="102000"/>
+              </a:schemeClr>
+            </a:gs>
+            <a:gs pos="50000">
+              <a:schemeClr val="phClr">
+                <a:tint val="98000"/>
+                <a:satMod val="130000"/>
+                <a:shade val="90000"/>
+                <a:lumMod val="103000"/>
+              </a:schemeClr>
+            </a:gs>
+            <a:gs pos="100000">
+              <a:schemeClr val="phClr">
+                <a:shade val="63000"/>
+                <a:satMod val="120000"/>
+              </a:schemeClr>
+            </a:gs>
+          </a:gsLst>
+          <a:lin ang="5400000" scaled="0"/>
+        </a:gradFill>
+      </a:bgFillStyleLst>
+    </a:fmtScheme>
+  </a:themeElements>
+  <a:objectDefaults/>
+  <a:extraClrSchemeLst/>
+  <a:extLst>
+    <a:ext uri="{05A4C25C-085E-4340-85A3-A5531E510DB2}">
+      <thm15:themeFamily xmlns:thm15="http://schemas.microsoft.com/office/thememl/2012/main" name="Office Theme" id="{62F939B6-93AF-4DB8-9C6B-D6C7DFDC589F}" vid="{4A3C46E8-61CC-4603-A589-7422A47A8E4A}"/>
+    </a:ext>
+  </a:extLst>
+</a:theme>
 </file>
--- a/Диплом/Диплом.pptx
+++ b/Диплом/Диплом.pptx
@@ -5,7 +5,7 @@
     <p:sldMasterId id="2147483648" r:id="rId1"/>
   </p:sldMasterIdLst>
   <p:notesMasterIdLst>
-    <p:notesMasterId r:id="rId17"/>
+    <p:notesMasterId r:id="rId18"/>
   </p:notesMasterIdLst>
   <p:sldIdLst>
     <p:sldId id="256" r:id="rId2"/>
@@ -18,11 +18,12 @@
     <p:sldId id="266" r:id="rId9"/>
     <p:sldId id="271" r:id="rId10"/>
     <p:sldId id="267" r:id="rId11"/>
-    <p:sldId id="272" r:id="rId12"/>
-    <p:sldId id="273" r:id="rId13"/>
-    <p:sldId id="268" r:id="rId14"/>
-    <p:sldId id="269" r:id="rId15"/>
-    <p:sldId id="270" r:id="rId16"/>
+    <p:sldId id="274" r:id="rId12"/>
+    <p:sldId id="272" r:id="rId13"/>
+    <p:sldId id="273" r:id="rId14"/>
+    <p:sldId id="268" r:id="rId15"/>
+    <p:sldId id="269" r:id="rId16"/>
+    <p:sldId id="270" r:id="rId17"/>
   </p:sldIdLst>
   <p:sldSz cx="12192000" cy="6858000"/>
   <p:notesSz cx="6858000" cy="9144000"/>
@@ -5625,7 +5626,7 @@
           <a:p>
             <a:fld id="{F9148C57-D6B3-9447-A68B-1B0BA06B1AAF}" type="datetimeFigureOut">
               <a:rPr lang="ru-RU" smtClean="0"/>
-              <a:t>26.04.2023</a:t>
+              <a:t>13.05.2023</a:t>
             </a:fld>
             <a:endParaRPr lang="ru-RU"/>
           </a:p>
@@ -6261,7 +6262,7 @@
           <a:p>
             <a:fld id="{CFB7AB18-4DC0-294C-844C-ADA7FB273D7B}" type="datetimeFigureOut">
               <a:rPr lang="ru-RU" smtClean="0"/>
-              <a:t>26.04.2023</a:t>
+              <a:t>13.05.2023</a:t>
             </a:fld>
             <a:endParaRPr lang="ru-RU"/>
           </a:p>
@@ -6459,7 +6460,7 @@
           <a:p>
             <a:fld id="{CFB7AB18-4DC0-294C-844C-ADA7FB273D7B}" type="datetimeFigureOut">
               <a:rPr lang="ru-RU" smtClean="0"/>
-              <a:t>26.04.2023</a:t>
+              <a:t>13.05.2023</a:t>
             </a:fld>
             <a:endParaRPr lang="ru-RU"/>
           </a:p>
@@ -6667,7 +6668,7 @@
           <a:p>
             <a:fld id="{CFB7AB18-4DC0-294C-844C-ADA7FB273D7B}" type="datetimeFigureOut">
               <a:rPr lang="ru-RU" smtClean="0"/>
-              <a:t>26.04.2023</a:t>
+              <a:t>13.05.2023</a:t>
             </a:fld>
             <a:endParaRPr lang="ru-RU"/>
           </a:p>
@@ -6865,7 +6866,7 @@
           <a:p>
             <a:fld id="{CFB7AB18-4DC0-294C-844C-ADA7FB273D7B}" type="datetimeFigureOut">
               <a:rPr lang="ru-RU" smtClean="0"/>
-              <a:t>26.04.2023</a:t>
+              <a:t>13.05.2023</a:t>
             </a:fld>
             <a:endParaRPr lang="ru-RU"/>
           </a:p>
@@ -7140,7 +7141,7 @@
           <a:p>
             <a:fld id="{CFB7AB18-4DC0-294C-844C-ADA7FB273D7B}" type="datetimeFigureOut">
               <a:rPr lang="ru-RU" smtClean="0"/>
-              <a:t>26.04.2023</a:t>
+              <a:t>13.05.2023</a:t>
             </a:fld>
             <a:endParaRPr lang="ru-RU"/>
           </a:p>
@@ -7405,7 +7406,7 @@
           <a:p>
             <a:fld id="{CFB7AB18-4DC0-294C-844C-ADA7FB273D7B}" type="datetimeFigureOut">
               <a:rPr lang="ru-RU" smtClean="0"/>
-              <a:t>26.04.2023</a:t>
+              <a:t>13.05.2023</a:t>
             </a:fld>
             <a:endParaRPr lang="ru-RU"/>
           </a:p>
@@ -7817,7 +7818,7 @@
           <a:p>
             <a:fld id="{CFB7AB18-4DC0-294C-844C-ADA7FB273D7B}" type="datetimeFigureOut">
               <a:rPr lang="ru-RU" smtClean="0"/>
-              <a:t>26.04.2023</a:t>
+              <a:t>13.05.2023</a:t>
             </a:fld>
             <a:endParaRPr lang="ru-RU"/>
           </a:p>
@@ -7958,7 +7959,7 @@
           <a:p>
             <a:fld id="{CFB7AB18-4DC0-294C-844C-ADA7FB273D7B}" type="datetimeFigureOut">
               <a:rPr lang="ru-RU" smtClean="0"/>
-              <a:t>26.04.2023</a:t>
+              <a:t>13.05.2023</a:t>
             </a:fld>
             <a:endParaRPr lang="ru-RU"/>
           </a:p>
@@ -8071,7 +8072,7 @@
           <a:p>
             <a:fld id="{CFB7AB18-4DC0-294C-844C-ADA7FB273D7B}" type="datetimeFigureOut">
               <a:rPr lang="ru-RU" smtClean="0"/>
-              <a:t>26.04.2023</a:t>
+              <a:t>13.05.2023</a:t>
             </a:fld>
             <a:endParaRPr lang="ru-RU"/>
           </a:p>
@@ -8382,7 +8383,7 @@
           <a:p>
             <a:fld id="{CFB7AB18-4DC0-294C-844C-ADA7FB273D7B}" type="datetimeFigureOut">
               <a:rPr lang="ru-RU" smtClean="0"/>
-              <a:t>26.04.2023</a:t>
+              <a:t>13.05.2023</a:t>
             </a:fld>
             <a:endParaRPr lang="ru-RU"/>
           </a:p>
@@ -8670,7 +8671,7 @@
           <a:p>
             <a:fld id="{CFB7AB18-4DC0-294C-844C-ADA7FB273D7B}" type="datetimeFigureOut">
               <a:rPr lang="ru-RU" smtClean="0"/>
-              <a:t>26.04.2023</a:t>
+              <a:t>13.05.2023</a:t>
             </a:fld>
             <a:endParaRPr lang="ru-RU"/>
           </a:p>
@@ -8911,7 +8912,7 @@
           <a:p>
             <a:fld id="{CFB7AB18-4DC0-294C-844C-ADA7FB273D7B}" type="datetimeFigureOut">
               <a:rPr lang="ru-RU" smtClean="0"/>
-              <a:t>26.04.2023</a:t>
+              <a:t>13.05.2023</a:t>
             </a:fld>
             <a:endParaRPr lang="ru-RU"/>
           </a:p>
@@ -10524,10 +10525,10 @@
       </p:grpSpPr>
       <p:sp useBgFill="1">
         <p:nvSpPr>
-          <p:cNvPr id="11" name="Rectangle 10">
+          <p:cNvPr id="8" name="Rectangle 7">
             <a:extLst>
               <a:ext uri="{FF2B5EF4-FFF2-40B4-BE49-F238E27FC236}">
-                <a16:creationId xmlns:a16="http://schemas.microsoft.com/office/drawing/2014/main" id="{2151139A-886F-4B97-8815-729AD3831BBD}"/>
+                <a16:creationId xmlns:a16="http://schemas.microsoft.com/office/drawing/2014/main" id="{1B15ED52-F352-441B-82BF-E0EA34836D08}"/>
               </a:ext>
               <a:ext uri="{C183D7F6-B498-43B3-948B-1728B52AA6E4}">
                 <adec:decorative xmlns:adec="http://schemas.microsoft.com/office/drawing/2017/decorative" val="1"/>
@@ -10594,6 +10595,848 @@
           <a:lstStyle/>
           <a:p>
             <a:pPr algn="ctr"/>
+            <a:endParaRPr lang="en-US"/>
+          </a:p>
+        </p:txBody>
+      </p:sp>
+      <p:sp>
+        <p:nvSpPr>
+          <p:cNvPr id="10" name="Rectangle 9">
+            <a:extLst>
+              <a:ext uri="{FF2B5EF4-FFF2-40B4-BE49-F238E27FC236}">
+                <a16:creationId xmlns:a16="http://schemas.microsoft.com/office/drawing/2014/main" id="{3B2E3793-BFE6-45A2-9B7B-E18844431C99}"/>
+              </a:ext>
+              <a:ext uri="{C183D7F6-B498-43B3-948B-1728B52AA6E4}">
+                <adec:decorative xmlns:adec="http://schemas.microsoft.com/office/drawing/2017/decorative" val="1"/>
+              </a:ext>
+            </a:extLst>
+          </p:cNvPr>
+          <p:cNvSpPr>
+            <a:spLocks noGrp="1" noRot="1" noChangeAspect="1" noMove="1" noResize="1" noEditPoints="1" noAdjustHandles="1" noChangeArrowheads="1" noChangeShapeType="1" noTextEdit="1"/>
+          </p:cNvSpPr>
+          <p:nvPr>
+            <p:extLst>
+              <p:ext uri="{386F3935-93C4-4BCD-93E2-E3B085C9AB24}">
+                <p16:designElem xmlns:p16="http://schemas.microsoft.com/office/powerpoint/2015/main" val="1"/>
+              </p:ext>
+            </p:extLst>
+          </p:nvPr>
+        </p:nvSpPr>
+        <p:spPr>
+          <a:xfrm flipH="1">
+            <a:off x="-1" y="-1"/>
+            <a:ext cx="12191998" cy="1590742"/>
+          </a:xfrm>
+          <a:prstGeom prst="rect">
+            <a:avLst/>
+          </a:prstGeom>
+          <a:gradFill>
+            <a:gsLst>
+              <a:gs pos="0">
+                <a:srgbClr val="000000"/>
+              </a:gs>
+              <a:gs pos="100000">
+                <a:schemeClr val="accent1">
+                  <a:lumMod val="75000"/>
+                </a:schemeClr>
+              </a:gs>
+            </a:gsLst>
+            <a:lin ang="8400000" scaled="0"/>
+          </a:gradFill>
+          <a:ln>
+            <a:noFill/>
+          </a:ln>
+        </p:spPr>
+        <p:style>
+          <a:lnRef idx="2">
+            <a:schemeClr val="accent1">
+              <a:shade val="50000"/>
+            </a:schemeClr>
+          </a:lnRef>
+          <a:fillRef idx="1">
+            <a:schemeClr val="accent1"/>
+          </a:fillRef>
+          <a:effectRef idx="0">
+            <a:schemeClr val="accent1"/>
+          </a:effectRef>
+          <a:fontRef idx="minor">
+            <a:schemeClr val="lt1"/>
+          </a:fontRef>
+        </p:style>
+        <p:txBody>
+          <a:bodyPr rtlCol="0" anchor="ctr"/>
+          <a:lstStyle/>
+          <a:p>
+            <a:pPr algn="ctr"/>
+            <a:endParaRPr lang="en-US"/>
+          </a:p>
+        </p:txBody>
+      </p:sp>
+      <p:sp>
+        <p:nvSpPr>
+          <p:cNvPr id="12" name="Rectangle 11">
+            <a:extLst>
+              <a:ext uri="{FF2B5EF4-FFF2-40B4-BE49-F238E27FC236}">
+                <a16:creationId xmlns:a16="http://schemas.microsoft.com/office/drawing/2014/main" id="{BC4C4868-CB8F-4AF9-9CDB-8108F2C19B67}"/>
+              </a:ext>
+              <a:ext uri="{C183D7F6-B498-43B3-948B-1728B52AA6E4}">
+                <adec:decorative xmlns:adec="http://schemas.microsoft.com/office/drawing/2017/decorative" val="1"/>
+              </a:ext>
+            </a:extLst>
+          </p:cNvPr>
+          <p:cNvSpPr>
+            <a:spLocks noGrp="1" noRot="1" noChangeAspect="1" noMove="1" noResize="1" noEditPoints="1" noAdjustHandles="1" noChangeArrowheads="1" noChangeShapeType="1" noTextEdit="1"/>
+          </p:cNvSpPr>
+          <p:nvPr>
+            <p:extLst>
+              <p:ext uri="{386F3935-93C4-4BCD-93E2-E3B085C9AB24}">
+                <p16:designElem xmlns:p16="http://schemas.microsoft.com/office/powerpoint/2015/main" val="1"/>
+              </p:ext>
+            </p:extLst>
+          </p:nvPr>
+        </p:nvSpPr>
+        <p:spPr>
+          <a:xfrm rot="10800000" flipH="1">
+            <a:off x="-3" y="0"/>
+            <a:ext cx="8115306" cy="1590742"/>
+          </a:xfrm>
+          <a:prstGeom prst="rect">
+            <a:avLst/>
+          </a:prstGeom>
+          <a:gradFill>
+            <a:gsLst>
+              <a:gs pos="20000">
+                <a:schemeClr val="accent1">
+                  <a:alpha val="0"/>
+                </a:schemeClr>
+              </a:gs>
+              <a:gs pos="100000">
+                <a:schemeClr val="accent1">
+                  <a:lumMod val="50000"/>
+                  <a:alpha val="55000"/>
+                </a:schemeClr>
+              </a:gs>
+            </a:gsLst>
+            <a:lin ang="13800000" scaled="0"/>
+          </a:gradFill>
+          <a:ln>
+            <a:noFill/>
+          </a:ln>
+        </p:spPr>
+        <p:style>
+          <a:lnRef idx="2">
+            <a:schemeClr val="accent1">
+              <a:shade val="50000"/>
+            </a:schemeClr>
+          </a:lnRef>
+          <a:fillRef idx="1">
+            <a:schemeClr val="accent1"/>
+          </a:fillRef>
+          <a:effectRef idx="0">
+            <a:schemeClr val="accent1"/>
+          </a:effectRef>
+          <a:fontRef idx="minor">
+            <a:schemeClr val="lt1"/>
+          </a:fontRef>
+        </p:style>
+        <p:txBody>
+          <a:bodyPr rtlCol="0" anchor="ctr"/>
+          <a:lstStyle/>
+          <a:p>
+            <a:pPr algn="ctr"/>
+            <a:endParaRPr lang="en-US"/>
+          </a:p>
+        </p:txBody>
+      </p:sp>
+      <p:sp>
+        <p:nvSpPr>
+          <p:cNvPr id="14" name="Rectangle 13">
+            <a:extLst>
+              <a:ext uri="{FF2B5EF4-FFF2-40B4-BE49-F238E27FC236}">
+                <a16:creationId xmlns:a16="http://schemas.microsoft.com/office/drawing/2014/main" id="{375E0459-6403-40CD-989D-56A4407CA12E}"/>
+              </a:ext>
+              <a:ext uri="{C183D7F6-B498-43B3-948B-1728B52AA6E4}">
+                <adec:decorative xmlns:adec="http://schemas.microsoft.com/office/drawing/2017/decorative" val="1"/>
+              </a:ext>
+            </a:extLst>
+          </p:cNvPr>
+          <p:cNvSpPr>
+            <a:spLocks noGrp="1" noRot="1" noChangeAspect="1" noMove="1" noResize="1" noEditPoints="1" noAdjustHandles="1" noChangeArrowheads="1" noChangeShapeType="1" noTextEdit="1"/>
+          </p:cNvSpPr>
+          <p:nvPr>
+            <p:extLst>
+              <p:ext uri="{386F3935-93C4-4BCD-93E2-E3B085C9AB24}">
+                <p16:designElem xmlns:p16="http://schemas.microsoft.com/office/powerpoint/2015/main" val="1"/>
+              </p:ext>
+            </p:extLst>
+          </p:nvPr>
+        </p:nvSpPr>
+        <p:spPr>
+          <a:xfrm flipH="1">
+            <a:off x="8115299" y="-1"/>
+            <a:ext cx="4076698" cy="1590742"/>
+          </a:xfrm>
+          <a:prstGeom prst="rect">
+            <a:avLst/>
+          </a:prstGeom>
+          <a:gradFill>
+            <a:gsLst>
+              <a:gs pos="0">
+                <a:schemeClr val="accent1">
+                  <a:alpha val="66000"/>
+                </a:schemeClr>
+              </a:gs>
+              <a:gs pos="100000">
+                <a:srgbClr val="000000">
+                  <a:alpha val="30000"/>
+                </a:srgbClr>
+              </a:gs>
+            </a:gsLst>
+            <a:lin ang="13200000" scaled="0"/>
+          </a:gradFill>
+          <a:ln>
+            <a:noFill/>
+          </a:ln>
+        </p:spPr>
+        <p:style>
+          <a:lnRef idx="2">
+            <a:schemeClr val="accent1">
+              <a:shade val="50000"/>
+            </a:schemeClr>
+          </a:lnRef>
+          <a:fillRef idx="1">
+            <a:schemeClr val="accent1"/>
+          </a:fillRef>
+          <a:effectRef idx="0">
+            <a:schemeClr val="accent1"/>
+          </a:effectRef>
+          <a:fontRef idx="minor">
+            <a:schemeClr val="lt1"/>
+          </a:fontRef>
+        </p:style>
+        <p:txBody>
+          <a:bodyPr rtlCol="0" anchor="ctr"/>
+          <a:lstStyle/>
+          <a:p>
+            <a:pPr algn="ctr"/>
+            <a:endParaRPr lang="en-US"/>
+          </a:p>
+        </p:txBody>
+      </p:sp>
+      <p:sp>
+        <p:nvSpPr>
+          <p:cNvPr id="16" name="Rectangle 15">
+            <a:extLst>
+              <a:ext uri="{FF2B5EF4-FFF2-40B4-BE49-F238E27FC236}">
+                <a16:creationId xmlns:a16="http://schemas.microsoft.com/office/drawing/2014/main" id="{53E5B1A8-3AC9-4BD1-9BBC-78CA94F2D1BA}"/>
+              </a:ext>
+              <a:ext uri="{C183D7F6-B498-43B3-948B-1728B52AA6E4}">
+                <adec:decorative xmlns:adec="http://schemas.microsoft.com/office/drawing/2017/decorative" val="1"/>
+              </a:ext>
+            </a:extLst>
+          </p:cNvPr>
+          <p:cNvSpPr>
+            <a:spLocks noGrp="1" noRot="1" noChangeAspect="1" noMove="1" noResize="1" noEditPoints="1" noAdjustHandles="1" noChangeArrowheads="1" noChangeShapeType="1" noTextEdit="1"/>
+          </p:cNvSpPr>
+          <p:nvPr>
+            <p:extLst>
+              <p:ext uri="{386F3935-93C4-4BCD-93E2-E3B085C9AB24}">
+                <p16:designElem xmlns:p16="http://schemas.microsoft.com/office/powerpoint/2015/main" val="1"/>
+              </p:ext>
+            </p:extLst>
+          </p:nvPr>
+        </p:nvSpPr>
+        <p:spPr>
+          <a:xfrm>
+            <a:off x="459350" y="-1"/>
+            <a:ext cx="11732646" cy="1597433"/>
+          </a:xfrm>
+          <a:prstGeom prst="rect">
+            <a:avLst/>
+          </a:prstGeom>
+          <a:gradFill>
+            <a:gsLst>
+              <a:gs pos="50000">
+                <a:srgbClr val="000000">
+                  <a:alpha val="0"/>
+                </a:srgbClr>
+              </a:gs>
+              <a:gs pos="99000">
+                <a:schemeClr val="accent1">
+                  <a:lumMod val="50000"/>
+                  <a:alpha val="52000"/>
+                </a:schemeClr>
+              </a:gs>
+            </a:gsLst>
+            <a:lin ang="16800000" scaled="0"/>
+          </a:gradFill>
+          <a:ln>
+            <a:noFill/>
+          </a:ln>
+        </p:spPr>
+        <p:style>
+          <a:lnRef idx="2">
+            <a:schemeClr val="accent1">
+              <a:shade val="50000"/>
+            </a:schemeClr>
+          </a:lnRef>
+          <a:fillRef idx="1">
+            <a:schemeClr val="accent1"/>
+          </a:fillRef>
+          <a:effectRef idx="0">
+            <a:schemeClr val="accent1"/>
+          </a:effectRef>
+          <a:fontRef idx="minor">
+            <a:schemeClr val="lt1"/>
+          </a:fontRef>
+        </p:style>
+        <p:txBody>
+          <a:bodyPr rtlCol="0" anchor="ctr"/>
+          <a:lstStyle/>
+          <a:p>
+            <a:pPr algn="ctr"/>
+            <a:endParaRPr lang="en-US"/>
+          </a:p>
+        </p:txBody>
+      </p:sp>
+      <p:sp>
+        <p:nvSpPr>
+          <p:cNvPr id="2" name="Заголовок 1">
+            <a:extLst>
+              <a:ext uri="{FF2B5EF4-FFF2-40B4-BE49-F238E27FC236}">
+                <a16:creationId xmlns:a16="http://schemas.microsoft.com/office/drawing/2014/main" id="{ED647AF7-8058-D56C-6535-532634153565}"/>
+              </a:ext>
+            </a:extLst>
+          </p:cNvPr>
+          <p:cNvSpPr>
+            <a:spLocks noGrp="1"/>
+          </p:cNvSpPr>
+          <p:nvPr>
+            <p:ph type="title"/>
+          </p:nvPr>
+        </p:nvSpPr>
+        <p:spPr>
+          <a:xfrm>
+            <a:off x="1371599" y="294538"/>
+            <a:ext cx="9895951" cy="1033669"/>
+          </a:xfrm>
+        </p:spPr>
+        <p:txBody>
+          <a:bodyPr>
+            <a:normAutofit fontScale="90000"/>
+          </a:bodyPr>
+          <a:lstStyle/>
+          <a:p>
+            <a:r>
+              <a:rPr lang="ru-RU" sz="4000" dirty="0">
+                <a:solidFill>
+                  <a:srgbClr val="FFFFFF"/>
+                </a:solidFill>
+              </a:rPr>
+              <a:t>Ускорение программы</a:t>
+            </a:r>
+            <a:br>
+              <a:rPr lang="ru-RU" sz="4000" dirty="0">
+                <a:solidFill>
+                  <a:srgbClr val="FFFFFF"/>
+                </a:solidFill>
+              </a:rPr>
+            </a:br>
+            <a:r>
+              <a:rPr lang="ru-RU" sz="4000" dirty="0">
+                <a:solidFill>
+                  <a:srgbClr val="FFFFFF"/>
+                </a:solidFill>
+              </a:rPr>
+              <a:t>Параллельная эффективность</a:t>
+            </a:r>
+          </a:p>
+        </p:txBody>
+      </p:sp>
+      <mc:AlternateContent xmlns:mc="http://schemas.openxmlformats.org/markup-compatibility/2006">
+        <mc:Choice xmlns:a14="http://schemas.microsoft.com/office/drawing/2010/main" Requires="a14">
+          <p:sp>
+            <p:nvSpPr>
+              <p:cNvPr id="3" name="Объект 2">
+                <a:extLst>
+                  <a:ext uri="{FF2B5EF4-FFF2-40B4-BE49-F238E27FC236}">
+                    <a16:creationId xmlns:a16="http://schemas.microsoft.com/office/drawing/2014/main" id="{CE34F09B-018B-2B8C-14A2-461FDC6C4E64}"/>
+                  </a:ext>
+                </a:extLst>
+              </p:cNvPr>
+              <p:cNvSpPr>
+                <a:spLocks noGrp="1"/>
+              </p:cNvSpPr>
+              <p:nvPr>
+                <p:ph idx="1"/>
+              </p:nvPr>
+            </p:nvSpPr>
+            <p:spPr>
+              <a:xfrm>
+                <a:off x="1371599" y="2318197"/>
+                <a:ext cx="9724031" cy="3683358"/>
+              </a:xfrm>
+            </p:spPr>
+            <p:txBody>
+              <a:bodyPr anchor="ctr">
+                <a:normAutofit fontScale="92500" lnSpcReduction="10000"/>
+              </a:bodyPr>
+              <a:lstStyle/>
+              <a:p>
+                <a:pPr indent="0">
+                  <a:lnSpc>
+                    <a:spcPct val="150000"/>
+                  </a:lnSpc>
+                  <a:buNone/>
+                </a:pPr>
+                <a:r>
+                  <a:rPr lang="ru-RU" dirty="0">
+                    <a:effectLst/>
+                    <a:ea typeface="Times New Roman" panose="02020603050405020304" pitchFamily="18" charset="0"/>
+                    <a:cs typeface="Times New Roman" panose="02020603050405020304" pitchFamily="18" charset="0"/>
+                  </a:rPr>
+                  <a:t>Ускорение программы:</a:t>
+                </a:r>
+              </a:p>
+              <a:p>
+                <a:pPr indent="0" algn="ctr">
+                  <a:lnSpc>
+                    <a:spcPct val="150000"/>
+                  </a:lnSpc>
+                  <a:buNone/>
+                </a:pPr>
+                <a14:m>
+                  <m:oMathPara xmlns:m="http://schemas.openxmlformats.org/officeDocument/2006/math">
+                    <m:oMathParaPr>
+                      <m:jc m:val="center"/>
+                    </m:oMathParaPr>
+                    <m:oMath xmlns:m="http://schemas.openxmlformats.org/officeDocument/2006/math">
+                      <m:sSub>
+                        <m:sSubPr>
+                          <m:ctrlPr>
+                            <a:rPr lang="ru-RU" i="1">
+                              <a:effectLst/>
+                              <a:ea typeface="Times New Roman" panose="02020603050405020304" pitchFamily="18" charset="0"/>
+                              <a:cs typeface="Times New Roman" panose="02020603050405020304" pitchFamily="18" charset="0"/>
+                            </a:rPr>
+                          </m:ctrlPr>
+                        </m:sSubPr>
+                        <m:e>
+                          <m:r>
+                            <a:rPr lang="en-US" i="1" smtClean="0">
+                              <a:effectLst/>
+                              <a:latin typeface="Cambria Math" panose="02040503050406030204" pitchFamily="18" charset="0"/>
+                              <a:ea typeface="Times New Roman" panose="02020603050405020304" pitchFamily="18" charset="0"/>
+                              <a:cs typeface="Times New Roman" panose="02020603050405020304" pitchFamily="18" charset="0"/>
+                            </a:rPr>
+                            <m:t>𝐴</m:t>
+                          </m:r>
+                        </m:e>
+                        <m:sub>
+                          <m:r>
+                            <a:rPr lang="ru-RU" i="1" smtClean="0">
+                              <a:effectLst/>
+                              <a:latin typeface="Cambria Math" panose="02040503050406030204" pitchFamily="18" charset="0"/>
+                              <a:ea typeface="Times New Roman" panose="02020603050405020304" pitchFamily="18" charset="0"/>
+                              <a:cs typeface="Times New Roman" panose="02020603050405020304" pitchFamily="18" charset="0"/>
+                            </a:rPr>
+                            <m:t>𝑁</m:t>
+                          </m:r>
+                        </m:sub>
+                      </m:sSub>
+                      <m:r>
+                        <a:rPr lang="ru-RU" i="1" smtClean="0">
+                          <a:effectLst/>
+                          <a:latin typeface="Cambria Math" panose="02040503050406030204" pitchFamily="18" charset="0"/>
+                          <a:ea typeface="Times New Roman" panose="02020603050405020304" pitchFamily="18" charset="0"/>
+                          <a:cs typeface="Times New Roman" panose="02020603050405020304" pitchFamily="18" charset="0"/>
+                        </a:rPr>
+                        <m:t>=</m:t>
+                      </m:r>
+                      <m:f>
+                        <m:fPr>
+                          <m:ctrlPr>
+                            <a:rPr lang="ru-RU" i="1">
+                              <a:effectLst/>
+                              <a:ea typeface="Times New Roman" panose="02020603050405020304" pitchFamily="18" charset="0"/>
+                              <a:cs typeface="Times New Roman" panose="02020603050405020304" pitchFamily="18" charset="0"/>
+                            </a:rPr>
+                          </m:ctrlPr>
+                        </m:fPr>
+                        <m:num>
+                          <m:sSub>
+                            <m:sSubPr>
+                              <m:ctrlPr>
+                                <a:rPr lang="ru-RU" i="1">
+                                  <a:effectLst/>
+                                  <a:ea typeface="Times New Roman" panose="02020603050405020304" pitchFamily="18" charset="0"/>
+                                  <a:cs typeface="Times New Roman" panose="02020603050405020304" pitchFamily="18" charset="0"/>
+                                </a:rPr>
+                              </m:ctrlPr>
+                            </m:sSubPr>
+                            <m:e>
+                              <m:r>
+                                <a:rPr lang="ru-RU" i="1" smtClean="0">
+                                  <a:effectLst/>
+                                  <a:latin typeface="Cambria Math" panose="02040503050406030204" pitchFamily="18" charset="0"/>
+                                  <a:ea typeface="Times New Roman" panose="02020603050405020304" pitchFamily="18" charset="0"/>
+                                  <a:cs typeface="Times New Roman" panose="02020603050405020304" pitchFamily="18" charset="0"/>
+                                </a:rPr>
+                                <m:t>𝑇</m:t>
+                              </m:r>
+                            </m:e>
+                            <m:sub>
+                              <m:r>
+                                <a:rPr lang="ru-RU" i="1" smtClean="0">
+                                  <a:effectLst/>
+                                  <a:latin typeface="Cambria Math" panose="02040503050406030204" pitchFamily="18" charset="0"/>
+                                  <a:ea typeface="Times New Roman" panose="02020603050405020304" pitchFamily="18" charset="0"/>
+                                  <a:cs typeface="Times New Roman" panose="02020603050405020304" pitchFamily="18" charset="0"/>
+                                </a:rPr>
+                                <m:t>𝑁</m:t>
+                              </m:r>
+                            </m:sub>
+                          </m:sSub>
+                        </m:num>
+                        <m:den>
+                          <m:sSub>
+                            <m:sSubPr>
+                              <m:ctrlPr>
+                                <a:rPr lang="ru-RU" i="1">
+                                  <a:effectLst/>
+                                  <a:ea typeface="Times New Roman" panose="02020603050405020304" pitchFamily="18" charset="0"/>
+                                  <a:cs typeface="Times New Roman" panose="02020603050405020304" pitchFamily="18" charset="0"/>
+                                </a:rPr>
+                              </m:ctrlPr>
+                            </m:sSubPr>
+                            <m:e>
+                              <m:r>
+                                <a:rPr lang="ru-RU" i="1" smtClean="0">
+                                  <a:effectLst/>
+                                  <a:latin typeface="Cambria Math" panose="02040503050406030204" pitchFamily="18" charset="0"/>
+                                  <a:ea typeface="Times New Roman" panose="02020603050405020304" pitchFamily="18" charset="0"/>
+                                  <a:cs typeface="Times New Roman" panose="02020603050405020304" pitchFamily="18" charset="0"/>
+                                </a:rPr>
+                                <m:t>𝑇</m:t>
+                              </m:r>
+                            </m:e>
+                            <m:sub>
+                              <m:r>
+                                <a:rPr lang="ru-RU" i="1" smtClean="0">
+                                  <a:effectLst/>
+                                  <a:latin typeface="Cambria Math" panose="02040503050406030204" pitchFamily="18" charset="0"/>
+                                  <a:ea typeface="Times New Roman" panose="02020603050405020304" pitchFamily="18" charset="0"/>
+                                  <a:cs typeface="Times New Roman" panose="02020603050405020304" pitchFamily="18" charset="0"/>
+                                </a:rPr>
+                                <m:t>0</m:t>
+                              </m:r>
+                            </m:sub>
+                          </m:sSub>
+                        </m:den>
+                      </m:f>
+                    </m:oMath>
+                  </m:oMathPara>
+                </a14:m>
+                <a:endParaRPr lang="ru-RU" i="1" dirty="0">
+                  <a:effectLst/>
+                  <a:ea typeface="Times New Roman" panose="02020603050405020304" pitchFamily="18" charset="0"/>
+                  <a:cs typeface="Times New Roman" panose="02020603050405020304" pitchFamily="18" charset="0"/>
+                </a:endParaRPr>
+              </a:p>
+              <a:p>
+                <a:pPr indent="0">
+                  <a:lnSpc>
+                    <a:spcPct val="150000"/>
+                  </a:lnSpc>
+                  <a:buNone/>
+                </a:pPr>
+                <a:r>
+                  <a:rPr lang="ru-RU" dirty="0">
+                    <a:effectLst/>
+                    <a:ea typeface="Times New Roman" panose="02020603050405020304" pitchFamily="18" charset="0"/>
+                    <a:cs typeface="Times New Roman" panose="02020603050405020304" pitchFamily="18" charset="0"/>
+                  </a:rPr>
+                  <a:t>Параллельная эффективность:</a:t>
+                </a:r>
+              </a:p>
+              <a:p>
+                <a:pPr indent="0" algn="ctr">
+                  <a:lnSpc>
+                    <a:spcPct val="150000"/>
+                  </a:lnSpc>
+                  <a:buNone/>
+                </a:pPr>
+                <a14:m>
+                  <m:oMathPara xmlns:m="http://schemas.openxmlformats.org/officeDocument/2006/math">
+                    <m:oMathParaPr>
+                      <m:jc m:val="center"/>
+                    </m:oMathParaPr>
+                    <m:oMath xmlns:m="http://schemas.openxmlformats.org/officeDocument/2006/math">
+                      <m:sSub>
+                        <m:sSubPr>
+                          <m:ctrlPr>
+                            <a:rPr lang="ru-RU" i="1">
+                              <a:effectLst/>
+                              <a:ea typeface="Times New Roman" panose="02020603050405020304" pitchFamily="18" charset="0"/>
+                              <a:cs typeface="Times New Roman" panose="02020603050405020304" pitchFamily="18" charset="0"/>
+                            </a:rPr>
+                          </m:ctrlPr>
+                        </m:sSubPr>
+                        <m:e>
+                          <m:r>
+                            <a:rPr lang="ru-RU" i="1" smtClean="0">
+                              <a:effectLst/>
+                              <a:latin typeface="Cambria Math" panose="02040503050406030204" pitchFamily="18" charset="0"/>
+                              <a:ea typeface="Times New Roman" panose="02020603050405020304" pitchFamily="18" charset="0"/>
+                              <a:cs typeface="Times New Roman" panose="02020603050405020304" pitchFamily="18" charset="0"/>
+                            </a:rPr>
+                            <m:t>𝐸</m:t>
+                          </m:r>
+                        </m:e>
+                        <m:sub>
+                          <m:r>
+                            <a:rPr lang="ru-RU" i="1" smtClean="0">
+                              <a:effectLst/>
+                              <a:latin typeface="Cambria Math" panose="02040503050406030204" pitchFamily="18" charset="0"/>
+                              <a:ea typeface="Times New Roman" panose="02020603050405020304" pitchFamily="18" charset="0"/>
+                              <a:cs typeface="Times New Roman" panose="02020603050405020304" pitchFamily="18" charset="0"/>
+                            </a:rPr>
+                            <m:t>𝑁</m:t>
+                          </m:r>
+                        </m:sub>
+                      </m:sSub>
+                      <m:r>
+                        <a:rPr lang="ru-RU" i="1" smtClean="0">
+                          <a:effectLst/>
+                          <a:latin typeface="Cambria Math" panose="02040503050406030204" pitchFamily="18" charset="0"/>
+                          <a:ea typeface="Times New Roman" panose="02020603050405020304" pitchFamily="18" charset="0"/>
+                          <a:cs typeface="Times New Roman" panose="02020603050405020304" pitchFamily="18" charset="0"/>
+                        </a:rPr>
+                        <m:t>=</m:t>
+                      </m:r>
+                      <m:f>
+                        <m:fPr>
+                          <m:ctrlPr>
+                            <a:rPr lang="ru-RU" i="1">
+                              <a:effectLst/>
+                              <a:ea typeface="Times New Roman" panose="02020603050405020304" pitchFamily="18" charset="0"/>
+                              <a:cs typeface="Times New Roman" panose="02020603050405020304" pitchFamily="18" charset="0"/>
+                            </a:rPr>
+                          </m:ctrlPr>
+                        </m:fPr>
+                        <m:num>
+                          <m:sSub>
+                            <m:sSubPr>
+                              <m:ctrlPr>
+                                <a:rPr lang="ru-RU" i="1">
+                                  <a:effectLst/>
+                                  <a:ea typeface="Times New Roman" panose="02020603050405020304" pitchFamily="18" charset="0"/>
+                                  <a:cs typeface="Times New Roman" panose="02020603050405020304" pitchFamily="18" charset="0"/>
+                                </a:rPr>
+                              </m:ctrlPr>
+                            </m:sSubPr>
+                            <m:e>
+                              <m:r>
+                                <a:rPr lang="ru-RU" i="1" smtClean="0">
+                                  <a:effectLst/>
+                                  <a:latin typeface="Cambria Math" panose="02040503050406030204" pitchFamily="18" charset="0"/>
+                                  <a:ea typeface="Times New Roman" panose="02020603050405020304" pitchFamily="18" charset="0"/>
+                                  <a:cs typeface="Times New Roman" panose="02020603050405020304" pitchFamily="18" charset="0"/>
+                                </a:rPr>
+                                <m:t>𝐴</m:t>
+                              </m:r>
+                            </m:e>
+                            <m:sub>
+                              <m:r>
+                                <a:rPr lang="ru-RU" i="1" smtClean="0">
+                                  <a:effectLst/>
+                                  <a:latin typeface="Cambria Math" panose="02040503050406030204" pitchFamily="18" charset="0"/>
+                                  <a:ea typeface="Times New Roman" panose="02020603050405020304" pitchFamily="18" charset="0"/>
+                                  <a:cs typeface="Times New Roman" panose="02020603050405020304" pitchFamily="18" charset="0"/>
+                                </a:rPr>
+                                <m:t>𝑁</m:t>
+                              </m:r>
+                            </m:sub>
+                          </m:sSub>
+                        </m:num>
+                        <m:den>
+                          <m:r>
+                            <a:rPr lang="ru-RU" i="1" smtClean="0">
+                              <a:effectLst/>
+                              <a:latin typeface="Cambria Math" panose="02040503050406030204" pitchFamily="18" charset="0"/>
+                              <a:ea typeface="Times New Roman" panose="02020603050405020304" pitchFamily="18" charset="0"/>
+                              <a:cs typeface="Times New Roman" panose="02020603050405020304" pitchFamily="18" charset="0"/>
+                            </a:rPr>
+                            <m:t>𝑁</m:t>
+                          </m:r>
+                        </m:den>
+                      </m:f>
+                    </m:oMath>
+                  </m:oMathPara>
+                </a14:m>
+                <a:endParaRPr lang="ru-RU" dirty="0">
+                  <a:effectLst/>
+                  <a:ea typeface="Times New Roman" panose="02020603050405020304" pitchFamily="18" charset="0"/>
+                  <a:cs typeface="Times New Roman" panose="02020603050405020304" pitchFamily="18" charset="0"/>
+                </a:endParaRPr>
+              </a:p>
+            </p:txBody>
+          </p:sp>
+        </mc:Choice>
+        <mc:Fallback>
+          <p:sp>
+            <p:nvSpPr>
+              <p:cNvPr id="3" name="Объект 2">
+                <a:extLst>
+                  <a:ext uri="{FF2B5EF4-FFF2-40B4-BE49-F238E27FC236}">
+                    <a16:creationId xmlns:a16="http://schemas.microsoft.com/office/drawing/2014/main" id="{CE34F09B-018B-2B8C-14A2-461FDC6C4E64}"/>
+                  </a:ext>
+                </a:extLst>
+              </p:cNvPr>
+              <p:cNvSpPr>
+                <a:spLocks noGrp="1" noRot="1" noChangeAspect="1" noMove="1" noResize="1" noEditPoints="1" noAdjustHandles="1" noChangeArrowheads="1" noChangeShapeType="1" noTextEdit="1"/>
+              </p:cNvSpPr>
+              <p:nvPr>
+                <p:ph idx="1"/>
+              </p:nvPr>
+            </p:nvSpPr>
+            <p:spPr>
+              <a:xfrm>
+                <a:off x="1371599" y="2318197"/>
+                <a:ext cx="9724031" cy="3683358"/>
+              </a:xfrm>
+              <a:blipFill>
+                <a:blip r:embed="rId2"/>
+                <a:stretch>
+                  <a:fillRect/>
+                </a:stretch>
+              </a:blipFill>
+            </p:spPr>
+            <p:txBody>
+              <a:bodyPr/>
+              <a:lstStyle/>
+              <a:p>
+                <a:r>
+                  <a:rPr lang="ru-RU">
+                    <a:noFill/>
+                  </a:rPr>
+                  <a:t> </a:t>
+                </a:r>
+              </a:p>
+            </p:txBody>
+          </p:sp>
+        </mc:Fallback>
+      </mc:AlternateContent>
+    </p:spTree>
+    <p:extLst>
+      <p:ext uri="{BB962C8B-B14F-4D97-AF65-F5344CB8AC3E}">
+        <p14:creationId xmlns:p14="http://schemas.microsoft.com/office/powerpoint/2010/main" val="3646152985"/>
+      </p:ext>
+    </p:extLst>
+  </p:cSld>
+  <p:clrMapOvr>
+    <a:masterClrMapping/>
+  </p:clrMapOvr>
+</p:sld>
+</file>
+
+<file path=ppt/slides/slide12.xml><?xml version="1.0" encoding="utf-8"?>
+<p:sld xmlns:a="http://schemas.openxmlformats.org/drawingml/2006/main" xmlns:r="http://schemas.openxmlformats.org/officeDocument/2006/relationships" xmlns:p="http://schemas.openxmlformats.org/presentationml/2006/main">
+  <p:cSld>
+    <p:bg>
+      <p:bgPr>
+        <a:solidFill>
+          <a:schemeClr val="bg1"/>
+        </a:solidFill>
+        <a:effectLst/>
+      </p:bgPr>
+    </p:bg>
+    <p:spTree>
+      <p:nvGrpSpPr>
+        <p:cNvPr id="1" name=""/>
+        <p:cNvGrpSpPr/>
+        <p:nvPr/>
+      </p:nvGrpSpPr>
+      <p:grpSpPr>
+        <a:xfrm>
+          <a:off x="0" y="0"/>
+          <a:ext cx="0" cy="0"/>
+          <a:chOff x="0" y="0"/>
+          <a:chExt cx="0" cy="0"/>
+        </a:xfrm>
+      </p:grpSpPr>
+      <p:sp useBgFill="1">
+        <p:nvSpPr>
+          <p:cNvPr id="11" name="Rectangle 10">
+            <a:extLst>
+              <a:ext uri="{FF2B5EF4-FFF2-40B4-BE49-F238E27FC236}">
+                <a16:creationId xmlns:a16="http://schemas.microsoft.com/office/drawing/2014/main" id="{2151139A-886F-4B97-8815-729AD3831BBD}"/>
+              </a:ext>
+              <a:ext uri="{C183D7F6-B498-43B3-948B-1728B52AA6E4}">
+                <adec:decorative xmlns:adec="http://schemas.microsoft.com/office/drawing/2017/decorative" val="1"/>
+              </a:ext>
+            </a:extLst>
+          </p:cNvPr>
+          <p:cNvSpPr>
+            <a:spLocks noGrp="1" noRot="1" noChangeAspect="1" noMove="1" noResize="1" noEditPoints="1" noAdjustHandles="1" noChangeArrowheads="1" noChangeShapeType="1" noTextEdit="1"/>
+          </p:cNvSpPr>
+          <p:nvPr>
+            <p:extLst>
+              <p:ext uri="{386F3935-93C4-4BCD-93E2-E3B085C9AB24}">
+                <p16:designElem xmlns:p16="http://schemas.microsoft.com/office/powerpoint/2015/main" val="1"/>
+              </p:ext>
+            </p:extLst>
+          </p:nvPr>
+        </p:nvSpPr>
+        <p:spPr>
+          <a:xfrm>
+            <a:off x="0" y="0"/>
+            <a:ext cx="12192000" cy="6858000"/>
+          </a:xfrm>
+          <a:prstGeom prst="rect">
+            <a:avLst/>
+          </a:prstGeom>
+          <a:ln w="12700" cap="flat" cmpd="sng" algn="ctr">
+            <a:noFill/>
+            <a:prstDash val="solid"/>
+            <a:miter lim="800000"/>
+          </a:ln>
+          <a:effectLst/>
+          <a:extLst>
+            <a:ext uri="{91240B29-F687-4F45-9708-019B960494DF}">
+              <a14:hiddenLine xmlns:a14="http://schemas.microsoft.com/office/drawing/2010/main" w="12700" cap="flat" cmpd="sng" algn="ctr">
+                <a:solidFill>
+                  <a:schemeClr val="accent1">
+                    <a:shade val="50000"/>
+                  </a:schemeClr>
+                </a:solidFill>
+                <a:prstDash val="solid"/>
+                <a:miter lim="800000"/>
+              </a14:hiddenLine>
+            </a:ext>
+          </a:extLst>
+        </p:spPr>
+        <p:style>
+          <a:lnRef idx="2">
+            <a:schemeClr val="accent1">
+              <a:shade val="50000"/>
+            </a:schemeClr>
+          </a:lnRef>
+          <a:fillRef idx="1">
+            <a:schemeClr val="accent1"/>
+          </a:fillRef>
+          <a:effectRef idx="0">
+            <a:schemeClr val="accent1"/>
+          </a:effectRef>
+          <a:fontRef idx="minor">
+            <a:schemeClr val="lt1"/>
+          </a:fontRef>
+        </p:style>
+        <p:txBody>
+          <a:bodyPr rtlCol="0" anchor="ctr"/>
+          <a:lstStyle/>
+          <a:p>
+            <a:pPr algn="ctr"/>
             <a:endParaRPr lang="en-US" sz="2000"/>
           </a:p>
         </p:txBody>
@@ -10941,10 +11784,10 @@
       </p:sp>
       <p:pic>
         <p:nvPicPr>
-          <p:cNvPr id="4" name="Рисунок 3">
+          <p:cNvPr id="7" name="Рисунок 6">
             <a:extLst>
               <a:ext uri="{FF2B5EF4-FFF2-40B4-BE49-F238E27FC236}">
-                <a16:creationId xmlns:a16="http://schemas.microsoft.com/office/drawing/2014/main" id="{3F88FA57-B0A4-9F06-BCCF-E89C0099C820}"/>
+                <a16:creationId xmlns:a16="http://schemas.microsoft.com/office/drawing/2014/main" id="{1DC7AD29-ECE3-FA20-0BF5-6904A41F8C2F}"/>
               </a:ext>
             </a:extLst>
           </p:cNvPr>
@@ -10961,8 +11804,8 @@
         </p:blipFill>
         <p:spPr>
           <a:xfrm>
-            <a:off x="1662683" y="1753032"/>
-            <a:ext cx="8838059" cy="2364179"/>
+            <a:off x="1781758" y="1714301"/>
+            <a:ext cx="8692268" cy="2546927"/>
           </a:xfrm>
           <a:prstGeom prst="rect">
             <a:avLst/>
@@ -10971,10 +11814,10 @@
       </p:pic>
       <p:pic>
         <p:nvPicPr>
-          <p:cNvPr id="6" name="Рисунок 5">
+          <p:cNvPr id="8" name="Рисунок 7">
             <a:extLst>
               <a:ext uri="{FF2B5EF4-FFF2-40B4-BE49-F238E27FC236}">
-                <a16:creationId xmlns:a16="http://schemas.microsoft.com/office/drawing/2014/main" id="{C93E6F67-E936-895D-F7C8-E90921BE5618}"/>
+                <a16:creationId xmlns:a16="http://schemas.microsoft.com/office/drawing/2014/main" id="{9AB3C685-1CBE-D2D8-7B3A-DCE690BD463A}"/>
               </a:ext>
             </a:extLst>
           </p:cNvPr>
@@ -10991,8 +11834,8 @@
         </p:blipFill>
         <p:spPr>
           <a:xfrm>
-            <a:off x="1676971" y="4293796"/>
-            <a:ext cx="8838057" cy="2364179"/>
+            <a:off x="1886910" y="4261228"/>
+            <a:ext cx="8587117" cy="2546927"/>
           </a:xfrm>
           <a:prstGeom prst="rect">
             <a:avLst/>
@@ -11012,7 +11855,7 @@
 </p:sld>
 </file>
 
-<file path=ppt/slides/slide12.xml><?xml version="1.0" encoding="utf-8"?>
+<file path=ppt/slides/slide13.xml><?xml version="1.0" encoding="utf-8"?>
 <p:sld xmlns:a="http://schemas.openxmlformats.org/drawingml/2006/main" xmlns:r="http://schemas.openxmlformats.org/officeDocument/2006/relationships" xmlns:p="http://schemas.openxmlformats.org/presentationml/2006/main">
   <p:cSld>
     <p:bg>
@@ -11472,10 +12315,10 @@
       </p:sp>
       <p:pic>
         <p:nvPicPr>
-          <p:cNvPr id="4" name="Рисунок 3">
+          <p:cNvPr id="5" name="Рисунок 4">
             <a:extLst>
               <a:ext uri="{FF2B5EF4-FFF2-40B4-BE49-F238E27FC236}">
-                <a16:creationId xmlns:a16="http://schemas.microsoft.com/office/drawing/2014/main" id="{3ECBC49B-4CBF-99FD-730F-44DC87D18B65}"/>
+                <a16:creationId xmlns:a16="http://schemas.microsoft.com/office/drawing/2014/main" id="{01586AAE-12AE-D9E0-624F-656D9E6C471A}"/>
               </a:ext>
             </a:extLst>
           </p:cNvPr>
@@ -11492,8 +12335,8 @@
         </p:blipFill>
         <p:spPr>
           <a:xfrm>
-            <a:off x="1662682" y="1776482"/>
-            <a:ext cx="8838059" cy="2364179"/>
+            <a:off x="1802441" y="1670296"/>
+            <a:ext cx="8587117" cy="2546927"/>
           </a:xfrm>
           <a:prstGeom prst="rect">
             <a:avLst/>
@@ -11502,10 +12345,10 @@
       </p:pic>
       <p:pic>
         <p:nvPicPr>
-          <p:cNvPr id="6" name="Рисунок 5">
+          <p:cNvPr id="7" name="Рисунок 6">
             <a:extLst>
               <a:ext uri="{FF2B5EF4-FFF2-40B4-BE49-F238E27FC236}">
-                <a16:creationId xmlns:a16="http://schemas.microsoft.com/office/drawing/2014/main" id="{D8139307-D87A-7BA2-C594-8D28DD666A8C}"/>
+                <a16:creationId xmlns:a16="http://schemas.microsoft.com/office/drawing/2014/main" id="{26A6A9F3-6126-22B0-FAB9-3D9763848A47}"/>
               </a:ext>
             </a:extLst>
           </p:cNvPr>
@@ -11522,8 +12365,8 @@
         </p:blipFill>
         <p:spPr>
           <a:xfrm>
-            <a:off x="1717886" y="4140661"/>
-            <a:ext cx="8756228" cy="2364179"/>
+            <a:off x="1884223" y="4217223"/>
+            <a:ext cx="8505336" cy="2546927"/>
           </a:xfrm>
           <a:prstGeom prst="rect">
             <a:avLst/>
@@ -11543,7 +12386,7 @@
 </p:sld>
 </file>
 
-<file path=ppt/slides/slide13.xml><?xml version="1.0" encoding="utf-8"?>
+<file path=ppt/slides/slide14.xml><?xml version="1.0" encoding="utf-8"?>
 <p:sld xmlns:a="http://schemas.openxmlformats.org/drawingml/2006/main" xmlns:r="http://schemas.openxmlformats.org/officeDocument/2006/relationships" xmlns:p="http://schemas.openxmlformats.org/presentationml/2006/main">
   <p:cSld>
     <p:bg>
@@ -12027,7 +12870,7 @@
 </p:sld>
 </file>
 
-<file path=ppt/slides/slide14.xml><?xml version="1.0" encoding="utf-8"?>
+<file path=ppt/slides/slide15.xml><?xml version="1.0" encoding="utf-8"?>
 <p:sld xmlns:a="http://schemas.openxmlformats.org/drawingml/2006/main" xmlns:r="http://schemas.openxmlformats.org/officeDocument/2006/relationships" xmlns:p="http://schemas.openxmlformats.org/presentationml/2006/main">
   <p:cSld>
     <p:bg>
@@ -12693,7 +13536,7 @@
 </p:sld>
 </file>
 
-<file path=ppt/slides/slide15.xml><?xml version="1.0" encoding="utf-8"?>
+<file path=ppt/slides/slide16.xml><?xml version="1.0" encoding="utf-8"?>
 <p:sld xmlns:a="http://schemas.openxmlformats.org/drawingml/2006/main" xmlns:r="http://schemas.openxmlformats.org/officeDocument/2006/relationships" xmlns:p="http://schemas.openxmlformats.org/presentationml/2006/main">
   <p:cSld>
     <p:bg>
@@ -13438,7 +14281,7 @@
             <a:prstTxWarp prst="textNoShape">
               <a:avLst/>
             </a:prstTxWarp>
-            <a:normAutofit/>
+            <a:normAutofit fontScale="92500" lnSpcReduction="20000"/>
           </a:bodyPr>
           <a:lstStyle/>
           <a:p>
@@ -13451,33 +14294,77 @@
               </a:spcAft>
             </a:pPr>
             <a:r>
-              <a:rPr kumimoji="0" lang="en-US" altLang="ru-RU" sz="1100" b="1" i="0" u="none" strike="noStrike" cap="none" normalizeH="0" baseline="0">
+              <a:rPr kumimoji="0" lang="en-US" altLang="ru-RU" sz="1100" b="0" i="0" u="none" strike="noStrike" cap="none" normalizeH="0" baseline="0" dirty="0" err="1">
                 <a:ln>
                   <a:noFill/>
                 </a:ln>
                 <a:effectLst/>
-                <a:ea typeface="Times New Roman" panose="02020603050405020304" pitchFamily="18" charset="0"/>
-                <a:cs typeface="Times New Roman" panose="02020603050405020304" pitchFamily="18" charset="0"/>
               </a:rPr>
-              <a:t>Adamsson M., Vorkapic A.</a:t>
-            </a:r>
-            <a:r>
-              <a:rPr kumimoji="0" lang="en-US" altLang="ru-RU" sz="1100" b="0" i="0" u="none" strike="noStrike" cap="none" normalizeH="0" baseline="0">
+              <a:t>Adamsson</a:t>
+            </a:r>
+            <a:r>
+              <a:rPr kumimoji="0" lang="en-US" altLang="ru-RU" sz="1100" b="0" i="0" u="none" strike="noStrike" cap="none" normalizeH="0" baseline="0" dirty="0">
                 <a:ln>
                   <a:noFill/>
                 </a:ln>
                 <a:effectLst/>
-                <a:ea typeface="Times New Roman" panose="02020603050405020304" pitchFamily="18" charset="0"/>
-                <a:cs typeface="Times New Roman" panose="02020603050405020304" pitchFamily="18" charset="0"/>
               </a:rPr>
-              <a:t> A comparison study of Kd­tree, Vp­tree and Octree for storing neuronal morphology data with respect to performance [Отчет] : Degree Project in Computer Science / Computer Science and Communication ; KTH Royal Institute of Technology. - Stockholm : [б.н.], 2016.</a:t>
-            </a:r>
-            <a:endParaRPr kumimoji="0" lang="en-US" altLang="ru-RU" sz="1100" b="0" i="0" u="none" strike="noStrike" cap="none" normalizeH="0" baseline="0">
-              <a:ln>
-                <a:noFill/>
-              </a:ln>
-              <a:effectLst/>
-            </a:endParaRPr>
+              <a:t> M., </a:t>
+            </a:r>
+            <a:r>
+              <a:rPr kumimoji="0" lang="en-US" altLang="ru-RU" sz="1100" b="0" i="0" u="none" strike="noStrike" cap="none" normalizeH="0" baseline="0" dirty="0" err="1">
+                <a:ln>
+                  <a:noFill/>
+                </a:ln>
+                <a:effectLst/>
+              </a:rPr>
+              <a:t>Vorkapic</a:t>
+            </a:r>
+            <a:r>
+              <a:rPr kumimoji="0" lang="en-US" altLang="ru-RU" sz="1100" b="0" i="0" u="none" strike="noStrike" cap="none" normalizeH="0" baseline="0" dirty="0">
+                <a:ln>
+                  <a:noFill/>
+                </a:ln>
+                <a:effectLst/>
+              </a:rPr>
+              <a:t> A. A comparison study of </a:t>
+            </a:r>
+            <a:r>
+              <a:rPr kumimoji="0" lang="en-US" altLang="ru-RU" sz="1100" b="0" i="0" u="none" strike="noStrike" cap="none" normalizeH="0" baseline="0" dirty="0" err="1">
+                <a:ln>
+                  <a:noFill/>
+                </a:ln>
+                <a:effectLst/>
+              </a:rPr>
+              <a:t>Kd¬tree</a:t>
+            </a:r>
+            <a:r>
+              <a:rPr kumimoji="0" lang="en-US" altLang="ru-RU" sz="1100" b="0" i="0" u="none" strike="noStrike" cap="none" normalizeH="0" baseline="0" dirty="0">
+                <a:ln>
+                  <a:noFill/>
+                </a:ln>
+                <a:effectLst/>
+              </a:rPr>
+              <a:t>, </a:t>
+            </a:r>
+            <a:r>
+              <a:rPr kumimoji="0" lang="en-US" altLang="ru-RU" sz="1100" b="0" i="0" u="none" strike="noStrike" cap="none" normalizeH="0" baseline="0" dirty="0" err="1">
+                <a:ln>
+                  <a:noFill/>
+                </a:ln>
+                <a:effectLst/>
+              </a:rPr>
+              <a:t>Vp¬tree</a:t>
+            </a:r>
+            <a:r>
+              <a:rPr kumimoji="0" lang="en-US" altLang="ru-RU" sz="1100" b="0" i="0" u="none" strike="noStrike" cap="none" normalizeH="0" baseline="0" dirty="0">
+                <a:ln>
+                  <a:noFill/>
+                </a:ln>
+                <a:effectLst/>
+              </a:rPr>
+              <a:t> and Octree for storing neuronal morphology data with respect to performance: Degree Project in Computer Science / Computer Science and Communication ; KTH Royal Institute of Technology. - Stockholm : 2016.</a:t>
+            </a:r>
           </a:p>
           <a:p>
             <a:pPr eaLnBrk="0" fontAlgn="base" hangingPunct="0">
@@ -13489,33 +14376,50 @@
               </a:spcAft>
             </a:pPr>
             <a:r>
-              <a:rPr kumimoji="0" lang="en-US" altLang="ru-RU" sz="1100" b="1" i="0" u="none" strike="noStrike" cap="none" normalizeH="0" baseline="0">
+              <a:rPr kumimoji="0" lang="en-US" altLang="ru-RU" sz="1100" b="0" i="0" u="none" strike="noStrike" cap="none" normalizeH="0" baseline="0" dirty="0" err="1">
                 <a:ln>
                   <a:noFill/>
                 </a:ln>
                 <a:effectLst/>
-                <a:ea typeface="Times New Roman" panose="02020603050405020304" pitchFamily="18" charset="0"/>
-                <a:cs typeface="Times New Roman" panose="02020603050405020304" pitchFamily="18" charset="0"/>
               </a:rPr>
-              <a:t>Bentley J.</a:t>
-            </a:r>
-            <a:r>
-              <a:rPr kumimoji="0" lang="en-US" altLang="ru-RU" sz="1100" b="0" i="0" u="none" strike="noStrike" cap="none" normalizeH="0" baseline="0">
+              <a:t>Aryal</a:t>
+            </a:r>
+            <a:r>
+              <a:rPr kumimoji="0" lang="en-US" altLang="ru-RU" sz="1100" b="0" i="0" u="none" strike="noStrike" cap="none" normalizeH="0" baseline="0" dirty="0">
                 <a:ln>
                   <a:noFill/>
                 </a:ln>
                 <a:effectLst/>
-                <a:ea typeface="Times New Roman" panose="02020603050405020304" pitchFamily="18" charset="0"/>
-                <a:cs typeface="Times New Roman" panose="02020603050405020304" pitchFamily="18" charset="0"/>
               </a:rPr>
-              <a:t> Multidimensional Binary Search Trees Used for Associative Searching [Дневник] // Communications of the ACM. - New YorkNYUnited States : Association for Computing Machinery, 1 сентябрь 1975 г.. - 9 : Т. 18. - стр. 509–517.</a:t>
-            </a:r>
-            <a:endParaRPr kumimoji="0" lang="en-US" altLang="ru-RU" sz="1100" b="0" i="0" u="none" strike="noStrike" cap="none" normalizeH="0" baseline="0">
-              <a:ln>
-                <a:noFill/>
-              </a:ln>
-              <a:effectLst/>
-            </a:endParaRPr>
+              <a:t> A. et al. Displacement fields from point cloud data: Application of particle imaging velocimetry to landslide geodesy. - Journal of Geophysical Research: Earth Surface, 2012 </a:t>
+            </a:r>
+            <a:r>
+              <a:rPr kumimoji="0" lang="ru-RU" altLang="ru-RU" sz="1100" b="0" i="0" u="none" strike="noStrike" cap="none" normalizeH="0" baseline="0" dirty="0">
+                <a:ln>
+                  <a:noFill/>
+                </a:ln>
+                <a:effectLst/>
+              </a:rPr>
+              <a:t>г.. - </a:t>
+            </a:r>
+            <a:r>
+              <a:rPr kumimoji="0" lang="en-US" altLang="ru-RU" sz="1100" b="0" i="0" u="none" strike="noStrike" cap="none" normalizeH="0" baseline="0" dirty="0">
+                <a:ln>
+                  <a:noFill/>
+                </a:ln>
+                <a:effectLst/>
+              </a:rPr>
+              <a:t>F1 : </a:t>
+            </a:r>
+            <a:r>
+              <a:rPr kumimoji="0" lang="ru-RU" altLang="ru-RU" sz="1100" b="0" i="0" u="none" strike="noStrike" cap="none" normalizeH="0" baseline="0" dirty="0">
+                <a:ln>
+                  <a:noFill/>
+                </a:ln>
+                <a:effectLst/>
+              </a:rPr>
+              <a:t>Т. 117.</a:t>
+            </a:r>
           </a:p>
           <a:p>
             <a:pPr eaLnBrk="0" fontAlgn="base" hangingPunct="0">
@@ -13527,33 +14431,23 @@
               </a:spcAft>
             </a:pPr>
             <a:r>
-              <a:rPr kumimoji="0" lang="en-US" altLang="ru-RU" sz="1100" b="1" i="0" u="none" strike="noStrike" cap="none" normalizeH="0" baseline="0">
+              <a:rPr kumimoji="0" lang="en-US" altLang="ru-RU" sz="1100" b="0" i="0" u="none" strike="noStrike" cap="none" normalizeH="0" baseline="0" dirty="0">
                 <a:ln>
                   <a:noFill/>
                 </a:ln>
                 <a:effectLst/>
-                <a:ea typeface="Times New Roman" panose="02020603050405020304" pitchFamily="18" charset="0"/>
-                <a:cs typeface="Times New Roman" panose="02020603050405020304" pitchFamily="18" charset="0"/>
               </a:rPr>
-              <a:t>Greenspan M., Yurick M.</a:t>
-            </a:r>
-            <a:r>
-              <a:rPr kumimoji="0" lang="en-US" altLang="ru-RU" sz="1100" b="0" i="0" u="none" strike="noStrike" cap="none" normalizeH="0" baseline="0">
+              <a:t>Bello S. A. et al. Deep learning on 3D point clouds. - Remote Sensing, 2020 </a:t>
+            </a:r>
+            <a:r>
+              <a:rPr kumimoji="0" lang="ru-RU" altLang="ru-RU" sz="1100" b="0" i="0" u="none" strike="noStrike" cap="none" normalizeH="0" baseline="0" dirty="0">
                 <a:ln>
                   <a:noFill/>
                 </a:ln>
                 <a:effectLst/>
-                <a:ea typeface="Times New Roman" panose="02020603050405020304" pitchFamily="18" charset="0"/>
-                <a:cs typeface="Times New Roman" panose="02020603050405020304" pitchFamily="18" charset="0"/>
               </a:rPr>
-              <a:t> Approximate kd tree search for efficient ICP [Конференция] // Proceedings of the Fourth International Conference on 3-D Digital Imaging and Modeling (3DIM 2003). - Kingston, Ontario, Canada : IEEE, 2003. - стр. 442 - 448.</a:t>
-            </a:r>
-            <a:endParaRPr kumimoji="0" lang="en-US" altLang="ru-RU" sz="1100" b="0" i="0" u="none" strike="noStrike" cap="none" normalizeH="0" baseline="0">
-              <a:ln>
-                <a:noFill/>
-              </a:ln>
-              <a:effectLst/>
-            </a:endParaRPr>
+              <a:t>г.. - 11 : Т. 12. - стр. 1729.</a:t>
+            </a:r>
           </a:p>
           <a:p>
             <a:pPr eaLnBrk="0" fontAlgn="base" hangingPunct="0">
@@ -13565,33 +14459,41 @@
               </a:spcAft>
             </a:pPr>
             <a:r>
-              <a:rPr kumimoji="0" lang="en-US" altLang="ru-RU" sz="1100" b="1" i="0" u="none" strike="noStrike" cap="none" normalizeH="0" baseline="0">
+              <a:rPr kumimoji="0" lang="en-US" altLang="ru-RU" sz="1100" b="0" i="0" u="none" strike="noStrike" cap="none" normalizeH="0" baseline="0" dirty="0">
                 <a:ln>
                   <a:noFill/>
                 </a:ln>
                 <a:effectLst/>
-                <a:ea typeface="Times New Roman" panose="02020603050405020304" pitchFamily="18" charset="0"/>
-                <a:cs typeface="Times New Roman" panose="02020603050405020304" pitchFamily="18" charset="0"/>
               </a:rPr>
-              <a:t>Guttman A.</a:t>
-            </a:r>
-            <a:r>
-              <a:rPr kumimoji="0" lang="en-US" altLang="ru-RU" sz="1100" b="0" i="0" u="none" strike="noStrike" cap="none" normalizeH="0" baseline="0">
+              <a:t>Bentley J. Multidimensional Binary Search Trees Used for Associative Searching // Communications of the ACM. - New </a:t>
+            </a:r>
+            <a:r>
+              <a:rPr kumimoji="0" lang="en-US" altLang="ru-RU" sz="1100" b="0" i="0" u="none" strike="noStrike" cap="none" normalizeH="0" baseline="0" dirty="0" err="1">
                 <a:ln>
                   <a:noFill/>
                 </a:ln>
                 <a:effectLst/>
-                <a:ea typeface="Times New Roman" panose="02020603050405020304" pitchFamily="18" charset="0"/>
-                <a:cs typeface="Times New Roman" panose="02020603050405020304" pitchFamily="18" charset="0"/>
               </a:rPr>
-              <a:t> R-trees: a dynamic index structure for spatial searching [Конференция] // Proceedings of the 1984 ACM SIGMOD international conference on Management of data. - Berkeley : University of California , 1984. - стр. 47–57.</a:t>
-            </a:r>
-            <a:endParaRPr kumimoji="0" lang="en-US" altLang="ru-RU" sz="1100" b="0" i="0" u="none" strike="noStrike" cap="none" normalizeH="0" baseline="0">
-              <a:ln>
-                <a:noFill/>
-              </a:ln>
-              <a:effectLst/>
-            </a:endParaRPr>
+              <a:t>YorkNYUnited</a:t>
+            </a:r>
+            <a:r>
+              <a:rPr kumimoji="0" lang="en-US" altLang="ru-RU" sz="1100" b="0" i="0" u="none" strike="noStrike" cap="none" normalizeH="0" baseline="0" dirty="0">
+                <a:ln>
+                  <a:noFill/>
+                </a:ln>
+                <a:effectLst/>
+              </a:rPr>
+              <a:t> States : Association for Computing Machinery, 1 </a:t>
+            </a:r>
+            <a:r>
+              <a:rPr kumimoji="0" lang="ru-RU" altLang="ru-RU" sz="1100" b="0" i="0" u="none" strike="noStrike" cap="none" normalizeH="0" baseline="0" dirty="0">
+                <a:ln>
+                  <a:noFill/>
+                </a:ln>
+                <a:effectLst/>
+              </a:rPr>
+              <a:t>сентябрь 1975 г.. - 9 : Т. 18. - стр. 509–517.</a:t>
+            </a:r>
           </a:p>
           <a:p>
             <a:pPr eaLnBrk="0" fontAlgn="base" hangingPunct="0">
@@ -13603,33 +14505,50 @@
               </a:spcAft>
             </a:pPr>
             <a:r>
-              <a:rPr kumimoji="0" lang="en-US" altLang="ru-RU" sz="1100" b="1" i="0" u="none" strike="noStrike" cap="none" normalizeH="0" baseline="0">
+              <a:rPr kumimoji="0" lang="en-US" altLang="ru-RU" sz="1100" b="0" i="0" u="none" strike="noStrike" cap="none" normalizeH="0" baseline="0" dirty="0">
                 <a:ln>
                   <a:noFill/>
                 </a:ln>
                 <a:effectLst/>
-                <a:ea typeface="Times New Roman" panose="02020603050405020304" pitchFamily="18" charset="0"/>
-                <a:cs typeface="Times New Roman" panose="02020603050405020304" pitchFamily="18" charset="0"/>
               </a:rPr>
-              <a:t>Meagher D.</a:t>
-            </a:r>
-            <a:r>
-              <a:rPr kumimoji="0" lang="en-US" altLang="ru-RU" sz="1100" b="0" i="0" u="none" strike="noStrike" cap="none" normalizeH="0" baseline="0">
+              <a:t>Berger M. et al. 35th Annual Conference of the European Association for Computer Graphics, </a:t>
+            </a:r>
+            <a:r>
+              <a:rPr kumimoji="0" lang="en-US" altLang="ru-RU" sz="1100" b="0" i="0" u="none" strike="noStrike" cap="none" normalizeH="0" baseline="0" dirty="0" err="1">
                 <a:ln>
                   <a:noFill/>
                 </a:ln>
                 <a:effectLst/>
-                <a:ea typeface="Times New Roman" panose="02020603050405020304" pitchFamily="18" charset="0"/>
-                <a:cs typeface="Times New Roman" panose="02020603050405020304" pitchFamily="18" charset="0"/>
               </a:rPr>
-              <a:t> Octree Encoding: A New Technique for the Representation, Manipulation and Display of Arbitrary 3-D Objects by Computer [Книга]. - Troy : Rensselaer Polytechnic Institute, Image Processing Laboratory, 1980. - Т. 1.</a:t>
-            </a:r>
-            <a:endParaRPr kumimoji="0" lang="en-US" altLang="ru-RU" sz="1100" b="0" i="0" u="none" strike="noStrike" cap="none" normalizeH="0" baseline="0">
-              <a:ln>
-                <a:noFill/>
-              </a:ln>
-              <a:effectLst/>
-            </a:endParaRPr>
+              <a:t>Eurographics</a:t>
+            </a:r>
+            <a:r>
+              <a:rPr kumimoji="0" lang="en-US" altLang="ru-RU" sz="1100" b="0" i="0" u="none" strike="noStrike" cap="none" normalizeH="0" baseline="0" dirty="0">
+                <a:ln>
+                  <a:noFill/>
+                </a:ln>
+                <a:effectLst/>
+              </a:rPr>
+              <a:t> 2014-State of the Art Reports // State of the art in surface reconstruction from point clouds. - 2014 : The </a:t>
+            </a:r>
+            <a:r>
+              <a:rPr kumimoji="0" lang="en-US" altLang="ru-RU" sz="1100" b="0" i="0" u="none" strike="noStrike" cap="none" normalizeH="0" baseline="0" dirty="0" err="1">
+                <a:ln>
+                  <a:noFill/>
+                </a:ln>
+                <a:effectLst/>
+              </a:rPr>
+              <a:t>Eurographics</a:t>
+            </a:r>
+            <a:r>
+              <a:rPr kumimoji="0" lang="en-US" altLang="ru-RU" sz="1100" b="0" i="0" u="none" strike="noStrike" cap="none" normalizeH="0" baseline="0" dirty="0">
+                <a:ln>
+                  <a:noFill/>
+                </a:ln>
+                <a:effectLst/>
+              </a:rPr>
+              <a:t> Association.</a:t>
+            </a:r>
           </a:p>
           <a:p>
             <a:pPr eaLnBrk="0" fontAlgn="base" hangingPunct="0">
@@ -13641,33 +14560,32 @@
               </a:spcAft>
             </a:pPr>
             <a:r>
-              <a:rPr kumimoji="0" lang="en-US" altLang="ru-RU" sz="1100" b="1" i="0" u="none" strike="noStrike" cap="none" normalizeH="0" baseline="0">
+              <a:rPr kumimoji="0" lang="en-US" altLang="ru-RU" sz="1100" b="0" i="0" u="none" strike="noStrike" cap="none" normalizeH="0" baseline="0" dirty="0">
                 <a:ln>
                   <a:noFill/>
                 </a:ln>
                 <a:effectLst/>
-                <a:ea typeface="Times New Roman" panose="02020603050405020304" pitchFamily="18" charset="0"/>
-                <a:cs typeface="Times New Roman" panose="02020603050405020304" pitchFamily="18" charset="0"/>
               </a:rPr>
-              <a:t>Narasimhulu Y. et al.</a:t>
-            </a:r>
-            <a:r>
-              <a:rPr kumimoji="0" lang="en-US" altLang="ru-RU" sz="1100" b="0" i="0" u="none" strike="noStrike" cap="none" normalizeH="0" baseline="0">
+              <a:t>Blondel P. The handbook of </a:t>
+            </a:r>
+            <a:r>
+              <a:rPr kumimoji="0" lang="en-US" altLang="ru-RU" sz="1100" b="0" i="0" u="none" strike="noStrike" cap="none" normalizeH="0" baseline="0" dirty="0" err="1">
                 <a:ln>
                   <a:noFill/>
                 </a:ln>
                 <a:effectLst/>
-                <a:ea typeface="Times New Roman" panose="02020603050405020304" pitchFamily="18" charset="0"/>
-                <a:cs typeface="Times New Roman" panose="02020603050405020304" pitchFamily="18" charset="0"/>
               </a:rPr>
-              <a:t> CKD-Tree: An Improved KD-Tree Construction Algorithm [Конференция] // Proceedings of the ISIC 2021: International Semantic Intelligence Conference. - New Delhi, India : SCIS, University of Hyderabad, 2021. - стр. 211-218.</a:t>
-            </a:r>
-            <a:endParaRPr kumimoji="0" lang="en-US" altLang="ru-RU" sz="1100" b="0" i="0" u="none" strike="noStrike" cap="none" normalizeH="0" baseline="0">
-              <a:ln>
-                <a:noFill/>
-              </a:ln>
-              <a:effectLst/>
-            </a:endParaRPr>
+              <a:t>sidescan</a:t>
+            </a:r>
+            <a:r>
+              <a:rPr kumimoji="0" lang="en-US" altLang="ru-RU" sz="1100" b="0" i="0" u="none" strike="noStrike" cap="none" normalizeH="0" baseline="0" dirty="0">
+                <a:ln>
+                  <a:noFill/>
+                </a:ln>
+                <a:effectLst/>
+              </a:rPr>
+              <a:t> sonar. - Springer Science &amp; Business Media, 2010.</a:t>
+            </a:r>
           </a:p>
           <a:p>
             <a:pPr eaLnBrk="0" fontAlgn="base" hangingPunct="0">
@@ -13679,33 +14597,23 @@
               </a:spcAft>
             </a:pPr>
             <a:r>
-              <a:rPr kumimoji="0" lang="en-US" altLang="ru-RU" sz="1100" b="1" i="0" u="none" strike="noStrike" cap="none" normalizeH="0" baseline="0">
+              <a:rPr kumimoji="0" lang="en-US" altLang="ru-RU" sz="1100" b="0" i="0" u="none" strike="noStrike" cap="none" normalizeH="0" baseline="0" dirty="0">
                 <a:ln>
                   <a:noFill/>
                 </a:ln>
                 <a:effectLst/>
-                <a:ea typeface="Times New Roman" panose="02020603050405020304" pitchFamily="18" charset="0"/>
-                <a:cs typeface="Times New Roman" panose="02020603050405020304" pitchFamily="18" charset="0"/>
               </a:rPr>
-              <a:t>Nuchter A., Lingemann K., Hertzberg J.</a:t>
-            </a:r>
-            <a:r>
-              <a:rPr kumimoji="0" lang="en-US" altLang="ru-RU" sz="1100" b="0" i="0" u="none" strike="noStrike" cap="none" normalizeH="0" baseline="0">
+              <a:t>Goswami P. et al. An efficient multi-resolution framework for high quality interactive rendering of massive point clouds using multi-way kd-trees. - The Visual Computer, 2013 </a:t>
+            </a:r>
+            <a:r>
+              <a:rPr kumimoji="0" lang="ru-RU" altLang="ru-RU" sz="1100" b="0" i="0" u="none" strike="noStrike" cap="none" normalizeH="0" baseline="0" dirty="0">
                 <a:ln>
                   <a:noFill/>
                 </a:ln>
                 <a:effectLst/>
-                <a:ea typeface="Times New Roman" panose="02020603050405020304" pitchFamily="18" charset="0"/>
-                <a:cs typeface="Times New Roman" panose="02020603050405020304" pitchFamily="18" charset="0"/>
               </a:rPr>
-              <a:t> Cached kd tree search for ICP algorithms [Конференция] // Proceedings of the Sixth International Conference on 3-D Digital Imaging and Modeling (3DIM 2007). - Osnabruck, Germany : IEEE, 2007. - стр. 419-426.</a:t>
-            </a:r>
-            <a:endParaRPr kumimoji="0" lang="en-US" altLang="ru-RU" sz="1100" b="0" i="0" u="none" strike="noStrike" cap="none" normalizeH="0" baseline="0">
-              <a:ln>
-                <a:noFill/>
-              </a:ln>
-              <a:effectLst/>
-            </a:endParaRPr>
+              <a:t>г.. - 69-83 : Т. 29.</a:t>
+            </a:r>
           </a:p>
           <a:p>
             <a:pPr eaLnBrk="0" fontAlgn="base" hangingPunct="0">
@@ -13717,33 +14625,41 @@
               </a:spcAft>
             </a:pPr>
             <a:r>
-              <a:rPr kumimoji="0" lang="en-US" altLang="ru-RU" sz="1100" b="1" i="0" u="none" strike="noStrike" cap="none" normalizeH="0" baseline="0">
+              <a:rPr kumimoji="0" lang="en-US" altLang="ru-RU" sz="1100" b="0" i="0" u="none" strike="noStrike" cap="none" normalizeH="0" baseline="0" dirty="0">
                 <a:ln>
                   <a:noFill/>
                 </a:ln>
                 <a:effectLst/>
-                <a:ea typeface="Times New Roman" panose="02020603050405020304" pitchFamily="18" charset="0"/>
-                <a:cs typeface="Times New Roman" panose="02020603050405020304" pitchFamily="18" charset="0"/>
               </a:rPr>
-              <a:t>Shevtsov M., Soupikov A., Kapustin A.</a:t>
-            </a:r>
-            <a:r>
-              <a:rPr kumimoji="0" lang="en-US" altLang="ru-RU" sz="1100" b="0" i="0" u="none" strike="noStrike" cap="none" normalizeH="0" baseline="0">
+              <a:t>Greenspan M., </a:t>
+            </a:r>
+            <a:r>
+              <a:rPr kumimoji="0" lang="en-US" altLang="ru-RU" sz="1100" b="0" i="0" u="none" strike="noStrike" cap="none" normalizeH="0" baseline="0" dirty="0" err="1">
                 <a:ln>
                   <a:noFill/>
                 </a:ln>
                 <a:effectLst/>
-                <a:ea typeface="Times New Roman" panose="02020603050405020304" pitchFamily="18" charset="0"/>
-                <a:cs typeface="Times New Roman" panose="02020603050405020304" pitchFamily="18" charset="0"/>
               </a:rPr>
-              <a:t> Highly parallel fast KD‐tree construction for interactive ray tracing of dynamic scenes [Дневник] // Computer Graphics Forum. - Oxford, UK : Blackwell Publishing Ltd, 2007 г.. - 3 : Т. 26. - стр. 395-404.</a:t>
-            </a:r>
-            <a:endParaRPr kumimoji="0" lang="en-US" altLang="ru-RU" sz="1100" b="0" i="0" u="none" strike="noStrike" cap="none" normalizeH="0" baseline="0">
-              <a:ln>
-                <a:noFill/>
-              </a:ln>
-              <a:effectLst/>
-            </a:endParaRPr>
+              <a:t>Yurick</a:t>
+            </a:r>
+            <a:r>
+              <a:rPr kumimoji="0" lang="en-US" altLang="ru-RU" sz="1100" b="0" i="0" u="none" strike="noStrike" cap="none" normalizeH="0" baseline="0" dirty="0">
+                <a:ln>
+                  <a:noFill/>
+                </a:ln>
+                <a:effectLst/>
+              </a:rPr>
+              <a:t> M. Approximate kd tree search for efficient ICP // Proceedings of the Fourth International Conference on 3-D Digital Imaging and Modeling (3DIM 2003). - Kingston, Ontario, Canada : IEEE, 2003. - </a:t>
+            </a:r>
+            <a:r>
+              <a:rPr kumimoji="0" lang="ru-RU" altLang="ru-RU" sz="1100" b="0" i="0" u="none" strike="noStrike" cap="none" normalizeH="0" baseline="0" dirty="0">
+                <a:ln>
+                  <a:noFill/>
+                </a:ln>
+                <a:effectLst/>
+              </a:rPr>
+              <a:t>стр. 442 - 448.</a:t>
+            </a:r>
           </a:p>
           <a:p>
             <a:pPr eaLnBrk="0" fontAlgn="base" hangingPunct="0">
@@ -13755,33 +14671,23 @@
               </a:spcAft>
             </a:pPr>
             <a:r>
-              <a:rPr kumimoji="0" lang="en-US" altLang="ru-RU" sz="1100" b="1" i="0" u="none" strike="noStrike" cap="none" normalizeH="0" baseline="0">
+              <a:rPr kumimoji="0" lang="en-US" altLang="ru-RU" sz="1100" b="0" i="0" u="none" strike="noStrike" cap="none" normalizeH="0" baseline="0" dirty="0">
                 <a:ln>
                   <a:noFill/>
                 </a:ln>
                 <a:effectLst/>
-                <a:ea typeface="Times New Roman" panose="02020603050405020304" pitchFamily="18" charset="0"/>
-                <a:cs typeface="Times New Roman" panose="02020603050405020304" pitchFamily="18" charset="0"/>
               </a:rPr>
-              <a:t>Zhou H. et al.</a:t>
-            </a:r>
-            <a:r>
-              <a:rPr kumimoji="0" lang="en-US" altLang="ru-RU" sz="1100" b="0" i="0" u="none" strike="noStrike" cap="none" normalizeH="0" baseline="0">
+              <a:t>Guttman A. R-trees: a dynamic index structure for spatial searching // Proceedings of the 1984 ACM SIGMOD international conference on Management of data. - Berkeley : University of California , 1984. - </a:t>
+            </a:r>
+            <a:r>
+              <a:rPr kumimoji="0" lang="ru-RU" altLang="ru-RU" sz="1100" b="0" i="0" u="none" strike="noStrike" cap="none" normalizeH="0" baseline="0" dirty="0">
                 <a:ln>
                   <a:noFill/>
                 </a:ln>
                 <a:effectLst/>
-                <a:ea typeface="Times New Roman" panose="02020603050405020304" pitchFamily="18" charset="0"/>
-                <a:cs typeface="Times New Roman" panose="02020603050405020304" pitchFamily="18" charset="0"/>
               </a:rPr>
-              <a:t> Research on volume prediction of single tree canopy based on three-dimensional (3D) LiDAR and clustering segmentation [Дневник] // International Journal of Remote Sensing. - 2021 г.. - 2 : Т. 42. - стр. 738-755.</a:t>
-            </a:r>
-            <a:endParaRPr kumimoji="0" lang="en-US" altLang="ru-RU" sz="1100" b="0" i="0" u="none" strike="noStrike" cap="none" normalizeH="0" baseline="0">
-              <a:ln>
-                <a:noFill/>
-              </a:ln>
-              <a:effectLst/>
-            </a:endParaRPr>
+              <a:t>стр. 47–57.</a:t>
+            </a:r>
           </a:p>
           <a:p>
             <a:pPr eaLnBrk="0" fontAlgn="base" hangingPunct="0">
@@ -13793,28 +14699,311 @@
               </a:spcAft>
             </a:pPr>
             <a:r>
-              <a:rPr kumimoji="0" lang="en-US" altLang="ru-RU" sz="1100" b="1" i="0" u="none" strike="noStrike" cap="none" normalizeH="0" baseline="0">
+              <a:rPr kumimoji="0" lang="en-US" altLang="ru-RU" sz="1100" b="0" i="0" u="none" strike="noStrike" cap="none" normalizeH="0" baseline="0" dirty="0" err="1">
                 <a:ln>
                   <a:noFill/>
                 </a:ln>
                 <a:effectLst/>
-                <a:ea typeface="Times New Roman" panose="02020603050405020304" pitchFamily="18" charset="0"/>
-                <a:cs typeface="Times New Roman" panose="02020603050405020304" pitchFamily="18" charset="0"/>
               </a:rPr>
-              <a:t>Zhou K. et al.</a:t>
-            </a:r>
-            <a:r>
-              <a:rPr kumimoji="0" lang="en-US" altLang="ru-RU" sz="1100" b="0" i="0" u="none" strike="noStrike" cap="none" normalizeH="0" baseline="0">
+              <a:t>Hocken</a:t>
+            </a:r>
+            <a:r>
+              <a:rPr kumimoji="0" lang="en-US" altLang="ru-RU" sz="1100" b="0" i="0" u="none" strike="noStrike" cap="none" normalizeH="0" baseline="0" dirty="0">
                 <a:ln>
                   <a:noFill/>
                 </a:ln>
                 <a:effectLst/>
-                <a:ea typeface="Times New Roman" panose="02020603050405020304" pitchFamily="18" charset="0"/>
-                <a:cs typeface="Times New Roman" panose="02020603050405020304" pitchFamily="18" charset="0"/>
               </a:rPr>
-              <a:t> Real-time kd-tree construction on graphics hardware [Дневник]. - [б.м.] : ACM Transactions on Graphics (TOG), 2008 г.. - 5 : Т. 27.</a:t>
-            </a:r>
-            <a:endParaRPr kumimoji="0" lang="en-US" altLang="ru-RU" sz="1100" b="0" i="0" u="none" strike="noStrike" cap="none" normalizeH="0" baseline="0">
+              <a:t> R. J., Pereira P. H. (ed.). Coordinate measuring machines and systems - CRC press, 2016.</a:t>
+            </a:r>
+          </a:p>
+          <a:p>
+            <a:pPr eaLnBrk="0" fontAlgn="base" hangingPunct="0">
+              <a:spcBef>
+                <a:spcPct val="0"/>
+              </a:spcBef>
+              <a:spcAft>
+                <a:spcPts val="600"/>
+              </a:spcAft>
+            </a:pPr>
+            <a:r>
+              <a:rPr kumimoji="0" lang="en-US" altLang="ru-RU" sz="1100" b="0" i="0" u="none" strike="noStrike" cap="none" normalizeH="0" baseline="0" dirty="0" err="1">
+                <a:ln>
+                  <a:noFill/>
+                </a:ln>
+                <a:effectLst/>
+              </a:rPr>
+              <a:t>Leberl</a:t>
+            </a:r>
+            <a:r>
+              <a:rPr kumimoji="0" lang="en-US" altLang="ru-RU" sz="1100" b="0" i="0" u="none" strike="noStrike" cap="none" normalizeH="0" baseline="0" dirty="0">
+                <a:ln>
+                  <a:noFill/>
+                </a:ln>
+                <a:effectLst/>
+              </a:rPr>
+              <a:t> F. et al. Point clouds. - Photogrammetric Engineering &amp; Remote Sensing., 2010 </a:t>
+            </a:r>
+            <a:r>
+              <a:rPr kumimoji="0" lang="ru-RU" altLang="ru-RU" sz="1100" b="0" i="0" u="none" strike="noStrike" cap="none" normalizeH="0" baseline="0" dirty="0">
+                <a:ln>
+                  <a:noFill/>
+                </a:ln>
+                <a:effectLst/>
+              </a:rPr>
+              <a:t>г.. - 10 : Т. 76. - стр. 1123-1134.</a:t>
+            </a:r>
+          </a:p>
+          <a:p>
+            <a:pPr eaLnBrk="0" fontAlgn="base" hangingPunct="0">
+              <a:spcBef>
+                <a:spcPct val="0"/>
+              </a:spcBef>
+              <a:spcAft>
+                <a:spcPts val="600"/>
+              </a:spcAft>
+            </a:pPr>
+            <a:r>
+              <a:rPr kumimoji="0" lang="en-US" altLang="ru-RU" sz="1100" b="0" i="0" u="none" strike="noStrike" cap="none" normalizeH="0" baseline="0" dirty="0">
+                <a:ln>
+                  <a:noFill/>
+                </a:ln>
+                <a:effectLst/>
+              </a:rPr>
+              <a:t>Meagher D. Octree Encoding: A New Technique for the Representation, Manipulation and Display of Arbitrary 3-D Objects by Computer. - Troy : Rensselaer Polytechnic Institute, Image Processing Laboratory, 1980. - </a:t>
+            </a:r>
+            <a:r>
+              <a:rPr kumimoji="0" lang="ru-RU" altLang="ru-RU" sz="1100" b="0" i="0" u="none" strike="noStrike" cap="none" normalizeH="0" baseline="0" dirty="0">
+                <a:ln>
+                  <a:noFill/>
+                </a:ln>
+                <a:effectLst/>
+              </a:rPr>
+              <a:t>Т. 1.</a:t>
+            </a:r>
+          </a:p>
+          <a:p>
+            <a:pPr eaLnBrk="0" fontAlgn="base" hangingPunct="0">
+              <a:spcBef>
+                <a:spcPct val="0"/>
+              </a:spcBef>
+              <a:spcAft>
+                <a:spcPts val="600"/>
+              </a:spcAft>
+            </a:pPr>
+            <a:r>
+              <a:rPr kumimoji="0" lang="en-US" altLang="ru-RU" sz="1100" b="0" i="0" u="none" strike="noStrike" cap="none" normalizeH="0" baseline="0" dirty="0">
+                <a:ln>
+                  <a:noFill/>
+                </a:ln>
+                <a:effectLst/>
+              </a:rPr>
+              <a:t>Mikhail E. M. Bethel J. S., McGlone J. C. Introduction to modern photogrammetry. - John Wiley &amp; Sons, 2001.</a:t>
+            </a:r>
+          </a:p>
+          <a:p>
+            <a:pPr eaLnBrk="0" fontAlgn="base" hangingPunct="0">
+              <a:spcBef>
+                <a:spcPct val="0"/>
+              </a:spcBef>
+              <a:spcAft>
+                <a:spcPts val="600"/>
+              </a:spcAft>
+            </a:pPr>
+            <a:r>
+              <a:rPr kumimoji="0" lang="en-US" altLang="ru-RU" sz="1100" b="0" i="0" u="none" strike="noStrike" cap="none" normalizeH="0" baseline="0" dirty="0" err="1">
+                <a:ln>
+                  <a:noFill/>
+                </a:ln>
+                <a:effectLst/>
+              </a:rPr>
+              <a:t>Narasimhulu</a:t>
+            </a:r>
+            <a:r>
+              <a:rPr kumimoji="0" lang="en-US" altLang="ru-RU" sz="1100" b="0" i="0" u="none" strike="noStrike" cap="none" normalizeH="0" baseline="0" dirty="0">
+                <a:ln>
+                  <a:noFill/>
+                </a:ln>
+                <a:effectLst/>
+              </a:rPr>
+              <a:t> Y. et al. CKD-Tree: An Improved KD-Tree Construction Algorithm // Proceedings of the ISIC 2021: International Semantic Intelligence Conference. - New Delhi, India : SCIS, University of Hyderabad, 2021. - </a:t>
+            </a:r>
+            <a:r>
+              <a:rPr kumimoji="0" lang="ru-RU" altLang="ru-RU" sz="1100" b="0" i="0" u="none" strike="noStrike" cap="none" normalizeH="0" baseline="0" dirty="0">
+                <a:ln>
+                  <a:noFill/>
+                </a:ln>
+                <a:effectLst/>
+              </a:rPr>
+              <a:t>стр. 211-218.</a:t>
+            </a:r>
+          </a:p>
+          <a:p>
+            <a:pPr eaLnBrk="0" fontAlgn="base" hangingPunct="0">
+              <a:spcBef>
+                <a:spcPct val="0"/>
+              </a:spcBef>
+              <a:spcAft>
+                <a:spcPts val="600"/>
+              </a:spcAft>
+            </a:pPr>
+            <a:r>
+              <a:rPr kumimoji="0" lang="en-US" altLang="ru-RU" sz="1100" b="0" i="0" u="none" strike="noStrike" cap="none" normalizeH="0" baseline="0" dirty="0" err="1">
+                <a:ln>
+                  <a:noFill/>
+                </a:ln>
+                <a:effectLst/>
+              </a:rPr>
+              <a:t>Nuchter</a:t>
+            </a:r>
+            <a:r>
+              <a:rPr kumimoji="0" lang="en-US" altLang="ru-RU" sz="1100" b="0" i="0" u="none" strike="noStrike" cap="none" normalizeH="0" baseline="0" dirty="0">
+                <a:ln>
+                  <a:noFill/>
+                </a:ln>
+                <a:effectLst/>
+              </a:rPr>
+              <a:t> A., </a:t>
+            </a:r>
+            <a:r>
+              <a:rPr kumimoji="0" lang="en-US" altLang="ru-RU" sz="1100" b="0" i="0" u="none" strike="noStrike" cap="none" normalizeH="0" baseline="0" dirty="0" err="1">
+                <a:ln>
+                  <a:noFill/>
+                </a:ln>
+                <a:effectLst/>
+              </a:rPr>
+              <a:t>Lingemann</a:t>
+            </a:r>
+            <a:r>
+              <a:rPr kumimoji="0" lang="en-US" altLang="ru-RU" sz="1100" b="0" i="0" u="none" strike="noStrike" cap="none" normalizeH="0" baseline="0" dirty="0">
+                <a:ln>
+                  <a:noFill/>
+                </a:ln>
+                <a:effectLst/>
+              </a:rPr>
+              <a:t> K., Hertzberg J. Cached kd tree search for ICP algorithms // Proceedings of the Sixth International Conference on 3-D Digital Imaging and Modeling (3DIM 2007). - Osnabruck, Germany : IEEE, 2007. - </a:t>
+            </a:r>
+            <a:r>
+              <a:rPr kumimoji="0" lang="ru-RU" altLang="ru-RU" sz="1100" b="0" i="0" u="none" strike="noStrike" cap="none" normalizeH="0" baseline="0" dirty="0">
+                <a:ln>
+                  <a:noFill/>
+                </a:ln>
+                <a:effectLst/>
+              </a:rPr>
+              <a:t>стр. 419-426.</a:t>
+            </a:r>
+          </a:p>
+          <a:p>
+            <a:pPr eaLnBrk="0" fontAlgn="base" hangingPunct="0">
+              <a:spcBef>
+                <a:spcPct val="0"/>
+              </a:spcBef>
+              <a:spcAft>
+                <a:spcPts val="600"/>
+              </a:spcAft>
+            </a:pPr>
+            <a:r>
+              <a:rPr kumimoji="0" lang="en-US" altLang="ru-RU" sz="1100" b="0" i="0" u="none" strike="noStrike" cap="none" normalizeH="0" baseline="0" dirty="0" err="1">
+                <a:ln>
+                  <a:noFill/>
+                </a:ln>
+                <a:effectLst/>
+              </a:rPr>
+              <a:t>Shevtsov</a:t>
+            </a:r>
+            <a:r>
+              <a:rPr kumimoji="0" lang="en-US" altLang="ru-RU" sz="1100" b="0" i="0" u="none" strike="noStrike" cap="none" normalizeH="0" baseline="0" dirty="0">
+                <a:ln>
+                  <a:noFill/>
+                </a:ln>
+                <a:effectLst/>
+              </a:rPr>
+              <a:t> M., </a:t>
+            </a:r>
+            <a:r>
+              <a:rPr kumimoji="0" lang="en-US" altLang="ru-RU" sz="1100" b="0" i="0" u="none" strike="noStrike" cap="none" normalizeH="0" baseline="0" dirty="0" err="1">
+                <a:ln>
+                  <a:noFill/>
+                </a:ln>
+                <a:effectLst/>
+              </a:rPr>
+              <a:t>Soupikov</a:t>
+            </a:r>
+            <a:r>
+              <a:rPr kumimoji="0" lang="en-US" altLang="ru-RU" sz="1100" b="0" i="0" u="none" strike="noStrike" cap="none" normalizeH="0" baseline="0" dirty="0">
+                <a:ln>
+                  <a:noFill/>
+                </a:ln>
+                <a:effectLst/>
+              </a:rPr>
+              <a:t> A., Kapustin A. Highly parallel fast KD‐tree construction for interactive ray tracing of dynamic scenes // Computer Graphics Forum. - Oxford, UK : Blackwell Publishing Ltd, 2007 </a:t>
+            </a:r>
+            <a:r>
+              <a:rPr kumimoji="0" lang="ru-RU" altLang="ru-RU" sz="1100" b="0" i="0" u="none" strike="noStrike" cap="none" normalizeH="0" baseline="0" dirty="0">
+                <a:ln>
+                  <a:noFill/>
+                </a:ln>
+                <a:effectLst/>
+              </a:rPr>
+              <a:t>г.. - 3 : Т. 26. - стр. 395-404.</a:t>
+            </a:r>
+          </a:p>
+          <a:p>
+            <a:pPr eaLnBrk="0" fontAlgn="base" hangingPunct="0">
+              <a:spcBef>
+                <a:spcPct val="0"/>
+              </a:spcBef>
+              <a:spcAft>
+                <a:spcPts val="600"/>
+              </a:spcAft>
+            </a:pPr>
+            <a:r>
+              <a:rPr kumimoji="0" lang="en-US" altLang="ru-RU" sz="1100" b="0" i="0" u="none" strike="noStrike" cap="none" normalizeH="0" baseline="0" dirty="0">
+                <a:ln>
+                  <a:noFill/>
+                </a:ln>
+                <a:effectLst/>
+              </a:rPr>
+              <a:t>Zhou H. et al. Research on volume prediction of single tree canopy based on three-dimensional (3D) LiDAR and clustering segmentation // International Journal of Remote Sensing. - 2021 </a:t>
+            </a:r>
+            <a:r>
+              <a:rPr kumimoji="0" lang="ru-RU" altLang="ru-RU" sz="1100" b="0" i="0" u="none" strike="noStrike" cap="none" normalizeH="0" baseline="0" dirty="0">
+                <a:ln>
+                  <a:noFill/>
+                </a:ln>
+                <a:effectLst/>
+              </a:rPr>
+              <a:t>г.. - 2 : Т. 42. - стр. 738-755.</a:t>
+            </a:r>
+          </a:p>
+          <a:p>
+            <a:pPr eaLnBrk="0" fontAlgn="base" hangingPunct="0">
+              <a:spcBef>
+                <a:spcPct val="0"/>
+              </a:spcBef>
+              <a:spcAft>
+                <a:spcPts val="600"/>
+              </a:spcAft>
+            </a:pPr>
+            <a:r>
+              <a:rPr kumimoji="0" lang="en-US" altLang="ru-RU" sz="1100" b="0" i="0" u="none" strike="noStrike" cap="none" normalizeH="0" baseline="0" dirty="0">
+                <a:ln>
+                  <a:noFill/>
+                </a:ln>
+                <a:effectLst/>
+              </a:rPr>
+              <a:t>Zhou K. et al. Real-time kd-tree construction on graphics hardware. - ACM Transactions on Graphics (TOG), 2008 </a:t>
+            </a:r>
+            <a:r>
+              <a:rPr kumimoji="0" lang="ru-RU" altLang="ru-RU" sz="1100" b="0" i="0" u="none" strike="noStrike" cap="none" normalizeH="0" baseline="0" dirty="0">
+                <a:ln>
+                  <a:noFill/>
+                </a:ln>
+                <a:effectLst/>
+              </a:rPr>
+              <a:t>г.. - 5 : Т. 27.</a:t>
+            </a:r>
+            <a:endParaRPr kumimoji="0" lang="en-US" altLang="ru-RU" sz="1100" b="0" i="0" u="none" strike="noStrike" cap="none" normalizeH="0" baseline="0" dirty="0">
               <a:ln>
                 <a:noFill/>
               </a:ln>
@@ -17180,12 +18369,6 @@
                       <m:jc m:val="centerGroup"/>
                     </m:oMathParaPr>
                     <m:oMath xmlns:m="http://schemas.openxmlformats.org/officeDocument/2006/math">
-                      <m:r>
-                        <a:rPr lang="en-US" sz="1800" b="0" i="1" smtClean="0">
-                          <a:latin typeface="Cambria Math" panose="02040503050406030204" pitchFamily="18" charset="0"/>
-                        </a:rPr>
-                        <m:t>𝑟𝑎𝑛</m:t>
-                      </m:r>
                       <m:sSub>
                         <m:sSubPr>
                           <m:ctrlPr>
@@ -17199,7 +18382,7 @@
                             <a:rPr lang="en-US" sz="1800" b="0" i="1" smtClean="0">
                               <a:latin typeface="Cambria Math" panose="02040503050406030204" pitchFamily="18" charset="0"/>
                             </a:rPr>
-                            <m:t>𝑘</m:t>
+                            <m:t>𝑟</m:t>
                           </m:r>
                         </m:e>
                         <m:sub>
@@ -17213,13 +18396,13 @@
                             <a:rPr lang="en-US" sz="1800" b="0" i="1" smtClean="0">
                               <a:latin typeface="Cambria Math" panose="02040503050406030204" pitchFamily="18" charset="0"/>
                             </a:rPr>
-                            <m:t> </m:t>
+                            <m:t>_</m:t>
                           </m:r>
                           <m:r>
                             <a:rPr lang="en-US" sz="1800" b="0" i="1" smtClean="0">
                               <a:latin typeface="Cambria Math" panose="02040503050406030204" pitchFamily="18" charset="0"/>
                             </a:rPr>
-                            <m:t>𝑐h𝑖𝑙𝑑</m:t>
+                            <m:t>𝑐</m:t>
                           </m:r>
                         </m:sub>
                       </m:sSub>
@@ -17227,13 +18410,13 @@
                         <a:rPr lang="en-US" sz="1800" b="0" i="1" smtClean="0">
                           <a:latin typeface="Cambria Math" panose="02040503050406030204" pitchFamily="18" charset="0"/>
                         </a:rPr>
-                        <m:t>=2∗ </m:t>
+                        <m:t>=2∗</m:t>
                       </m:r>
                       <m:r>
                         <a:rPr lang="en-US" sz="1800" b="0" i="1" smtClean="0">
                           <a:latin typeface="Cambria Math" panose="02040503050406030204" pitchFamily="18" charset="0"/>
                         </a:rPr>
-                        <m:t>𝑟𝑎𝑛𝑘</m:t>
+                        <m:t>𝑟</m:t>
                       </m:r>
                       <m:r>
                         <a:rPr lang="en-US" sz="1800" b="0" i="1" smtClean="0">
@@ -17256,12 +18439,6 @@
                       <m:jc m:val="centerGroup"/>
                     </m:oMathParaPr>
                     <m:oMath xmlns:m="http://schemas.openxmlformats.org/officeDocument/2006/math">
-                      <m:r>
-                        <a:rPr lang="en-US" sz="1800" b="0" i="1" smtClean="0">
-                          <a:latin typeface="Cambria Math" panose="02040503050406030204" pitchFamily="18" charset="0"/>
-                        </a:rPr>
-                        <m:t>𝑟𝑎𝑛</m:t>
-                      </m:r>
                       <m:sSub>
                         <m:sSubPr>
                           <m:ctrlPr>
@@ -17275,7 +18452,7 @@
                             <a:rPr lang="en-US" sz="1800" b="0" i="1" smtClean="0">
                               <a:latin typeface="Cambria Math" panose="02040503050406030204" pitchFamily="18" charset="0"/>
                             </a:rPr>
-                            <m:t>𝑘</m:t>
+                            <m:t>𝑟</m:t>
                           </m:r>
                         </m:e>
                         <m:sub>
@@ -17289,13 +18466,13 @@
                             <a:rPr lang="en-US" sz="1800" b="0" i="1" smtClean="0">
                               <a:latin typeface="Cambria Math" panose="02040503050406030204" pitchFamily="18" charset="0"/>
                             </a:rPr>
-                            <m:t> </m:t>
+                            <m:t>_</m:t>
                           </m:r>
                           <m:r>
                             <a:rPr lang="en-US" sz="1800" b="0" i="1" smtClean="0">
                               <a:latin typeface="Cambria Math" panose="02040503050406030204" pitchFamily="18" charset="0"/>
                             </a:rPr>
-                            <m:t>𝑐h𝑖𝑙𝑑</m:t>
+                            <m:t>𝑐</m:t>
                           </m:r>
                         </m:sub>
                       </m:sSub>
@@ -17309,7 +18486,7 @@
                         <a:rPr lang="en-US" sz="1800" b="0" i="1" smtClean="0">
                           <a:latin typeface="Cambria Math" panose="02040503050406030204" pitchFamily="18" charset="0"/>
                         </a:rPr>
-                        <m:t>𝑟𝑎𝑛𝑘</m:t>
+                        <m:t>𝑟</m:t>
                       </m:r>
                       <m:r>
                         <a:rPr lang="en-US" sz="1800" b="0" i="1" smtClean="0">
@@ -17332,12 +18509,6 @@
                       <m:jc m:val="centerGroup"/>
                     </m:oMathParaPr>
                     <m:oMath xmlns:m="http://schemas.openxmlformats.org/officeDocument/2006/math">
-                      <m:r>
-                        <a:rPr lang="en-US" sz="1800" b="0" i="1" smtClean="0">
-                          <a:latin typeface="Cambria Math" panose="02040503050406030204" pitchFamily="18" charset="0"/>
-                        </a:rPr>
-                        <m:t>𝑟𝑎𝑛</m:t>
-                      </m:r>
                       <m:sSub>
                         <m:sSubPr>
                           <m:ctrlPr>
@@ -17351,7 +18522,7 @@
                             <a:rPr lang="en-US" sz="1800" b="0" i="1" smtClean="0">
                               <a:latin typeface="Cambria Math" panose="02040503050406030204" pitchFamily="18" charset="0"/>
                             </a:rPr>
-                            <m:t>𝑘</m:t>
+                            <m:t>𝑟</m:t>
                           </m:r>
                         </m:e>
                         <m:sub>
@@ -17402,7 +18573,7 @@
                                     <a:rPr lang="en-US" sz="1800" b="0" i="1" smtClean="0">
                                       <a:latin typeface="Cambria Math" panose="02040503050406030204" pitchFamily="18" charset="0"/>
                                     </a:rPr>
-                                    <m:t>𝑟𝑎𝑛𝑘</m:t>
+                                    <m:t>𝑟</m:t>
                                   </m:r>
                                   <m:r>
                                     <a:rPr lang="en-US" sz="1800" b="0" i="1" smtClean="0">
@@ -17541,13 +18712,13 @@
                             </m:dPr>
                             <m:e>
                               <m:r>
-                                <a:rPr lang="ru-RU" sz="1800" i="1">
+                                <a:rPr lang="en-US" sz="1800" b="0" i="1" smtClean="0">
                                   <a:effectLst/>
                                   <a:latin typeface="Cambria Math" panose="02040503050406030204" pitchFamily="18" charset="0"/>
                                   <a:ea typeface="Times New Roman" panose="02020603050405020304" pitchFamily="18" charset="0"/>
                                   <a:cs typeface="Times New Roman" panose="02020603050405020304" pitchFamily="18" charset="0"/>
                                 </a:rPr>
-                                <m:t>𝑟𝑎𝑛𝑘</m:t>
+                                <m:t>𝑟</m:t>
                               </m:r>
                               <m:r>
                                 <a:rPr lang="ru-RU" sz="1800" i="1">
